--- a/presentations/rdbms_design.pptx
+++ b/presentations/rdbms_design.pptx
@@ -6,15 +6,18 @@
     <p:sldMasterId id="2147483702" r:id="rId2"/>
   </p:sldMasterIdLst>
   <p:notesMasterIdLst>
-    <p:notesMasterId r:id="rId6"/>
+    <p:notesMasterId r:id="rId9"/>
   </p:notesMasterIdLst>
   <p:handoutMasterIdLst>
-    <p:handoutMasterId r:id="rId7"/>
+    <p:handoutMasterId r:id="rId10"/>
   </p:handoutMasterIdLst>
   <p:sldIdLst>
     <p:sldId id="256" r:id="rId3"/>
     <p:sldId id="269" r:id="rId4"/>
     <p:sldId id="270" r:id="rId5"/>
+    <p:sldId id="272" r:id="rId6"/>
+    <p:sldId id="271" r:id="rId7"/>
+    <p:sldId id="273" r:id="rId8"/>
   </p:sldIdLst>
   <p:sldSz cx="10080625" cy="7559675"/>
   <p:notesSz cx="7559675" cy="10691813"/>
@@ -119,6 +122,6209 @@
     </p:ext>
   </p:extLst>
 </p:presentation>
+</file>
+
+<file path=ppt/diagrams/colors1.xml><?xml version="1.0" encoding="utf-8"?>
+<dgm:colorsDef xmlns:dgm="http://schemas.openxmlformats.org/drawingml/2006/diagram" xmlns:a="http://schemas.openxmlformats.org/drawingml/2006/main" uniqueId="urn:microsoft.com/office/officeart/2005/8/colors/accent0_3">
+  <dgm:title val=""/>
+  <dgm:desc val=""/>
+  <dgm:catLst>
+    <dgm:cat type="mainScheme" pri="10300"/>
+  </dgm:catLst>
+  <dgm:styleLbl name="node0">
+    <dgm:fillClrLst meth="repeat">
+      <a:schemeClr val="dk2"/>
+    </dgm:fillClrLst>
+    <dgm:linClrLst meth="repeat">
+      <a:schemeClr val="lt2"/>
+    </dgm:linClrLst>
+    <dgm:effectClrLst/>
+    <dgm:txLinClrLst/>
+    <dgm:txFillClrLst/>
+    <dgm:txEffectClrLst/>
+  </dgm:styleLbl>
+  <dgm:styleLbl name="alignNode1">
+    <dgm:fillClrLst meth="repeat">
+      <a:schemeClr val="dk2"/>
+    </dgm:fillClrLst>
+    <dgm:linClrLst meth="repeat">
+      <a:schemeClr val="dk2"/>
+    </dgm:linClrLst>
+    <dgm:effectClrLst/>
+    <dgm:txLinClrLst/>
+    <dgm:txFillClrLst/>
+    <dgm:txEffectClrLst/>
+  </dgm:styleLbl>
+  <dgm:styleLbl name="node1">
+    <dgm:fillClrLst meth="repeat">
+      <a:schemeClr val="dk2"/>
+    </dgm:fillClrLst>
+    <dgm:linClrLst meth="repeat">
+      <a:schemeClr val="lt2"/>
+    </dgm:linClrLst>
+    <dgm:effectClrLst/>
+    <dgm:txLinClrLst/>
+    <dgm:txFillClrLst/>
+    <dgm:txEffectClrLst/>
+  </dgm:styleLbl>
+  <dgm:styleLbl name="lnNode1">
+    <dgm:fillClrLst meth="repeat">
+      <a:schemeClr val="dk2"/>
+    </dgm:fillClrLst>
+    <dgm:linClrLst meth="repeat">
+      <a:schemeClr val="lt2"/>
+    </dgm:linClrLst>
+    <dgm:effectClrLst/>
+    <dgm:txLinClrLst/>
+    <dgm:txFillClrLst/>
+    <dgm:txEffectClrLst/>
+  </dgm:styleLbl>
+  <dgm:styleLbl name="vennNode1">
+    <dgm:fillClrLst meth="repeat">
+      <a:schemeClr val="dk2">
+        <a:alpha val="50000"/>
+      </a:schemeClr>
+    </dgm:fillClrLst>
+    <dgm:linClrLst meth="repeat">
+      <a:schemeClr val="lt2"/>
+    </dgm:linClrLst>
+    <dgm:effectClrLst/>
+    <dgm:txLinClrLst/>
+    <dgm:txFillClrLst/>
+    <dgm:txEffectClrLst/>
+  </dgm:styleLbl>
+  <dgm:styleLbl name="node2">
+    <dgm:fillClrLst meth="repeat">
+      <a:schemeClr val="dk2"/>
+    </dgm:fillClrLst>
+    <dgm:linClrLst meth="repeat">
+      <a:schemeClr val="lt2"/>
+    </dgm:linClrLst>
+    <dgm:effectClrLst/>
+    <dgm:txLinClrLst/>
+    <dgm:txFillClrLst/>
+    <dgm:txEffectClrLst/>
+  </dgm:styleLbl>
+  <dgm:styleLbl name="node3">
+    <dgm:fillClrLst meth="repeat">
+      <a:schemeClr val="dk2"/>
+    </dgm:fillClrLst>
+    <dgm:linClrLst meth="repeat">
+      <a:schemeClr val="lt2"/>
+    </dgm:linClrLst>
+    <dgm:effectClrLst/>
+    <dgm:txLinClrLst/>
+    <dgm:txFillClrLst/>
+    <dgm:txEffectClrLst/>
+  </dgm:styleLbl>
+  <dgm:styleLbl name="node4">
+    <dgm:fillClrLst meth="repeat">
+      <a:schemeClr val="dk2"/>
+    </dgm:fillClrLst>
+    <dgm:linClrLst meth="repeat">
+      <a:schemeClr val="lt2"/>
+    </dgm:linClrLst>
+    <dgm:effectClrLst/>
+    <dgm:txLinClrLst/>
+    <dgm:txFillClrLst/>
+    <dgm:txEffectClrLst/>
+  </dgm:styleLbl>
+  <dgm:styleLbl name="fgImgPlace1">
+    <dgm:fillClrLst meth="repeat">
+      <a:schemeClr val="dk2">
+        <a:tint val="50000"/>
+      </a:schemeClr>
+    </dgm:fillClrLst>
+    <dgm:linClrLst meth="repeat">
+      <a:schemeClr val="lt2"/>
+    </dgm:linClrLst>
+    <dgm:effectClrLst/>
+    <dgm:txLinClrLst/>
+    <dgm:txFillClrLst meth="repeat">
+      <a:schemeClr val="lt2"/>
+    </dgm:txFillClrLst>
+    <dgm:txEffectClrLst/>
+  </dgm:styleLbl>
+  <dgm:styleLbl name="alignImgPlace1">
+    <dgm:fillClrLst meth="repeat">
+      <a:schemeClr val="dk2">
+        <a:tint val="50000"/>
+      </a:schemeClr>
+    </dgm:fillClrLst>
+    <dgm:linClrLst meth="repeat">
+      <a:schemeClr val="dk2">
+        <a:shade val="80000"/>
+      </a:schemeClr>
+    </dgm:linClrLst>
+    <dgm:effectClrLst/>
+    <dgm:txLinClrLst/>
+    <dgm:txFillClrLst meth="repeat">
+      <a:schemeClr val="lt2"/>
+    </dgm:txFillClrLst>
+    <dgm:txEffectClrLst/>
+  </dgm:styleLbl>
+  <dgm:styleLbl name="bgImgPlace1">
+    <dgm:fillClrLst meth="repeat">
+      <a:schemeClr val="dk2">
+        <a:tint val="50000"/>
+      </a:schemeClr>
+    </dgm:fillClrLst>
+    <dgm:linClrLst meth="repeat">
+      <a:schemeClr val="dk2">
+        <a:shade val="80000"/>
+      </a:schemeClr>
+    </dgm:linClrLst>
+    <dgm:effectClrLst/>
+    <dgm:txLinClrLst/>
+    <dgm:txFillClrLst meth="repeat">
+      <a:schemeClr val="lt2"/>
+    </dgm:txFillClrLst>
+    <dgm:txEffectClrLst/>
+  </dgm:styleLbl>
+  <dgm:styleLbl name="sibTrans2D1">
+    <dgm:fillClrLst meth="repeat">
+      <a:schemeClr val="dk2">
+        <a:tint val="60000"/>
+      </a:schemeClr>
+    </dgm:fillClrLst>
+    <dgm:linClrLst meth="repeat">
+      <a:schemeClr val="dk2">
+        <a:tint val="60000"/>
+      </a:schemeClr>
+    </dgm:linClrLst>
+    <dgm:effectClrLst/>
+    <dgm:txLinClrLst/>
+    <dgm:txFillClrLst/>
+    <dgm:txEffectClrLst/>
+  </dgm:styleLbl>
+  <dgm:styleLbl name="fgSibTrans2D1">
+    <dgm:fillClrLst meth="repeat">
+      <a:schemeClr val="dk2">
+        <a:tint val="60000"/>
+      </a:schemeClr>
+    </dgm:fillClrLst>
+    <dgm:linClrLst meth="repeat">
+      <a:schemeClr val="dk2">
+        <a:tint val="60000"/>
+      </a:schemeClr>
+    </dgm:linClrLst>
+    <dgm:effectClrLst/>
+    <dgm:txLinClrLst/>
+    <dgm:txFillClrLst/>
+    <dgm:txEffectClrLst/>
+  </dgm:styleLbl>
+  <dgm:styleLbl name="bgSibTrans2D1">
+    <dgm:fillClrLst meth="repeat">
+      <a:schemeClr val="dk2">
+        <a:tint val="60000"/>
+      </a:schemeClr>
+    </dgm:fillClrLst>
+    <dgm:linClrLst meth="repeat">
+      <a:schemeClr val="dk2">
+        <a:tint val="60000"/>
+      </a:schemeClr>
+    </dgm:linClrLst>
+    <dgm:effectClrLst/>
+    <dgm:txLinClrLst/>
+    <dgm:txFillClrLst/>
+    <dgm:txEffectClrLst/>
+  </dgm:styleLbl>
+  <dgm:styleLbl name="sibTrans1D1">
+    <dgm:fillClrLst meth="repeat">
+      <a:schemeClr val="dk2"/>
+    </dgm:fillClrLst>
+    <dgm:linClrLst meth="repeat">
+      <a:schemeClr val="dk2"/>
+    </dgm:linClrLst>
+    <dgm:effectClrLst/>
+    <dgm:txLinClrLst/>
+    <dgm:txFillClrLst meth="repeat">
+      <a:schemeClr val="lt2"/>
+    </dgm:txFillClrLst>
+    <dgm:txEffectClrLst/>
+  </dgm:styleLbl>
+  <dgm:styleLbl name="callout">
+    <dgm:fillClrLst meth="repeat">
+      <a:schemeClr val="dk2"/>
+    </dgm:fillClrLst>
+    <dgm:linClrLst meth="repeat">
+      <a:schemeClr val="dk2">
+        <a:tint val="50000"/>
+      </a:schemeClr>
+    </dgm:linClrLst>
+    <dgm:effectClrLst/>
+    <dgm:txLinClrLst/>
+    <dgm:txFillClrLst meth="repeat">
+      <a:schemeClr val="lt2"/>
+    </dgm:txFillClrLst>
+    <dgm:txEffectClrLst/>
+  </dgm:styleLbl>
+  <dgm:styleLbl name="asst0">
+    <dgm:fillClrLst meth="repeat">
+      <a:schemeClr val="dk2"/>
+    </dgm:fillClrLst>
+    <dgm:linClrLst meth="repeat">
+      <a:schemeClr val="lt2"/>
+    </dgm:linClrLst>
+    <dgm:effectClrLst/>
+    <dgm:txLinClrLst/>
+    <dgm:txFillClrLst/>
+    <dgm:txEffectClrLst/>
+  </dgm:styleLbl>
+  <dgm:styleLbl name="asst1">
+    <dgm:fillClrLst meth="repeat">
+      <a:schemeClr val="dk2"/>
+    </dgm:fillClrLst>
+    <dgm:linClrLst meth="repeat">
+      <a:schemeClr val="lt2"/>
+    </dgm:linClrLst>
+    <dgm:effectClrLst/>
+    <dgm:txLinClrLst/>
+    <dgm:txFillClrLst/>
+    <dgm:txEffectClrLst/>
+  </dgm:styleLbl>
+  <dgm:styleLbl name="asst2">
+    <dgm:fillClrLst meth="repeat">
+      <a:schemeClr val="dk2"/>
+    </dgm:fillClrLst>
+    <dgm:linClrLst meth="repeat">
+      <a:schemeClr val="lt2"/>
+    </dgm:linClrLst>
+    <dgm:effectClrLst/>
+    <dgm:txLinClrLst/>
+    <dgm:txFillClrLst/>
+    <dgm:txEffectClrLst/>
+  </dgm:styleLbl>
+  <dgm:styleLbl name="asst3">
+    <dgm:fillClrLst meth="repeat">
+      <a:schemeClr val="dk2"/>
+    </dgm:fillClrLst>
+    <dgm:linClrLst meth="repeat">
+      <a:schemeClr val="lt2"/>
+    </dgm:linClrLst>
+    <dgm:effectClrLst/>
+    <dgm:txLinClrLst/>
+    <dgm:txFillClrLst/>
+    <dgm:txEffectClrLst/>
+  </dgm:styleLbl>
+  <dgm:styleLbl name="asst4">
+    <dgm:fillClrLst meth="repeat">
+      <a:schemeClr val="dk2"/>
+    </dgm:fillClrLst>
+    <dgm:linClrLst meth="repeat">
+      <a:schemeClr val="lt2"/>
+    </dgm:linClrLst>
+    <dgm:effectClrLst/>
+    <dgm:txLinClrLst/>
+    <dgm:txFillClrLst/>
+    <dgm:txEffectClrLst/>
+  </dgm:styleLbl>
+  <dgm:styleLbl name="parChTrans2D1">
+    <dgm:fillClrLst meth="repeat">
+      <a:schemeClr val="dk2">
+        <a:tint val="60000"/>
+      </a:schemeClr>
+    </dgm:fillClrLst>
+    <dgm:linClrLst meth="repeat">
+      <a:schemeClr val="dk2">
+        <a:tint val="60000"/>
+      </a:schemeClr>
+    </dgm:linClrLst>
+    <dgm:effectClrLst/>
+    <dgm:txLinClrLst/>
+    <dgm:txFillClrLst meth="repeat">
+      <a:schemeClr val="lt2"/>
+    </dgm:txFillClrLst>
+    <dgm:txEffectClrLst/>
+  </dgm:styleLbl>
+  <dgm:styleLbl name="parChTrans2D2">
+    <dgm:fillClrLst meth="repeat">
+      <a:schemeClr val="dk2"/>
+    </dgm:fillClrLst>
+    <dgm:linClrLst meth="repeat">
+      <a:schemeClr val="dk2"/>
+    </dgm:linClrLst>
+    <dgm:effectClrLst/>
+    <dgm:txLinClrLst/>
+    <dgm:txFillClrLst meth="repeat">
+      <a:schemeClr val="lt2"/>
+    </dgm:txFillClrLst>
+    <dgm:txEffectClrLst/>
+  </dgm:styleLbl>
+  <dgm:styleLbl name="parChTrans2D3">
+    <dgm:fillClrLst meth="repeat">
+      <a:schemeClr val="dk2"/>
+    </dgm:fillClrLst>
+    <dgm:linClrLst meth="repeat">
+      <a:schemeClr val="dk2"/>
+    </dgm:linClrLst>
+    <dgm:effectClrLst/>
+    <dgm:txLinClrLst/>
+    <dgm:txFillClrLst meth="repeat">
+      <a:schemeClr val="lt2"/>
+    </dgm:txFillClrLst>
+    <dgm:txEffectClrLst/>
+  </dgm:styleLbl>
+  <dgm:styleLbl name="parChTrans2D4">
+    <dgm:fillClrLst meth="repeat">
+      <a:schemeClr val="dk2"/>
+    </dgm:fillClrLst>
+    <dgm:linClrLst meth="repeat">
+      <a:schemeClr val="dk2"/>
+    </dgm:linClrLst>
+    <dgm:effectClrLst/>
+    <dgm:txLinClrLst/>
+    <dgm:txFillClrLst meth="repeat">
+      <a:schemeClr val="lt2"/>
+    </dgm:txFillClrLst>
+    <dgm:txEffectClrLst/>
+  </dgm:styleLbl>
+  <dgm:styleLbl name="parChTrans1D1">
+    <dgm:fillClrLst meth="repeat">
+      <a:schemeClr val="dk2"/>
+    </dgm:fillClrLst>
+    <dgm:linClrLst meth="repeat">
+      <a:schemeClr val="dk2">
+        <a:shade val="60000"/>
+      </a:schemeClr>
+    </dgm:linClrLst>
+    <dgm:effectClrLst/>
+    <dgm:txLinClrLst/>
+    <dgm:txFillClrLst meth="repeat">
+      <a:schemeClr val="tx1"/>
+    </dgm:txFillClrLst>
+    <dgm:txEffectClrLst/>
+  </dgm:styleLbl>
+  <dgm:styleLbl name="parChTrans1D2">
+    <dgm:fillClrLst meth="repeat">
+      <a:schemeClr val="dk2"/>
+    </dgm:fillClrLst>
+    <dgm:linClrLst meth="repeat">
+      <a:schemeClr val="dk2">
+        <a:shade val="60000"/>
+      </a:schemeClr>
+    </dgm:linClrLst>
+    <dgm:effectClrLst/>
+    <dgm:txLinClrLst/>
+    <dgm:txFillClrLst meth="repeat">
+      <a:schemeClr val="tx1"/>
+    </dgm:txFillClrLst>
+    <dgm:txEffectClrLst/>
+  </dgm:styleLbl>
+  <dgm:styleLbl name="parChTrans1D3">
+    <dgm:fillClrLst meth="repeat">
+      <a:schemeClr val="dk2"/>
+    </dgm:fillClrLst>
+    <dgm:linClrLst meth="repeat">
+      <a:schemeClr val="dk2">
+        <a:shade val="80000"/>
+      </a:schemeClr>
+    </dgm:linClrLst>
+    <dgm:effectClrLst/>
+    <dgm:txLinClrLst/>
+    <dgm:txFillClrLst meth="repeat">
+      <a:schemeClr val="tx1"/>
+    </dgm:txFillClrLst>
+    <dgm:txEffectClrLst/>
+  </dgm:styleLbl>
+  <dgm:styleLbl name="parChTrans1D4">
+    <dgm:fillClrLst meth="repeat">
+      <a:schemeClr val="dk2"/>
+    </dgm:fillClrLst>
+    <dgm:linClrLst meth="repeat">
+      <a:schemeClr val="dk2">
+        <a:shade val="80000"/>
+      </a:schemeClr>
+    </dgm:linClrLst>
+    <dgm:effectClrLst/>
+    <dgm:txLinClrLst/>
+    <dgm:txFillClrLst meth="repeat">
+      <a:schemeClr val="tx1"/>
+    </dgm:txFillClrLst>
+    <dgm:txEffectClrLst/>
+  </dgm:styleLbl>
+  <dgm:styleLbl name="fgAcc1">
+    <dgm:fillClrLst meth="repeat">
+      <a:schemeClr val="lt2">
+        <a:alpha val="90000"/>
+      </a:schemeClr>
+    </dgm:fillClrLst>
+    <dgm:linClrLst meth="repeat">
+      <a:schemeClr val="dk2"/>
+    </dgm:linClrLst>
+    <dgm:effectClrLst/>
+    <dgm:txLinClrLst/>
+    <dgm:txFillClrLst meth="repeat">
+      <a:schemeClr val="dk1"/>
+    </dgm:txFillClrLst>
+    <dgm:txEffectClrLst/>
+  </dgm:styleLbl>
+  <dgm:styleLbl name="conFgAcc1">
+    <dgm:fillClrLst meth="repeat">
+      <a:schemeClr val="lt2">
+        <a:alpha val="90000"/>
+      </a:schemeClr>
+    </dgm:fillClrLst>
+    <dgm:linClrLst meth="repeat">
+      <a:schemeClr val="dk2"/>
+    </dgm:linClrLst>
+    <dgm:effectClrLst/>
+    <dgm:txLinClrLst/>
+    <dgm:txFillClrLst meth="repeat">
+      <a:schemeClr val="dk1"/>
+    </dgm:txFillClrLst>
+    <dgm:txEffectClrLst/>
+  </dgm:styleLbl>
+  <dgm:styleLbl name="alignAcc1">
+    <dgm:fillClrLst meth="repeat">
+      <a:schemeClr val="lt2">
+        <a:alpha val="90000"/>
+      </a:schemeClr>
+    </dgm:fillClrLst>
+    <dgm:linClrLst meth="repeat">
+      <a:schemeClr val="dk2"/>
+    </dgm:linClrLst>
+    <dgm:effectClrLst/>
+    <dgm:txLinClrLst/>
+    <dgm:txFillClrLst meth="repeat">
+      <a:schemeClr val="dk1"/>
+    </dgm:txFillClrLst>
+    <dgm:txEffectClrLst/>
+  </dgm:styleLbl>
+  <dgm:styleLbl name="trAlignAcc1">
+    <dgm:fillClrLst meth="repeat">
+      <a:schemeClr val="lt2">
+        <a:alpha val="40000"/>
+      </a:schemeClr>
+    </dgm:fillClrLst>
+    <dgm:linClrLst meth="repeat">
+      <a:schemeClr val="dk2"/>
+    </dgm:linClrLst>
+    <dgm:effectClrLst/>
+    <dgm:txLinClrLst/>
+    <dgm:txFillClrLst meth="repeat">
+      <a:schemeClr val="dk1"/>
+    </dgm:txFillClrLst>
+    <dgm:txEffectClrLst/>
+  </dgm:styleLbl>
+  <dgm:styleLbl name="bgAcc1">
+    <dgm:fillClrLst meth="repeat">
+      <a:schemeClr val="lt2">
+        <a:alpha val="90000"/>
+      </a:schemeClr>
+    </dgm:fillClrLst>
+    <dgm:linClrLst meth="repeat">
+      <a:schemeClr val="dk2"/>
+    </dgm:linClrLst>
+    <dgm:effectClrLst/>
+    <dgm:txLinClrLst/>
+    <dgm:txFillClrLst meth="repeat">
+      <a:schemeClr val="dk1"/>
+    </dgm:txFillClrLst>
+    <dgm:txEffectClrLst/>
+  </dgm:styleLbl>
+  <dgm:styleLbl name="solidFgAcc1">
+    <dgm:fillClrLst meth="repeat">
+      <a:schemeClr val="lt2"/>
+    </dgm:fillClrLst>
+    <dgm:linClrLst meth="repeat">
+      <a:schemeClr val="dk2"/>
+    </dgm:linClrLst>
+    <dgm:effectClrLst/>
+    <dgm:txLinClrLst/>
+    <dgm:txFillClrLst meth="repeat">
+      <a:schemeClr val="dk1"/>
+    </dgm:txFillClrLst>
+    <dgm:txEffectClrLst/>
+  </dgm:styleLbl>
+  <dgm:styleLbl name="solidAlignAcc1">
+    <dgm:fillClrLst meth="repeat">
+      <a:schemeClr val="lt2"/>
+    </dgm:fillClrLst>
+    <dgm:linClrLst meth="repeat">
+      <a:schemeClr val="dk2"/>
+    </dgm:linClrLst>
+    <dgm:effectClrLst/>
+    <dgm:txLinClrLst/>
+    <dgm:txFillClrLst meth="repeat">
+      <a:schemeClr val="dk1"/>
+    </dgm:txFillClrLst>
+    <dgm:txEffectClrLst/>
+  </dgm:styleLbl>
+  <dgm:styleLbl name="solidBgAcc1">
+    <dgm:fillClrLst meth="repeat">
+      <a:schemeClr val="lt2"/>
+    </dgm:fillClrLst>
+    <dgm:linClrLst meth="repeat">
+      <a:schemeClr val="dk2"/>
+    </dgm:linClrLst>
+    <dgm:effectClrLst/>
+    <dgm:txLinClrLst/>
+    <dgm:txFillClrLst meth="repeat">
+      <a:schemeClr val="dk1"/>
+    </dgm:txFillClrLst>
+    <dgm:txEffectClrLst/>
+  </dgm:styleLbl>
+  <dgm:styleLbl name="fgAccFollowNode1">
+    <dgm:fillClrLst meth="repeat">
+      <a:schemeClr val="dk2">
+        <a:alpha val="90000"/>
+        <a:tint val="40000"/>
+      </a:schemeClr>
+    </dgm:fillClrLst>
+    <dgm:linClrLst meth="repeat">
+      <a:schemeClr val="dk2">
+        <a:alpha val="90000"/>
+        <a:tint val="40000"/>
+      </a:schemeClr>
+    </dgm:linClrLst>
+    <dgm:effectClrLst/>
+    <dgm:txLinClrLst/>
+    <dgm:txFillClrLst meth="repeat">
+      <a:schemeClr val="dk1"/>
+    </dgm:txFillClrLst>
+    <dgm:txEffectClrLst/>
+  </dgm:styleLbl>
+  <dgm:styleLbl name="alignAccFollowNode1">
+    <dgm:fillClrLst meth="repeat">
+      <a:schemeClr val="dk2">
+        <a:alpha val="90000"/>
+        <a:tint val="40000"/>
+      </a:schemeClr>
+    </dgm:fillClrLst>
+    <dgm:linClrLst meth="repeat">
+      <a:schemeClr val="dk2">
+        <a:alpha val="90000"/>
+        <a:tint val="40000"/>
+      </a:schemeClr>
+    </dgm:linClrLst>
+    <dgm:effectClrLst/>
+    <dgm:txLinClrLst/>
+    <dgm:txFillClrLst meth="repeat">
+      <a:schemeClr val="dk1"/>
+    </dgm:txFillClrLst>
+    <dgm:txEffectClrLst/>
+  </dgm:styleLbl>
+  <dgm:styleLbl name="bgAccFollowNode1">
+    <dgm:fillClrLst meth="repeat">
+      <a:schemeClr val="dk2">
+        <a:alpha val="90000"/>
+        <a:tint val="40000"/>
+      </a:schemeClr>
+    </dgm:fillClrLst>
+    <dgm:linClrLst meth="repeat">
+      <a:schemeClr val="dk2">
+        <a:alpha val="90000"/>
+        <a:tint val="40000"/>
+      </a:schemeClr>
+    </dgm:linClrLst>
+    <dgm:effectClrLst/>
+    <dgm:txLinClrLst/>
+    <dgm:txFillClrLst meth="repeat">
+      <a:schemeClr val="dk1"/>
+    </dgm:txFillClrLst>
+    <dgm:txEffectClrLst/>
+  </dgm:styleLbl>
+  <dgm:styleLbl name="fgAcc0">
+    <dgm:fillClrLst meth="repeat">
+      <a:schemeClr val="lt2">
+        <a:alpha val="90000"/>
+      </a:schemeClr>
+    </dgm:fillClrLst>
+    <dgm:linClrLst meth="repeat">
+      <a:schemeClr val="dk2"/>
+    </dgm:linClrLst>
+    <dgm:effectClrLst/>
+    <dgm:txLinClrLst/>
+    <dgm:txFillClrLst meth="repeat">
+      <a:schemeClr val="dk1"/>
+    </dgm:txFillClrLst>
+    <dgm:txEffectClrLst/>
+  </dgm:styleLbl>
+  <dgm:styleLbl name="fgAcc2">
+    <dgm:fillClrLst meth="repeat">
+      <a:schemeClr val="lt2">
+        <a:alpha val="90000"/>
+      </a:schemeClr>
+    </dgm:fillClrLst>
+    <dgm:linClrLst meth="repeat">
+      <a:schemeClr val="dk2"/>
+    </dgm:linClrLst>
+    <dgm:effectClrLst/>
+    <dgm:txLinClrLst/>
+    <dgm:txFillClrLst meth="repeat">
+      <a:schemeClr val="dk1"/>
+    </dgm:txFillClrLst>
+    <dgm:txEffectClrLst/>
+  </dgm:styleLbl>
+  <dgm:styleLbl name="fgAcc3">
+    <dgm:fillClrLst meth="repeat">
+      <a:schemeClr val="lt2">
+        <a:alpha val="90000"/>
+      </a:schemeClr>
+    </dgm:fillClrLst>
+    <dgm:linClrLst meth="repeat">
+      <a:schemeClr val="dk2"/>
+    </dgm:linClrLst>
+    <dgm:effectClrLst/>
+    <dgm:txLinClrLst/>
+    <dgm:txFillClrLst meth="repeat">
+      <a:schemeClr val="dk1"/>
+    </dgm:txFillClrLst>
+    <dgm:txEffectClrLst/>
+  </dgm:styleLbl>
+  <dgm:styleLbl name="fgAcc4">
+    <dgm:fillClrLst meth="repeat">
+      <a:schemeClr val="lt2">
+        <a:alpha val="90000"/>
+      </a:schemeClr>
+    </dgm:fillClrLst>
+    <dgm:linClrLst meth="repeat">
+      <a:schemeClr val="dk2"/>
+    </dgm:linClrLst>
+    <dgm:effectClrLst/>
+    <dgm:txLinClrLst/>
+    <dgm:txFillClrLst meth="repeat">
+      <a:schemeClr val="dk1"/>
+    </dgm:txFillClrLst>
+    <dgm:txEffectClrLst/>
+  </dgm:styleLbl>
+  <dgm:styleLbl name="bgShp">
+    <dgm:fillClrLst meth="repeat">
+      <a:schemeClr val="dk2">
+        <a:tint val="40000"/>
+      </a:schemeClr>
+    </dgm:fillClrLst>
+    <dgm:linClrLst meth="repeat">
+      <a:schemeClr val="dk2"/>
+    </dgm:linClrLst>
+    <dgm:effectClrLst/>
+    <dgm:txLinClrLst/>
+    <dgm:txFillClrLst meth="repeat">
+      <a:schemeClr val="dk1"/>
+    </dgm:txFillClrLst>
+    <dgm:txEffectClrLst/>
+  </dgm:styleLbl>
+  <dgm:styleLbl name="dkBgShp">
+    <dgm:fillClrLst meth="repeat">
+      <a:schemeClr val="dk2">
+        <a:shade val="80000"/>
+      </a:schemeClr>
+    </dgm:fillClrLst>
+    <dgm:linClrLst meth="repeat">
+      <a:schemeClr val="dk2"/>
+    </dgm:linClrLst>
+    <dgm:effectClrLst/>
+    <dgm:txLinClrLst/>
+    <dgm:txFillClrLst meth="repeat">
+      <a:schemeClr val="lt1"/>
+    </dgm:txFillClrLst>
+    <dgm:txEffectClrLst/>
+  </dgm:styleLbl>
+  <dgm:styleLbl name="trBgShp">
+    <dgm:fillClrLst meth="repeat">
+      <a:schemeClr val="dk2">
+        <a:tint val="50000"/>
+        <a:alpha val="40000"/>
+      </a:schemeClr>
+    </dgm:fillClrLst>
+    <dgm:linClrLst meth="repeat">
+      <a:schemeClr val="dk2"/>
+    </dgm:linClrLst>
+    <dgm:effectClrLst/>
+    <dgm:txLinClrLst/>
+    <dgm:txFillClrLst meth="repeat">
+      <a:schemeClr val="lt1"/>
+    </dgm:txFillClrLst>
+    <dgm:txEffectClrLst/>
+  </dgm:styleLbl>
+  <dgm:styleLbl name="fgShp">
+    <dgm:fillClrLst meth="repeat">
+      <a:schemeClr val="dk2">
+        <a:tint val="60000"/>
+      </a:schemeClr>
+    </dgm:fillClrLst>
+    <dgm:linClrLst meth="repeat">
+      <a:schemeClr val="lt2"/>
+    </dgm:linClrLst>
+    <dgm:effectClrLst/>
+    <dgm:txLinClrLst/>
+    <dgm:txFillClrLst meth="repeat">
+      <a:schemeClr val="dk1"/>
+    </dgm:txFillClrLst>
+    <dgm:txEffectClrLst/>
+  </dgm:styleLbl>
+  <dgm:styleLbl name="revTx">
+    <dgm:fillClrLst meth="repeat">
+      <a:schemeClr val="lt2">
+        <a:alpha val="0"/>
+      </a:schemeClr>
+    </dgm:fillClrLst>
+    <dgm:linClrLst meth="repeat">
+      <a:schemeClr val="dk1">
+        <a:alpha val="0"/>
+      </a:schemeClr>
+    </dgm:linClrLst>
+    <dgm:effectClrLst/>
+    <dgm:txLinClrLst/>
+    <dgm:txFillClrLst meth="repeat">
+      <a:schemeClr val="tx1"/>
+    </dgm:txFillClrLst>
+    <dgm:txEffectClrLst/>
+  </dgm:styleLbl>
+</dgm:colorsDef>
+</file>
+
+<file path=ppt/diagrams/colors2.xml><?xml version="1.0" encoding="utf-8"?>
+<dgm:colorsDef xmlns:dgm="http://schemas.openxmlformats.org/drawingml/2006/diagram" xmlns:a="http://schemas.openxmlformats.org/drawingml/2006/main" uniqueId="urn:microsoft.com/office/officeart/2005/8/colors/accent0_3">
+  <dgm:title val=""/>
+  <dgm:desc val=""/>
+  <dgm:catLst>
+    <dgm:cat type="mainScheme" pri="10300"/>
+  </dgm:catLst>
+  <dgm:styleLbl name="node0">
+    <dgm:fillClrLst meth="repeat">
+      <a:schemeClr val="dk2"/>
+    </dgm:fillClrLst>
+    <dgm:linClrLst meth="repeat">
+      <a:schemeClr val="lt2"/>
+    </dgm:linClrLst>
+    <dgm:effectClrLst/>
+    <dgm:txLinClrLst/>
+    <dgm:txFillClrLst/>
+    <dgm:txEffectClrLst/>
+  </dgm:styleLbl>
+  <dgm:styleLbl name="alignNode1">
+    <dgm:fillClrLst meth="repeat">
+      <a:schemeClr val="dk2"/>
+    </dgm:fillClrLst>
+    <dgm:linClrLst meth="repeat">
+      <a:schemeClr val="dk2"/>
+    </dgm:linClrLst>
+    <dgm:effectClrLst/>
+    <dgm:txLinClrLst/>
+    <dgm:txFillClrLst/>
+    <dgm:txEffectClrLst/>
+  </dgm:styleLbl>
+  <dgm:styleLbl name="node1">
+    <dgm:fillClrLst meth="repeat">
+      <a:schemeClr val="dk2"/>
+    </dgm:fillClrLst>
+    <dgm:linClrLst meth="repeat">
+      <a:schemeClr val="lt2"/>
+    </dgm:linClrLst>
+    <dgm:effectClrLst/>
+    <dgm:txLinClrLst/>
+    <dgm:txFillClrLst/>
+    <dgm:txEffectClrLst/>
+  </dgm:styleLbl>
+  <dgm:styleLbl name="lnNode1">
+    <dgm:fillClrLst meth="repeat">
+      <a:schemeClr val="dk2"/>
+    </dgm:fillClrLst>
+    <dgm:linClrLst meth="repeat">
+      <a:schemeClr val="lt2"/>
+    </dgm:linClrLst>
+    <dgm:effectClrLst/>
+    <dgm:txLinClrLst/>
+    <dgm:txFillClrLst/>
+    <dgm:txEffectClrLst/>
+  </dgm:styleLbl>
+  <dgm:styleLbl name="vennNode1">
+    <dgm:fillClrLst meth="repeat">
+      <a:schemeClr val="dk2">
+        <a:alpha val="50000"/>
+      </a:schemeClr>
+    </dgm:fillClrLst>
+    <dgm:linClrLst meth="repeat">
+      <a:schemeClr val="lt2"/>
+    </dgm:linClrLst>
+    <dgm:effectClrLst/>
+    <dgm:txLinClrLst/>
+    <dgm:txFillClrLst/>
+    <dgm:txEffectClrLst/>
+  </dgm:styleLbl>
+  <dgm:styleLbl name="node2">
+    <dgm:fillClrLst meth="repeat">
+      <a:schemeClr val="dk2"/>
+    </dgm:fillClrLst>
+    <dgm:linClrLst meth="repeat">
+      <a:schemeClr val="lt2"/>
+    </dgm:linClrLst>
+    <dgm:effectClrLst/>
+    <dgm:txLinClrLst/>
+    <dgm:txFillClrLst/>
+    <dgm:txEffectClrLst/>
+  </dgm:styleLbl>
+  <dgm:styleLbl name="node3">
+    <dgm:fillClrLst meth="repeat">
+      <a:schemeClr val="dk2"/>
+    </dgm:fillClrLst>
+    <dgm:linClrLst meth="repeat">
+      <a:schemeClr val="lt2"/>
+    </dgm:linClrLst>
+    <dgm:effectClrLst/>
+    <dgm:txLinClrLst/>
+    <dgm:txFillClrLst/>
+    <dgm:txEffectClrLst/>
+  </dgm:styleLbl>
+  <dgm:styleLbl name="node4">
+    <dgm:fillClrLst meth="repeat">
+      <a:schemeClr val="dk2"/>
+    </dgm:fillClrLst>
+    <dgm:linClrLst meth="repeat">
+      <a:schemeClr val="lt2"/>
+    </dgm:linClrLst>
+    <dgm:effectClrLst/>
+    <dgm:txLinClrLst/>
+    <dgm:txFillClrLst/>
+    <dgm:txEffectClrLst/>
+  </dgm:styleLbl>
+  <dgm:styleLbl name="fgImgPlace1">
+    <dgm:fillClrLst meth="repeat">
+      <a:schemeClr val="dk2">
+        <a:tint val="50000"/>
+      </a:schemeClr>
+    </dgm:fillClrLst>
+    <dgm:linClrLst meth="repeat">
+      <a:schemeClr val="lt2"/>
+    </dgm:linClrLst>
+    <dgm:effectClrLst/>
+    <dgm:txLinClrLst/>
+    <dgm:txFillClrLst meth="repeat">
+      <a:schemeClr val="lt2"/>
+    </dgm:txFillClrLst>
+    <dgm:txEffectClrLst/>
+  </dgm:styleLbl>
+  <dgm:styleLbl name="alignImgPlace1">
+    <dgm:fillClrLst meth="repeat">
+      <a:schemeClr val="dk2">
+        <a:tint val="50000"/>
+      </a:schemeClr>
+    </dgm:fillClrLst>
+    <dgm:linClrLst meth="repeat">
+      <a:schemeClr val="dk2">
+        <a:shade val="80000"/>
+      </a:schemeClr>
+    </dgm:linClrLst>
+    <dgm:effectClrLst/>
+    <dgm:txLinClrLst/>
+    <dgm:txFillClrLst meth="repeat">
+      <a:schemeClr val="lt2"/>
+    </dgm:txFillClrLst>
+    <dgm:txEffectClrLst/>
+  </dgm:styleLbl>
+  <dgm:styleLbl name="bgImgPlace1">
+    <dgm:fillClrLst meth="repeat">
+      <a:schemeClr val="dk2">
+        <a:tint val="50000"/>
+      </a:schemeClr>
+    </dgm:fillClrLst>
+    <dgm:linClrLst meth="repeat">
+      <a:schemeClr val="dk2">
+        <a:shade val="80000"/>
+      </a:schemeClr>
+    </dgm:linClrLst>
+    <dgm:effectClrLst/>
+    <dgm:txLinClrLst/>
+    <dgm:txFillClrLst meth="repeat">
+      <a:schemeClr val="lt2"/>
+    </dgm:txFillClrLst>
+    <dgm:txEffectClrLst/>
+  </dgm:styleLbl>
+  <dgm:styleLbl name="sibTrans2D1">
+    <dgm:fillClrLst meth="repeat">
+      <a:schemeClr val="dk2">
+        <a:tint val="60000"/>
+      </a:schemeClr>
+    </dgm:fillClrLst>
+    <dgm:linClrLst meth="repeat">
+      <a:schemeClr val="dk2">
+        <a:tint val="60000"/>
+      </a:schemeClr>
+    </dgm:linClrLst>
+    <dgm:effectClrLst/>
+    <dgm:txLinClrLst/>
+    <dgm:txFillClrLst/>
+    <dgm:txEffectClrLst/>
+  </dgm:styleLbl>
+  <dgm:styleLbl name="fgSibTrans2D1">
+    <dgm:fillClrLst meth="repeat">
+      <a:schemeClr val="dk2">
+        <a:tint val="60000"/>
+      </a:schemeClr>
+    </dgm:fillClrLst>
+    <dgm:linClrLst meth="repeat">
+      <a:schemeClr val="dk2">
+        <a:tint val="60000"/>
+      </a:schemeClr>
+    </dgm:linClrLst>
+    <dgm:effectClrLst/>
+    <dgm:txLinClrLst/>
+    <dgm:txFillClrLst/>
+    <dgm:txEffectClrLst/>
+  </dgm:styleLbl>
+  <dgm:styleLbl name="bgSibTrans2D1">
+    <dgm:fillClrLst meth="repeat">
+      <a:schemeClr val="dk2">
+        <a:tint val="60000"/>
+      </a:schemeClr>
+    </dgm:fillClrLst>
+    <dgm:linClrLst meth="repeat">
+      <a:schemeClr val="dk2">
+        <a:tint val="60000"/>
+      </a:schemeClr>
+    </dgm:linClrLst>
+    <dgm:effectClrLst/>
+    <dgm:txLinClrLst/>
+    <dgm:txFillClrLst/>
+    <dgm:txEffectClrLst/>
+  </dgm:styleLbl>
+  <dgm:styleLbl name="sibTrans1D1">
+    <dgm:fillClrLst meth="repeat">
+      <a:schemeClr val="dk2"/>
+    </dgm:fillClrLst>
+    <dgm:linClrLst meth="repeat">
+      <a:schemeClr val="dk2"/>
+    </dgm:linClrLst>
+    <dgm:effectClrLst/>
+    <dgm:txLinClrLst/>
+    <dgm:txFillClrLst meth="repeat">
+      <a:schemeClr val="lt2"/>
+    </dgm:txFillClrLst>
+    <dgm:txEffectClrLst/>
+  </dgm:styleLbl>
+  <dgm:styleLbl name="callout">
+    <dgm:fillClrLst meth="repeat">
+      <a:schemeClr val="dk2"/>
+    </dgm:fillClrLst>
+    <dgm:linClrLst meth="repeat">
+      <a:schemeClr val="dk2">
+        <a:tint val="50000"/>
+      </a:schemeClr>
+    </dgm:linClrLst>
+    <dgm:effectClrLst/>
+    <dgm:txLinClrLst/>
+    <dgm:txFillClrLst meth="repeat">
+      <a:schemeClr val="lt2"/>
+    </dgm:txFillClrLst>
+    <dgm:txEffectClrLst/>
+  </dgm:styleLbl>
+  <dgm:styleLbl name="asst0">
+    <dgm:fillClrLst meth="repeat">
+      <a:schemeClr val="dk2"/>
+    </dgm:fillClrLst>
+    <dgm:linClrLst meth="repeat">
+      <a:schemeClr val="lt2"/>
+    </dgm:linClrLst>
+    <dgm:effectClrLst/>
+    <dgm:txLinClrLst/>
+    <dgm:txFillClrLst/>
+    <dgm:txEffectClrLst/>
+  </dgm:styleLbl>
+  <dgm:styleLbl name="asst1">
+    <dgm:fillClrLst meth="repeat">
+      <a:schemeClr val="dk2"/>
+    </dgm:fillClrLst>
+    <dgm:linClrLst meth="repeat">
+      <a:schemeClr val="lt2"/>
+    </dgm:linClrLst>
+    <dgm:effectClrLst/>
+    <dgm:txLinClrLst/>
+    <dgm:txFillClrLst/>
+    <dgm:txEffectClrLst/>
+  </dgm:styleLbl>
+  <dgm:styleLbl name="asst2">
+    <dgm:fillClrLst meth="repeat">
+      <a:schemeClr val="dk2"/>
+    </dgm:fillClrLst>
+    <dgm:linClrLst meth="repeat">
+      <a:schemeClr val="lt2"/>
+    </dgm:linClrLst>
+    <dgm:effectClrLst/>
+    <dgm:txLinClrLst/>
+    <dgm:txFillClrLst/>
+    <dgm:txEffectClrLst/>
+  </dgm:styleLbl>
+  <dgm:styleLbl name="asst3">
+    <dgm:fillClrLst meth="repeat">
+      <a:schemeClr val="dk2"/>
+    </dgm:fillClrLst>
+    <dgm:linClrLst meth="repeat">
+      <a:schemeClr val="lt2"/>
+    </dgm:linClrLst>
+    <dgm:effectClrLst/>
+    <dgm:txLinClrLst/>
+    <dgm:txFillClrLst/>
+    <dgm:txEffectClrLst/>
+  </dgm:styleLbl>
+  <dgm:styleLbl name="asst4">
+    <dgm:fillClrLst meth="repeat">
+      <a:schemeClr val="dk2"/>
+    </dgm:fillClrLst>
+    <dgm:linClrLst meth="repeat">
+      <a:schemeClr val="lt2"/>
+    </dgm:linClrLst>
+    <dgm:effectClrLst/>
+    <dgm:txLinClrLst/>
+    <dgm:txFillClrLst/>
+    <dgm:txEffectClrLst/>
+  </dgm:styleLbl>
+  <dgm:styleLbl name="parChTrans2D1">
+    <dgm:fillClrLst meth="repeat">
+      <a:schemeClr val="dk2">
+        <a:tint val="60000"/>
+      </a:schemeClr>
+    </dgm:fillClrLst>
+    <dgm:linClrLst meth="repeat">
+      <a:schemeClr val="dk2">
+        <a:tint val="60000"/>
+      </a:schemeClr>
+    </dgm:linClrLst>
+    <dgm:effectClrLst/>
+    <dgm:txLinClrLst/>
+    <dgm:txFillClrLst meth="repeat">
+      <a:schemeClr val="lt2"/>
+    </dgm:txFillClrLst>
+    <dgm:txEffectClrLst/>
+  </dgm:styleLbl>
+  <dgm:styleLbl name="parChTrans2D2">
+    <dgm:fillClrLst meth="repeat">
+      <a:schemeClr val="dk2"/>
+    </dgm:fillClrLst>
+    <dgm:linClrLst meth="repeat">
+      <a:schemeClr val="dk2"/>
+    </dgm:linClrLst>
+    <dgm:effectClrLst/>
+    <dgm:txLinClrLst/>
+    <dgm:txFillClrLst meth="repeat">
+      <a:schemeClr val="lt2"/>
+    </dgm:txFillClrLst>
+    <dgm:txEffectClrLst/>
+  </dgm:styleLbl>
+  <dgm:styleLbl name="parChTrans2D3">
+    <dgm:fillClrLst meth="repeat">
+      <a:schemeClr val="dk2"/>
+    </dgm:fillClrLst>
+    <dgm:linClrLst meth="repeat">
+      <a:schemeClr val="dk2"/>
+    </dgm:linClrLst>
+    <dgm:effectClrLst/>
+    <dgm:txLinClrLst/>
+    <dgm:txFillClrLst meth="repeat">
+      <a:schemeClr val="lt2"/>
+    </dgm:txFillClrLst>
+    <dgm:txEffectClrLst/>
+  </dgm:styleLbl>
+  <dgm:styleLbl name="parChTrans2D4">
+    <dgm:fillClrLst meth="repeat">
+      <a:schemeClr val="dk2"/>
+    </dgm:fillClrLst>
+    <dgm:linClrLst meth="repeat">
+      <a:schemeClr val="dk2"/>
+    </dgm:linClrLst>
+    <dgm:effectClrLst/>
+    <dgm:txLinClrLst/>
+    <dgm:txFillClrLst meth="repeat">
+      <a:schemeClr val="lt2"/>
+    </dgm:txFillClrLst>
+    <dgm:txEffectClrLst/>
+  </dgm:styleLbl>
+  <dgm:styleLbl name="parChTrans1D1">
+    <dgm:fillClrLst meth="repeat">
+      <a:schemeClr val="dk2"/>
+    </dgm:fillClrLst>
+    <dgm:linClrLst meth="repeat">
+      <a:schemeClr val="dk2">
+        <a:shade val="60000"/>
+      </a:schemeClr>
+    </dgm:linClrLst>
+    <dgm:effectClrLst/>
+    <dgm:txLinClrLst/>
+    <dgm:txFillClrLst meth="repeat">
+      <a:schemeClr val="tx1"/>
+    </dgm:txFillClrLst>
+    <dgm:txEffectClrLst/>
+  </dgm:styleLbl>
+  <dgm:styleLbl name="parChTrans1D2">
+    <dgm:fillClrLst meth="repeat">
+      <a:schemeClr val="dk2"/>
+    </dgm:fillClrLst>
+    <dgm:linClrLst meth="repeat">
+      <a:schemeClr val="dk2">
+        <a:shade val="60000"/>
+      </a:schemeClr>
+    </dgm:linClrLst>
+    <dgm:effectClrLst/>
+    <dgm:txLinClrLst/>
+    <dgm:txFillClrLst meth="repeat">
+      <a:schemeClr val="tx1"/>
+    </dgm:txFillClrLst>
+    <dgm:txEffectClrLst/>
+  </dgm:styleLbl>
+  <dgm:styleLbl name="parChTrans1D3">
+    <dgm:fillClrLst meth="repeat">
+      <a:schemeClr val="dk2"/>
+    </dgm:fillClrLst>
+    <dgm:linClrLst meth="repeat">
+      <a:schemeClr val="dk2">
+        <a:shade val="80000"/>
+      </a:schemeClr>
+    </dgm:linClrLst>
+    <dgm:effectClrLst/>
+    <dgm:txLinClrLst/>
+    <dgm:txFillClrLst meth="repeat">
+      <a:schemeClr val="tx1"/>
+    </dgm:txFillClrLst>
+    <dgm:txEffectClrLst/>
+  </dgm:styleLbl>
+  <dgm:styleLbl name="parChTrans1D4">
+    <dgm:fillClrLst meth="repeat">
+      <a:schemeClr val="dk2"/>
+    </dgm:fillClrLst>
+    <dgm:linClrLst meth="repeat">
+      <a:schemeClr val="dk2">
+        <a:shade val="80000"/>
+      </a:schemeClr>
+    </dgm:linClrLst>
+    <dgm:effectClrLst/>
+    <dgm:txLinClrLst/>
+    <dgm:txFillClrLst meth="repeat">
+      <a:schemeClr val="tx1"/>
+    </dgm:txFillClrLst>
+    <dgm:txEffectClrLst/>
+  </dgm:styleLbl>
+  <dgm:styleLbl name="fgAcc1">
+    <dgm:fillClrLst meth="repeat">
+      <a:schemeClr val="lt2">
+        <a:alpha val="90000"/>
+      </a:schemeClr>
+    </dgm:fillClrLst>
+    <dgm:linClrLst meth="repeat">
+      <a:schemeClr val="dk2"/>
+    </dgm:linClrLst>
+    <dgm:effectClrLst/>
+    <dgm:txLinClrLst/>
+    <dgm:txFillClrLst meth="repeat">
+      <a:schemeClr val="dk1"/>
+    </dgm:txFillClrLst>
+    <dgm:txEffectClrLst/>
+  </dgm:styleLbl>
+  <dgm:styleLbl name="conFgAcc1">
+    <dgm:fillClrLst meth="repeat">
+      <a:schemeClr val="lt2">
+        <a:alpha val="90000"/>
+      </a:schemeClr>
+    </dgm:fillClrLst>
+    <dgm:linClrLst meth="repeat">
+      <a:schemeClr val="dk2"/>
+    </dgm:linClrLst>
+    <dgm:effectClrLst/>
+    <dgm:txLinClrLst/>
+    <dgm:txFillClrLst meth="repeat">
+      <a:schemeClr val="dk1"/>
+    </dgm:txFillClrLst>
+    <dgm:txEffectClrLst/>
+  </dgm:styleLbl>
+  <dgm:styleLbl name="alignAcc1">
+    <dgm:fillClrLst meth="repeat">
+      <a:schemeClr val="lt2">
+        <a:alpha val="90000"/>
+      </a:schemeClr>
+    </dgm:fillClrLst>
+    <dgm:linClrLst meth="repeat">
+      <a:schemeClr val="dk2"/>
+    </dgm:linClrLst>
+    <dgm:effectClrLst/>
+    <dgm:txLinClrLst/>
+    <dgm:txFillClrLst meth="repeat">
+      <a:schemeClr val="dk1"/>
+    </dgm:txFillClrLst>
+    <dgm:txEffectClrLst/>
+  </dgm:styleLbl>
+  <dgm:styleLbl name="trAlignAcc1">
+    <dgm:fillClrLst meth="repeat">
+      <a:schemeClr val="lt2">
+        <a:alpha val="40000"/>
+      </a:schemeClr>
+    </dgm:fillClrLst>
+    <dgm:linClrLst meth="repeat">
+      <a:schemeClr val="dk2"/>
+    </dgm:linClrLst>
+    <dgm:effectClrLst/>
+    <dgm:txLinClrLst/>
+    <dgm:txFillClrLst meth="repeat">
+      <a:schemeClr val="dk1"/>
+    </dgm:txFillClrLst>
+    <dgm:txEffectClrLst/>
+  </dgm:styleLbl>
+  <dgm:styleLbl name="bgAcc1">
+    <dgm:fillClrLst meth="repeat">
+      <a:schemeClr val="lt2">
+        <a:alpha val="90000"/>
+      </a:schemeClr>
+    </dgm:fillClrLst>
+    <dgm:linClrLst meth="repeat">
+      <a:schemeClr val="dk2"/>
+    </dgm:linClrLst>
+    <dgm:effectClrLst/>
+    <dgm:txLinClrLst/>
+    <dgm:txFillClrLst meth="repeat">
+      <a:schemeClr val="dk1"/>
+    </dgm:txFillClrLst>
+    <dgm:txEffectClrLst/>
+  </dgm:styleLbl>
+  <dgm:styleLbl name="solidFgAcc1">
+    <dgm:fillClrLst meth="repeat">
+      <a:schemeClr val="lt2"/>
+    </dgm:fillClrLst>
+    <dgm:linClrLst meth="repeat">
+      <a:schemeClr val="dk2"/>
+    </dgm:linClrLst>
+    <dgm:effectClrLst/>
+    <dgm:txLinClrLst/>
+    <dgm:txFillClrLst meth="repeat">
+      <a:schemeClr val="dk1"/>
+    </dgm:txFillClrLst>
+    <dgm:txEffectClrLst/>
+  </dgm:styleLbl>
+  <dgm:styleLbl name="solidAlignAcc1">
+    <dgm:fillClrLst meth="repeat">
+      <a:schemeClr val="lt2"/>
+    </dgm:fillClrLst>
+    <dgm:linClrLst meth="repeat">
+      <a:schemeClr val="dk2"/>
+    </dgm:linClrLst>
+    <dgm:effectClrLst/>
+    <dgm:txLinClrLst/>
+    <dgm:txFillClrLst meth="repeat">
+      <a:schemeClr val="dk1"/>
+    </dgm:txFillClrLst>
+    <dgm:txEffectClrLst/>
+  </dgm:styleLbl>
+  <dgm:styleLbl name="solidBgAcc1">
+    <dgm:fillClrLst meth="repeat">
+      <a:schemeClr val="lt2"/>
+    </dgm:fillClrLst>
+    <dgm:linClrLst meth="repeat">
+      <a:schemeClr val="dk2"/>
+    </dgm:linClrLst>
+    <dgm:effectClrLst/>
+    <dgm:txLinClrLst/>
+    <dgm:txFillClrLst meth="repeat">
+      <a:schemeClr val="dk1"/>
+    </dgm:txFillClrLst>
+    <dgm:txEffectClrLst/>
+  </dgm:styleLbl>
+  <dgm:styleLbl name="fgAccFollowNode1">
+    <dgm:fillClrLst meth="repeat">
+      <a:schemeClr val="dk2">
+        <a:alpha val="90000"/>
+        <a:tint val="40000"/>
+      </a:schemeClr>
+    </dgm:fillClrLst>
+    <dgm:linClrLst meth="repeat">
+      <a:schemeClr val="dk2">
+        <a:alpha val="90000"/>
+        <a:tint val="40000"/>
+      </a:schemeClr>
+    </dgm:linClrLst>
+    <dgm:effectClrLst/>
+    <dgm:txLinClrLst/>
+    <dgm:txFillClrLst meth="repeat">
+      <a:schemeClr val="dk1"/>
+    </dgm:txFillClrLst>
+    <dgm:txEffectClrLst/>
+  </dgm:styleLbl>
+  <dgm:styleLbl name="alignAccFollowNode1">
+    <dgm:fillClrLst meth="repeat">
+      <a:schemeClr val="dk2">
+        <a:alpha val="90000"/>
+        <a:tint val="40000"/>
+      </a:schemeClr>
+    </dgm:fillClrLst>
+    <dgm:linClrLst meth="repeat">
+      <a:schemeClr val="dk2">
+        <a:alpha val="90000"/>
+        <a:tint val="40000"/>
+      </a:schemeClr>
+    </dgm:linClrLst>
+    <dgm:effectClrLst/>
+    <dgm:txLinClrLst/>
+    <dgm:txFillClrLst meth="repeat">
+      <a:schemeClr val="dk1"/>
+    </dgm:txFillClrLst>
+    <dgm:txEffectClrLst/>
+  </dgm:styleLbl>
+  <dgm:styleLbl name="bgAccFollowNode1">
+    <dgm:fillClrLst meth="repeat">
+      <a:schemeClr val="dk2">
+        <a:alpha val="90000"/>
+        <a:tint val="40000"/>
+      </a:schemeClr>
+    </dgm:fillClrLst>
+    <dgm:linClrLst meth="repeat">
+      <a:schemeClr val="dk2">
+        <a:alpha val="90000"/>
+        <a:tint val="40000"/>
+      </a:schemeClr>
+    </dgm:linClrLst>
+    <dgm:effectClrLst/>
+    <dgm:txLinClrLst/>
+    <dgm:txFillClrLst meth="repeat">
+      <a:schemeClr val="dk1"/>
+    </dgm:txFillClrLst>
+    <dgm:txEffectClrLst/>
+  </dgm:styleLbl>
+  <dgm:styleLbl name="fgAcc0">
+    <dgm:fillClrLst meth="repeat">
+      <a:schemeClr val="lt2">
+        <a:alpha val="90000"/>
+      </a:schemeClr>
+    </dgm:fillClrLst>
+    <dgm:linClrLst meth="repeat">
+      <a:schemeClr val="dk2"/>
+    </dgm:linClrLst>
+    <dgm:effectClrLst/>
+    <dgm:txLinClrLst/>
+    <dgm:txFillClrLst meth="repeat">
+      <a:schemeClr val="dk1"/>
+    </dgm:txFillClrLst>
+    <dgm:txEffectClrLst/>
+  </dgm:styleLbl>
+  <dgm:styleLbl name="fgAcc2">
+    <dgm:fillClrLst meth="repeat">
+      <a:schemeClr val="lt2">
+        <a:alpha val="90000"/>
+      </a:schemeClr>
+    </dgm:fillClrLst>
+    <dgm:linClrLst meth="repeat">
+      <a:schemeClr val="dk2"/>
+    </dgm:linClrLst>
+    <dgm:effectClrLst/>
+    <dgm:txLinClrLst/>
+    <dgm:txFillClrLst meth="repeat">
+      <a:schemeClr val="dk1"/>
+    </dgm:txFillClrLst>
+    <dgm:txEffectClrLst/>
+  </dgm:styleLbl>
+  <dgm:styleLbl name="fgAcc3">
+    <dgm:fillClrLst meth="repeat">
+      <a:schemeClr val="lt2">
+        <a:alpha val="90000"/>
+      </a:schemeClr>
+    </dgm:fillClrLst>
+    <dgm:linClrLst meth="repeat">
+      <a:schemeClr val="dk2"/>
+    </dgm:linClrLst>
+    <dgm:effectClrLst/>
+    <dgm:txLinClrLst/>
+    <dgm:txFillClrLst meth="repeat">
+      <a:schemeClr val="dk1"/>
+    </dgm:txFillClrLst>
+    <dgm:txEffectClrLst/>
+  </dgm:styleLbl>
+  <dgm:styleLbl name="fgAcc4">
+    <dgm:fillClrLst meth="repeat">
+      <a:schemeClr val="lt2">
+        <a:alpha val="90000"/>
+      </a:schemeClr>
+    </dgm:fillClrLst>
+    <dgm:linClrLst meth="repeat">
+      <a:schemeClr val="dk2"/>
+    </dgm:linClrLst>
+    <dgm:effectClrLst/>
+    <dgm:txLinClrLst/>
+    <dgm:txFillClrLst meth="repeat">
+      <a:schemeClr val="dk1"/>
+    </dgm:txFillClrLst>
+    <dgm:txEffectClrLst/>
+  </dgm:styleLbl>
+  <dgm:styleLbl name="bgShp">
+    <dgm:fillClrLst meth="repeat">
+      <a:schemeClr val="dk2">
+        <a:tint val="40000"/>
+      </a:schemeClr>
+    </dgm:fillClrLst>
+    <dgm:linClrLst meth="repeat">
+      <a:schemeClr val="dk2"/>
+    </dgm:linClrLst>
+    <dgm:effectClrLst/>
+    <dgm:txLinClrLst/>
+    <dgm:txFillClrLst meth="repeat">
+      <a:schemeClr val="dk1"/>
+    </dgm:txFillClrLst>
+    <dgm:txEffectClrLst/>
+  </dgm:styleLbl>
+  <dgm:styleLbl name="dkBgShp">
+    <dgm:fillClrLst meth="repeat">
+      <a:schemeClr val="dk2">
+        <a:shade val="80000"/>
+      </a:schemeClr>
+    </dgm:fillClrLst>
+    <dgm:linClrLst meth="repeat">
+      <a:schemeClr val="dk2"/>
+    </dgm:linClrLst>
+    <dgm:effectClrLst/>
+    <dgm:txLinClrLst/>
+    <dgm:txFillClrLst meth="repeat">
+      <a:schemeClr val="lt1"/>
+    </dgm:txFillClrLst>
+    <dgm:txEffectClrLst/>
+  </dgm:styleLbl>
+  <dgm:styleLbl name="trBgShp">
+    <dgm:fillClrLst meth="repeat">
+      <a:schemeClr val="dk2">
+        <a:tint val="50000"/>
+        <a:alpha val="40000"/>
+      </a:schemeClr>
+    </dgm:fillClrLst>
+    <dgm:linClrLst meth="repeat">
+      <a:schemeClr val="dk2"/>
+    </dgm:linClrLst>
+    <dgm:effectClrLst/>
+    <dgm:txLinClrLst/>
+    <dgm:txFillClrLst meth="repeat">
+      <a:schemeClr val="lt1"/>
+    </dgm:txFillClrLst>
+    <dgm:txEffectClrLst/>
+  </dgm:styleLbl>
+  <dgm:styleLbl name="fgShp">
+    <dgm:fillClrLst meth="repeat">
+      <a:schemeClr val="dk2">
+        <a:tint val="60000"/>
+      </a:schemeClr>
+    </dgm:fillClrLst>
+    <dgm:linClrLst meth="repeat">
+      <a:schemeClr val="lt2"/>
+    </dgm:linClrLst>
+    <dgm:effectClrLst/>
+    <dgm:txLinClrLst/>
+    <dgm:txFillClrLst meth="repeat">
+      <a:schemeClr val="dk1"/>
+    </dgm:txFillClrLst>
+    <dgm:txEffectClrLst/>
+  </dgm:styleLbl>
+  <dgm:styleLbl name="revTx">
+    <dgm:fillClrLst meth="repeat">
+      <a:schemeClr val="lt2">
+        <a:alpha val="0"/>
+      </a:schemeClr>
+    </dgm:fillClrLst>
+    <dgm:linClrLst meth="repeat">
+      <a:schemeClr val="dk1">
+        <a:alpha val="0"/>
+      </a:schemeClr>
+    </dgm:linClrLst>
+    <dgm:effectClrLst/>
+    <dgm:txLinClrLst/>
+    <dgm:txFillClrLst meth="repeat">
+      <a:schemeClr val="tx1"/>
+    </dgm:txFillClrLst>
+    <dgm:txEffectClrLst/>
+  </dgm:styleLbl>
+</dgm:colorsDef>
+</file>
+
+<file path=ppt/diagrams/data1.xml><?xml version="1.0" encoding="utf-8"?>
+<dgm:dataModel xmlns:dgm="http://schemas.openxmlformats.org/drawingml/2006/diagram" xmlns:a="http://schemas.openxmlformats.org/drawingml/2006/main">
+  <dgm:ptLst>
+    <dgm:pt modelId="{4D87348A-F04F-4D8A-8BE4-664D1423868C}" type="doc">
+      <dgm:prSet loTypeId="urn:microsoft.com/office/officeart/2005/8/layout/vList2" loCatId="list" qsTypeId="urn:microsoft.com/office/officeart/2005/8/quickstyle/simple2" qsCatId="simple" csTypeId="urn:microsoft.com/office/officeart/2005/8/colors/accent0_3" csCatId="mainScheme" phldr="1"/>
+      <dgm:spPr/>
+      <dgm:t>
+        <a:bodyPr/>
+        <a:lstStyle/>
+        <a:p>
+          <a:endParaRPr lang="en-US"/>
+        </a:p>
+      </dgm:t>
+    </dgm:pt>
+    <dgm:pt modelId="{F8DB6D24-20CD-4060-B085-B10CDAB53BAD}">
+      <dgm:prSet/>
+      <dgm:spPr/>
+      <dgm:t>
+        <a:bodyPr/>
+        <a:lstStyle/>
+        <a:p>
+          <a:r>
+            <a:rPr lang="en-US" dirty="0"/>
+            <a:t>Teranet is connected to the following data sources:</a:t>
+          </a:r>
+        </a:p>
+      </dgm:t>
+    </dgm:pt>
+    <dgm:pt modelId="{1267511D-469E-4FEA-B616-E38A683DBA02}" type="parTrans" cxnId="{46E274FA-0FE3-4CCE-B2D5-102F0ACA8D17}">
+      <dgm:prSet/>
+      <dgm:spPr/>
+      <dgm:t>
+        <a:bodyPr/>
+        <a:lstStyle/>
+        <a:p>
+          <a:endParaRPr lang="en-US"/>
+        </a:p>
+      </dgm:t>
+    </dgm:pt>
+    <dgm:pt modelId="{5F1A905A-B2DF-4902-B2BE-58CFAA5B4ADE}" type="sibTrans" cxnId="{46E274FA-0FE3-4CCE-B2D5-102F0ACA8D17}">
+      <dgm:prSet/>
+      <dgm:spPr/>
+      <dgm:t>
+        <a:bodyPr/>
+        <a:lstStyle/>
+        <a:p>
+          <a:endParaRPr lang="en-US"/>
+        </a:p>
+      </dgm:t>
+    </dgm:pt>
+    <dgm:pt modelId="{04554BA8-C6C7-40DD-9EEB-DAAC13DA290C}">
+      <dgm:prSet custT="1"/>
+      <dgm:spPr/>
+      <dgm:t>
+        <a:bodyPr/>
+        <a:lstStyle/>
+        <a:p>
+          <a:pPr marL="114300" indent="0">
+            <a:buFont typeface="Wingdings" panose="05000000000000000000" pitchFamily="2" charset="2"/>
+            <a:buChar char="v"/>
+          </a:pPr>
+          <a:r>
+            <a:rPr lang="en-US" sz="1500" b="1" dirty="0"/>
+            <a:t> </a:t>
+          </a:r>
+          <a:r>
+            <a:rPr lang="en-US" sz="2000" b="1" dirty="0"/>
+            <a:t>DA-level data</a:t>
+          </a:r>
+          <a:r>
+            <a:rPr lang="en-US" sz="2000" dirty="0"/>
+            <a:t>:</a:t>
+          </a:r>
+        </a:p>
+      </dgm:t>
+    </dgm:pt>
+    <dgm:pt modelId="{3951D920-0132-4FBB-BBB0-FB698B8C75FD}" type="parTrans" cxnId="{2AB3C151-EF57-41C2-B240-27DAA028435C}">
+      <dgm:prSet/>
+      <dgm:spPr/>
+      <dgm:t>
+        <a:bodyPr/>
+        <a:lstStyle/>
+        <a:p>
+          <a:endParaRPr lang="en-US"/>
+        </a:p>
+      </dgm:t>
+    </dgm:pt>
+    <dgm:pt modelId="{B9DF835A-61CC-4825-89AA-7C317C739159}" type="sibTrans" cxnId="{2AB3C151-EF57-41C2-B240-27DAA028435C}">
+      <dgm:prSet/>
+      <dgm:spPr/>
+      <dgm:t>
+        <a:bodyPr/>
+        <a:lstStyle/>
+        <a:p>
+          <a:endParaRPr lang="en-US"/>
+        </a:p>
+      </dgm:t>
+    </dgm:pt>
+    <dgm:pt modelId="{2018A370-958E-4603-8224-D22BA9953E02}">
+      <dgm:prSet custT="1"/>
+      <dgm:spPr/>
+      <dgm:t>
+        <a:bodyPr/>
+        <a:lstStyle/>
+        <a:p>
+          <a:pPr marL="228600" indent="0">
+            <a:buFont typeface="Wingdings" panose="05000000000000000000" pitchFamily="2" charset="2"/>
+            <a:buChar char="§"/>
+          </a:pPr>
+          <a:r>
+            <a:rPr lang="en-US" sz="1500" dirty="0"/>
+            <a:t> </a:t>
+          </a:r>
+          <a:r>
+            <a:rPr lang="en-US" sz="2000" dirty="0"/>
+            <a:t>Census:</a:t>
+          </a:r>
+        </a:p>
+      </dgm:t>
+    </dgm:pt>
+    <dgm:pt modelId="{ACA4BC78-530C-4159-BC89-87FB926A2B41}" type="parTrans" cxnId="{08D0904A-5566-4128-8CD3-210AF5BD97BA}">
+      <dgm:prSet/>
+      <dgm:spPr/>
+      <dgm:t>
+        <a:bodyPr/>
+        <a:lstStyle/>
+        <a:p>
+          <a:endParaRPr lang="en-US"/>
+        </a:p>
+      </dgm:t>
+    </dgm:pt>
+    <dgm:pt modelId="{51300CB3-F9B1-4858-8D8C-C2AB954D162A}" type="sibTrans" cxnId="{08D0904A-5566-4128-8CD3-210AF5BD97BA}">
+      <dgm:prSet/>
+      <dgm:spPr/>
+      <dgm:t>
+        <a:bodyPr/>
+        <a:lstStyle/>
+        <a:p>
+          <a:endParaRPr lang="en-US"/>
+        </a:p>
+      </dgm:t>
+    </dgm:pt>
+    <dgm:pt modelId="{5EC800BF-8DFC-4542-8EE0-2694DF66EB2E}">
+      <dgm:prSet custT="1"/>
+      <dgm:spPr/>
+      <dgm:t>
+        <a:bodyPr/>
+        <a:lstStyle/>
+        <a:p>
+          <a:pPr marL="342900" indent="0">
+            <a:buFont typeface="Courier New" panose="02070309020205020404" pitchFamily="49" charset="0"/>
+            <a:buChar char="o"/>
+          </a:pPr>
+          <a:r>
+            <a:rPr lang="en-US" sz="1500" dirty="0"/>
+            <a:t> </a:t>
+          </a:r>
+          <a:r>
+            <a:rPr lang="en-US" sz="1800" dirty="0"/>
+            <a:t>Select census variables </a:t>
+          </a:r>
+          <a:endParaRPr lang="en-US" sz="1500" dirty="0"/>
+        </a:p>
+      </dgm:t>
+    </dgm:pt>
+    <dgm:pt modelId="{BB47C203-DBB3-41B9-8835-9B73A1DA60D2}" type="parTrans" cxnId="{967AAD9E-7A2E-4909-921B-C3E42B3FA326}">
+      <dgm:prSet/>
+      <dgm:spPr/>
+      <dgm:t>
+        <a:bodyPr/>
+        <a:lstStyle/>
+        <a:p>
+          <a:endParaRPr lang="en-US"/>
+        </a:p>
+      </dgm:t>
+    </dgm:pt>
+    <dgm:pt modelId="{5D55CB2D-86C0-48E0-ABD2-540D5C52D149}" type="sibTrans" cxnId="{967AAD9E-7A2E-4909-921B-C3E42B3FA326}">
+      <dgm:prSet/>
+      <dgm:spPr/>
+      <dgm:t>
+        <a:bodyPr/>
+        <a:lstStyle/>
+        <a:p>
+          <a:endParaRPr lang="en-US"/>
+        </a:p>
+      </dgm:t>
+    </dgm:pt>
+    <dgm:pt modelId="{2C716E54-7DF5-441A-AF62-837A25BB59A4}">
+      <dgm:prSet custT="1"/>
+      <dgm:spPr/>
+      <dgm:t>
+        <a:bodyPr/>
+        <a:lstStyle/>
+        <a:p>
+          <a:pPr marL="342900" indent="0">
+            <a:buFont typeface="Courier New" panose="02070309020205020404" pitchFamily="49" charset="0"/>
+            <a:buChar char="o"/>
+          </a:pPr>
+          <a:r>
+            <a:rPr lang="en-US" sz="1500" dirty="0"/>
+            <a:t> </a:t>
+          </a:r>
+          <a:r>
+            <a:rPr lang="en-US" sz="1800" dirty="0"/>
+            <a:t>Profiles of Income, </a:t>
+          </a:r>
+          <a:r>
+            <a:rPr lang="en-US" sz="1800" i="1" dirty="0"/>
+            <a:t>etc.</a:t>
+          </a:r>
+          <a:endParaRPr lang="en-US" sz="1500" dirty="0"/>
+        </a:p>
+      </dgm:t>
+    </dgm:pt>
+    <dgm:pt modelId="{777A21A0-2BF2-4E01-860A-0CEA3AB8D81A}" type="parTrans" cxnId="{CC8F46F0-4DD8-4EA4-9C58-9E807C340A7A}">
+      <dgm:prSet/>
+      <dgm:spPr/>
+      <dgm:t>
+        <a:bodyPr/>
+        <a:lstStyle/>
+        <a:p>
+          <a:endParaRPr lang="en-US"/>
+        </a:p>
+      </dgm:t>
+    </dgm:pt>
+    <dgm:pt modelId="{A4EB6DC7-B453-4D3C-9837-2490FA4D5F99}" type="sibTrans" cxnId="{CC8F46F0-4DD8-4EA4-9C58-9E807C340A7A}">
+      <dgm:prSet/>
+      <dgm:spPr/>
+      <dgm:t>
+        <a:bodyPr/>
+        <a:lstStyle/>
+        <a:p>
+          <a:endParaRPr lang="en-US"/>
+        </a:p>
+      </dgm:t>
+    </dgm:pt>
+    <dgm:pt modelId="{BDF0D839-BA2A-49D8-A4E2-E7B34E8FDB48}">
+      <dgm:prSet custT="1"/>
+      <dgm:spPr/>
+      <dgm:t>
+        <a:bodyPr/>
+        <a:lstStyle/>
+        <a:p>
+          <a:pPr marL="228600" indent="0"/>
+          <a:r>
+            <a:rPr lang="en-US" sz="1800" dirty="0"/>
+            <a:t>Teranet aggregates grouped by DA (mean/median/std, spatial lag, </a:t>
+          </a:r>
+          <a:r>
+            <a:rPr lang="en-US" sz="1800" i="1" dirty="0"/>
+            <a:t>etc.</a:t>
+          </a:r>
+          <a:r>
+            <a:rPr lang="en-US" sz="1800" dirty="0"/>
+            <a:t>)</a:t>
+          </a:r>
+        </a:p>
+      </dgm:t>
+    </dgm:pt>
+    <dgm:pt modelId="{490C1390-B64D-42D2-BE39-D4B1A148472A}" type="parTrans" cxnId="{C49C897A-BD46-4783-9401-12A5E339D1DA}">
+      <dgm:prSet/>
+      <dgm:spPr/>
+      <dgm:t>
+        <a:bodyPr/>
+        <a:lstStyle/>
+        <a:p>
+          <a:endParaRPr lang="en-US"/>
+        </a:p>
+      </dgm:t>
+    </dgm:pt>
+    <dgm:pt modelId="{4DD581D1-F9FB-4FE0-97A2-0D11968BFB4A}" type="sibTrans" cxnId="{C49C897A-BD46-4783-9401-12A5E339D1DA}">
+      <dgm:prSet/>
+      <dgm:spPr/>
+      <dgm:t>
+        <a:bodyPr/>
+        <a:lstStyle/>
+        <a:p>
+          <a:endParaRPr lang="en-US"/>
+        </a:p>
+      </dgm:t>
+    </dgm:pt>
+    <dgm:pt modelId="{2E142864-FA38-478B-B9B3-E099A6394F19}">
+      <dgm:prSet custT="1"/>
+      <dgm:spPr/>
+      <dgm:t>
+        <a:bodyPr/>
+        <a:lstStyle/>
+        <a:p>
+          <a:pPr marL="114300" indent="0">
+            <a:buFont typeface="Wingdings" panose="05000000000000000000" pitchFamily="2" charset="2"/>
+            <a:buChar char="v"/>
+          </a:pPr>
+          <a:r>
+            <a:rPr lang="en-CA" sz="1500" b="1" dirty="0"/>
+            <a:t> </a:t>
+          </a:r>
+          <a:r>
+            <a:rPr lang="en-CA" sz="2000" b="1" dirty="0"/>
+            <a:t>TAZ-level data</a:t>
+          </a:r>
+          <a:r>
+            <a:rPr lang="en-CA" sz="2000" dirty="0"/>
+            <a:t>:</a:t>
+          </a:r>
+          <a:endParaRPr lang="en-US" sz="2000" dirty="0"/>
+        </a:p>
+      </dgm:t>
+    </dgm:pt>
+    <dgm:pt modelId="{566112C3-95E2-4DB9-85A0-1F997148542F}" type="parTrans" cxnId="{2A6DC0C1-3DCC-465B-8143-C4827E600BB6}">
+      <dgm:prSet/>
+      <dgm:spPr/>
+      <dgm:t>
+        <a:bodyPr/>
+        <a:lstStyle/>
+        <a:p>
+          <a:endParaRPr lang="en-US"/>
+        </a:p>
+      </dgm:t>
+    </dgm:pt>
+    <dgm:pt modelId="{8AA5E774-F4B1-49B5-B918-FB4DAB72F65F}" type="sibTrans" cxnId="{2A6DC0C1-3DCC-465B-8143-C4827E600BB6}">
+      <dgm:prSet/>
+      <dgm:spPr/>
+      <dgm:t>
+        <a:bodyPr/>
+        <a:lstStyle/>
+        <a:p>
+          <a:endParaRPr lang="en-US"/>
+        </a:p>
+      </dgm:t>
+    </dgm:pt>
+    <dgm:pt modelId="{C586F2E7-43ED-4FF0-ABCD-1E049B188814}">
+      <dgm:prSet custT="1"/>
+      <dgm:spPr/>
+      <dgm:t>
+        <a:bodyPr/>
+        <a:lstStyle/>
+        <a:p>
+          <a:pPr marL="228600" indent="0">
+            <a:buFont typeface="Wingdings" panose="05000000000000000000" pitchFamily="2" charset="2"/>
+            <a:buChar char="§"/>
+          </a:pPr>
+          <a:r>
+            <a:rPr lang="en-CA" sz="1500" dirty="0"/>
+            <a:t> Select TTS variables </a:t>
+          </a:r>
+          <a:endParaRPr lang="en-US" sz="1500" dirty="0"/>
+        </a:p>
+      </dgm:t>
+    </dgm:pt>
+    <dgm:pt modelId="{99F13590-A8B6-4C7B-A488-CF46143CFAC4}" type="parTrans" cxnId="{307C266F-CD67-418E-A602-D9C74449E62A}">
+      <dgm:prSet/>
+      <dgm:spPr/>
+      <dgm:t>
+        <a:bodyPr/>
+        <a:lstStyle/>
+        <a:p>
+          <a:endParaRPr lang="en-US"/>
+        </a:p>
+      </dgm:t>
+    </dgm:pt>
+    <dgm:pt modelId="{FF2FDA05-4869-415C-B0C9-67A71AC42819}" type="sibTrans" cxnId="{307C266F-CD67-418E-A602-D9C74449E62A}">
+      <dgm:prSet/>
+      <dgm:spPr/>
+      <dgm:t>
+        <a:bodyPr/>
+        <a:lstStyle/>
+        <a:p>
+          <a:endParaRPr lang="en-US"/>
+        </a:p>
+      </dgm:t>
+    </dgm:pt>
+    <dgm:pt modelId="{FE773488-817E-41E4-AE13-BA57CA8E3D20}">
+      <dgm:prSet custT="1"/>
+      <dgm:spPr/>
+      <dgm:t>
+        <a:bodyPr/>
+        <a:lstStyle/>
+        <a:p>
+          <a:pPr marL="114300" indent="0">
+            <a:buFont typeface="Wingdings" panose="05000000000000000000" pitchFamily="2" charset="2"/>
+            <a:buChar char="v"/>
+          </a:pPr>
+          <a:r>
+            <a:rPr lang="en-CA" sz="1500" b="1" dirty="0"/>
+            <a:t> </a:t>
+          </a:r>
+          <a:r>
+            <a:rPr lang="en-CA" sz="2000" b="1" dirty="0"/>
+            <a:t>Time-indexed data</a:t>
+          </a:r>
+          <a:r>
+            <a:rPr lang="en-CA" sz="2000" dirty="0"/>
+            <a:t>:</a:t>
+          </a:r>
+          <a:endParaRPr lang="en-US" sz="2000" dirty="0"/>
+        </a:p>
+      </dgm:t>
+    </dgm:pt>
+    <dgm:pt modelId="{D93E4F5E-E992-4178-871D-9CBEFB6CF78A}" type="parTrans" cxnId="{83C0EAD7-1C23-4820-A025-1140EA523457}">
+      <dgm:prSet/>
+      <dgm:spPr/>
+      <dgm:t>
+        <a:bodyPr/>
+        <a:lstStyle/>
+        <a:p>
+          <a:endParaRPr lang="en-US"/>
+        </a:p>
+      </dgm:t>
+    </dgm:pt>
+    <dgm:pt modelId="{C504CE2B-E9E1-4D86-A988-D0ABF2A8AF8A}" type="sibTrans" cxnId="{83C0EAD7-1C23-4820-A025-1140EA523457}">
+      <dgm:prSet/>
+      <dgm:spPr/>
+      <dgm:t>
+        <a:bodyPr/>
+        <a:lstStyle/>
+        <a:p>
+          <a:endParaRPr lang="en-US"/>
+        </a:p>
+      </dgm:t>
+    </dgm:pt>
+    <dgm:pt modelId="{8AC1053C-FC62-4DDC-8B86-D4DF08CA9828}">
+      <dgm:prSet custT="1"/>
+      <dgm:spPr/>
+      <dgm:t>
+        <a:bodyPr/>
+        <a:lstStyle/>
+        <a:p>
+          <a:pPr marL="228600" indent="0">
+            <a:buFont typeface="Wingdings" panose="05000000000000000000" pitchFamily="2" charset="2"/>
+            <a:buChar char="§"/>
+          </a:pPr>
+          <a:r>
+            <a:rPr lang="en-CA" sz="1500" dirty="0"/>
+            <a:t> </a:t>
+          </a:r>
+          <a:r>
+            <a:rPr lang="en-CA" sz="1800" dirty="0"/>
+            <a:t>Fuel price in Toronto from StatsCan</a:t>
+          </a:r>
+          <a:endParaRPr lang="en-US" sz="1500" dirty="0"/>
+        </a:p>
+      </dgm:t>
+    </dgm:pt>
+    <dgm:pt modelId="{C2F06DD8-9721-4A91-AE4C-8BA445636794}" type="parTrans" cxnId="{8E240FE1-9F48-4D01-8A13-0EC066AAE4DC}">
+      <dgm:prSet/>
+      <dgm:spPr/>
+      <dgm:t>
+        <a:bodyPr/>
+        <a:lstStyle/>
+        <a:p>
+          <a:endParaRPr lang="en-US"/>
+        </a:p>
+      </dgm:t>
+    </dgm:pt>
+    <dgm:pt modelId="{A2F84DF4-D6DB-4E51-B12A-968F90623601}" type="sibTrans" cxnId="{8E240FE1-9F48-4D01-8A13-0EC066AAE4DC}">
+      <dgm:prSet/>
+      <dgm:spPr/>
+      <dgm:t>
+        <a:bodyPr/>
+        <a:lstStyle/>
+        <a:p>
+          <a:endParaRPr lang="en-US"/>
+        </a:p>
+      </dgm:t>
+    </dgm:pt>
+    <dgm:pt modelId="{9DDB7CB0-03A1-45A6-9B6C-BE04853638CF}">
+      <dgm:prSet custT="1"/>
+      <dgm:spPr/>
+      <dgm:t>
+        <a:bodyPr/>
+        <a:lstStyle/>
+        <a:p>
+          <a:pPr marL="114300" indent="0">
+            <a:buFontTx/>
+            <a:buNone/>
+          </a:pPr>
+          <a:r>
+            <a:rPr lang="en-CA" sz="1800" dirty="0"/>
+            <a:t>(1986, 1991, 1996, 2001, 2006, 2011, 2016)</a:t>
+          </a:r>
+          <a:endParaRPr lang="en-US" sz="1500" dirty="0"/>
+        </a:p>
+      </dgm:t>
+    </dgm:pt>
+    <dgm:pt modelId="{6537A174-A667-4157-AACA-5614CD79BA00}" type="parTrans" cxnId="{F08533D0-4AC5-48AD-9E5A-459660D7024F}">
+      <dgm:prSet/>
+      <dgm:spPr/>
+      <dgm:t>
+        <a:bodyPr/>
+        <a:lstStyle/>
+        <a:p>
+          <a:endParaRPr lang="en-US"/>
+        </a:p>
+      </dgm:t>
+    </dgm:pt>
+    <dgm:pt modelId="{BAC72DA3-17D6-4AA6-B336-013D5AF4618E}" type="sibTrans" cxnId="{F08533D0-4AC5-48AD-9E5A-459660D7024F}">
+      <dgm:prSet/>
+      <dgm:spPr/>
+      <dgm:t>
+        <a:bodyPr/>
+        <a:lstStyle/>
+        <a:p>
+          <a:endParaRPr lang="en-US"/>
+        </a:p>
+      </dgm:t>
+    </dgm:pt>
+    <dgm:pt modelId="{B27F2335-A1CC-4791-97B4-BF265B7ED691}">
+      <dgm:prSet custT="1"/>
+      <dgm:spPr/>
+      <dgm:t>
+        <a:bodyPr/>
+        <a:lstStyle/>
+        <a:p>
+          <a:pPr marL="228600" indent="0">
+            <a:buFont typeface="Wingdings" panose="05000000000000000000" pitchFamily="2" charset="2"/>
+            <a:buChar char="§"/>
+          </a:pPr>
+          <a:r>
+            <a:rPr lang="en-CA" sz="1500" dirty="0"/>
+            <a:t> </a:t>
+          </a:r>
+          <a:r>
+            <a:rPr lang="en-CA" sz="1800" dirty="0"/>
+            <a:t>Inflation correction coefficients, </a:t>
+          </a:r>
+          <a:r>
+            <a:rPr lang="en-CA" sz="1800" i="1" dirty="0"/>
+            <a:t>etc.</a:t>
+          </a:r>
+          <a:endParaRPr lang="en-US" sz="1500" dirty="0"/>
+        </a:p>
+      </dgm:t>
+    </dgm:pt>
+    <dgm:pt modelId="{774920A5-B7C0-420E-996E-A173BB9C933B}" type="parTrans" cxnId="{A56E1AB3-1538-4ED6-8E93-5BB69D9CBA35}">
+      <dgm:prSet/>
+      <dgm:spPr/>
+      <dgm:t>
+        <a:bodyPr/>
+        <a:lstStyle/>
+        <a:p>
+          <a:endParaRPr lang="en-US"/>
+        </a:p>
+      </dgm:t>
+    </dgm:pt>
+    <dgm:pt modelId="{077D250C-3DDA-4D5C-A417-C22D0793CAAF}" type="sibTrans" cxnId="{A56E1AB3-1538-4ED6-8E93-5BB69D9CBA35}">
+      <dgm:prSet/>
+      <dgm:spPr/>
+      <dgm:t>
+        <a:bodyPr/>
+        <a:lstStyle/>
+        <a:p>
+          <a:endParaRPr lang="en-US"/>
+        </a:p>
+      </dgm:t>
+    </dgm:pt>
+    <dgm:pt modelId="{EE698577-01B7-4592-9105-CD93CB3D1A87}">
+      <dgm:prSet custT="1"/>
+      <dgm:spPr/>
+      <dgm:t>
+        <a:bodyPr/>
+        <a:lstStyle/>
+        <a:p>
+          <a:pPr marL="342900" indent="0">
+            <a:buFontTx/>
+            <a:buNone/>
+          </a:pPr>
+          <a:r>
+            <a:rPr lang="en-US" sz="1800" dirty="0"/>
+            <a:t>(</a:t>
+          </a:r>
+          <a:r>
+            <a:rPr lang="en-CA" sz="1800" dirty="0"/>
+            <a:t>1971, 1976, 1981, 1986, 1991, 1996, 2001, 2006, 2011 , 2016) </a:t>
+          </a:r>
+          <a:endParaRPr lang="en-US" sz="1800" dirty="0"/>
+        </a:p>
+      </dgm:t>
+    </dgm:pt>
+    <dgm:pt modelId="{D6A05499-387C-49FA-A535-511448D8DE9F}" type="sibTrans" cxnId="{A05C64A0-6CC1-41BC-86F5-F0A419FE9B7B}">
+      <dgm:prSet/>
+      <dgm:spPr/>
+      <dgm:t>
+        <a:bodyPr/>
+        <a:lstStyle/>
+        <a:p>
+          <a:endParaRPr lang="en-US"/>
+        </a:p>
+      </dgm:t>
+    </dgm:pt>
+    <dgm:pt modelId="{D45A790C-20D3-4695-9EA8-B70FC1E7C202}" type="parTrans" cxnId="{A05C64A0-6CC1-41BC-86F5-F0A419FE9B7B}">
+      <dgm:prSet/>
+      <dgm:spPr/>
+      <dgm:t>
+        <a:bodyPr/>
+        <a:lstStyle/>
+        <a:p>
+          <a:endParaRPr lang="en-US"/>
+        </a:p>
+      </dgm:t>
+    </dgm:pt>
+    <dgm:pt modelId="{BEEC2B09-DA9D-4CE6-AC9B-5B8627B35223}">
+      <dgm:prSet custT="1"/>
+      <dgm:spPr/>
+      <dgm:t>
+        <a:bodyPr/>
+        <a:lstStyle/>
+        <a:p>
+          <a:pPr marL="228600" indent="0">
+            <a:buFont typeface="Wingdings" panose="05000000000000000000" pitchFamily="2" charset="2"/>
+            <a:buChar char="§"/>
+          </a:pPr>
+          <a:r>
+            <a:rPr lang="en-CA" sz="1800" dirty="0"/>
+            <a:t> Number of jobs</a:t>
+          </a:r>
+          <a:endParaRPr lang="en-US" sz="1500" dirty="0"/>
+        </a:p>
+      </dgm:t>
+    </dgm:pt>
+    <dgm:pt modelId="{75EEE840-67DE-472F-A8AF-EEAAB4C4AE51}" type="parTrans" cxnId="{F5CEF0A4-72AE-4D64-A665-3602D7DD8FEC}">
+      <dgm:prSet/>
+      <dgm:spPr/>
+      <dgm:t>
+        <a:bodyPr/>
+        <a:lstStyle/>
+        <a:p>
+          <a:endParaRPr lang="en-CA"/>
+        </a:p>
+      </dgm:t>
+    </dgm:pt>
+    <dgm:pt modelId="{C63B8210-4458-4D07-A2A2-A72241F53AFE}" type="sibTrans" cxnId="{F5CEF0A4-72AE-4D64-A665-3602D7DD8FEC}">
+      <dgm:prSet/>
+      <dgm:spPr/>
+      <dgm:t>
+        <a:bodyPr/>
+        <a:lstStyle/>
+        <a:p>
+          <a:endParaRPr lang="en-CA"/>
+        </a:p>
+      </dgm:t>
+    </dgm:pt>
+    <dgm:pt modelId="{CF4A409B-B512-41B6-B422-BEBF9680C05B}">
+      <dgm:prSet custT="1"/>
+      <dgm:spPr/>
+      <dgm:t>
+        <a:bodyPr/>
+        <a:lstStyle/>
+        <a:p>
+          <a:pPr marL="342900" indent="0">
+            <a:buFontTx/>
+            <a:buNone/>
+          </a:pPr>
+          <a:r>
+            <a:rPr lang="en-CA" sz="1800" dirty="0"/>
+            <a:t>(1986, 1991, 1996, 2001, 2006, 2011, 2016)</a:t>
+          </a:r>
+          <a:endParaRPr lang="en-US" sz="1800" dirty="0"/>
+        </a:p>
+      </dgm:t>
+    </dgm:pt>
+    <dgm:pt modelId="{7B587EE9-F89B-4160-912F-06C167746CE3}" type="parTrans" cxnId="{FAB1AFE7-8110-47DB-AE12-198680F25DB6}">
+      <dgm:prSet/>
+      <dgm:spPr/>
+      <dgm:t>
+        <a:bodyPr/>
+        <a:lstStyle/>
+        <a:p>
+          <a:endParaRPr lang="en-CA"/>
+        </a:p>
+      </dgm:t>
+    </dgm:pt>
+    <dgm:pt modelId="{55FA6B86-6D3D-4DDB-90CD-E710624E1D4A}" type="sibTrans" cxnId="{FAB1AFE7-8110-47DB-AE12-198680F25DB6}">
+      <dgm:prSet/>
+      <dgm:spPr/>
+      <dgm:t>
+        <a:bodyPr/>
+        <a:lstStyle/>
+        <a:p>
+          <a:endParaRPr lang="en-CA"/>
+        </a:p>
+      </dgm:t>
+    </dgm:pt>
+    <dgm:pt modelId="{107E2101-38DF-4561-A0D4-ABDC1141BF14}">
+      <dgm:prSet custT="1"/>
+      <dgm:spPr/>
+      <dgm:t>
+        <a:bodyPr/>
+        <a:lstStyle/>
+        <a:p>
+          <a:pPr marL="228600" indent="0">
+            <a:buFont typeface="Wingdings" panose="05000000000000000000" pitchFamily="2" charset="2"/>
+            <a:buChar char="§"/>
+          </a:pPr>
+          <a:r>
+            <a:rPr lang="en-CA" sz="1800" dirty="0"/>
+            <a:t>TAZ info (length, area, geometry)</a:t>
+          </a:r>
+          <a:r>
+            <a:rPr lang="en-CA" sz="1500" dirty="0"/>
+            <a:t> </a:t>
+          </a:r>
+          <a:endParaRPr lang="en-US" sz="1500" dirty="0"/>
+        </a:p>
+      </dgm:t>
+    </dgm:pt>
+    <dgm:pt modelId="{D9FE6DA7-108C-4272-81F8-4B78ABB0557C}" type="parTrans" cxnId="{AFE31537-9654-4886-8A6F-3BE7608C3836}">
+      <dgm:prSet/>
+      <dgm:spPr/>
+      <dgm:t>
+        <a:bodyPr/>
+        <a:lstStyle/>
+        <a:p>
+          <a:endParaRPr lang="en-CA"/>
+        </a:p>
+      </dgm:t>
+    </dgm:pt>
+    <dgm:pt modelId="{1C6C8745-EF68-4430-940C-24FCACF800AE}" type="sibTrans" cxnId="{AFE31537-9654-4886-8A6F-3BE7608C3836}">
+      <dgm:prSet/>
+      <dgm:spPr/>
+      <dgm:t>
+        <a:bodyPr/>
+        <a:lstStyle/>
+        <a:p>
+          <a:endParaRPr lang="en-CA"/>
+        </a:p>
+      </dgm:t>
+    </dgm:pt>
+    <dgm:pt modelId="{76DA5E19-EA81-4BBA-AE1B-644E538BD822}">
+      <dgm:prSet custT="1"/>
+      <dgm:spPr/>
+      <dgm:t>
+        <a:bodyPr/>
+        <a:lstStyle/>
+        <a:p>
+          <a:pPr marL="228600" indent="0">
+            <a:buFontTx/>
+            <a:buNone/>
+          </a:pPr>
+          <a:r>
+            <a:rPr lang="en-CA" sz="1800" dirty="0"/>
+            <a:t>(1991, 1996, 2001, 2006, 2011, 2016), </a:t>
+          </a:r>
+          <a:r>
+            <a:rPr lang="en-CA" sz="1800" i="1" dirty="0"/>
+            <a:t>etc.</a:t>
+          </a:r>
+          <a:r>
+            <a:rPr lang="en-CA" sz="1800" dirty="0"/>
+            <a:t>  </a:t>
+          </a:r>
+          <a:endParaRPr lang="en-US" sz="1500" dirty="0"/>
+        </a:p>
+      </dgm:t>
+    </dgm:pt>
+    <dgm:pt modelId="{93C37291-3982-4238-A59A-97629D9DFB99}" type="parTrans" cxnId="{1BAB2F0F-67D6-4B7C-9783-1B1FA3983471}">
+      <dgm:prSet/>
+      <dgm:spPr/>
+      <dgm:t>
+        <a:bodyPr/>
+        <a:lstStyle/>
+        <a:p>
+          <a:endParaRPr lang="en-CA"/>
+        </a:p>
+      </dgm:t>
+    </dgm:pt>
+    <dgm:pt modelId="{20226BE0-17C7-4C40-A3B4-6473CC979711}" type="sibTrans" cxnId="{1BAB2F0F-67D6-4B7C-9783-1B1FA3983471}">
+      <dgm:prSet/>
+      <dgm:spPr/>
+      <dgm:t>
+        <a:bodyPr/>
+        <a:lstStyle/>
+        <a:p>
+          <a:endParaRPr lang="en-CA"/>
+        </a:p>
+      </dgm:t>
+    </dgm:pt>
+    <dgm:pt modelId="{8BF613C7-11F7-4DB0-A433-B96A5FA6E073}">
+      <dgm:prSet custT="1"/>
+      <dgm:spPr/>
+      <dgm:t>
+        <a:bodyPr/>
+        <a:lstStyle/>
+        <a:p>
+          <a:pPr marL="228600" indent="0"/>
+          <a:endParaRPr lang="en-US" sz="1800" dirty="0"/>
+        </a:p>
+      </dgm:t>
+    </dgm:pt>
+    <dgm:pt modelId="{92F32E20-AD6B-4C75-9A75-D689159A7C0A}" type="parTrans" cxnId="{4964AB60-811A-4120-B6B5-9E0820E1DE16}">
+      <dgm:prSet/>
+      <dgm:spPr/>
+      <dgm:t>
+        <a:bodyPr/>
+        <a:lstStyle/>
+        <a:p>
+          <a:endParaRPr lang="en-CA"/>
+        </a:p>
+      </dgm:t>
+    </dgm:pt>
+    <dgm:pt modelId="{A27E5557-E2CE-4570-89FF-5F92E8565D99}" type="sibTrans" cxnId="{4964AB60-811A-4120-B6B5-9E0820E1DE16}">
+      <dgm:prSet/>
+      <dgm:spPr/>
+      <dgm:t>
+        <a:bodyPr/>
+        <a:lstStyle/>
+        <a:p>
+          <a:endParaRPr lang="en-CA"/>
+        </a:p>
+      </dgm:t>
+    </dgm:pt>
+    <dgm:pt modelId="{C8DEAA7C-6525-49B3-ABD7-D9559F88DF3F}">
+      <dgm:prSet custT="1"/>
+      <dgm:spPr/>
+      <dgm:t>
+        <a:bodyPr/>
+        <a:lstStyle/>
+        <a:p>
+          <a:pPr marL="228600" indent="0">
+            <a:buFont typeface="Wingdings" panose="05000000000000000000" pitchFamily="2" charset="2"/>
+            <a:buChar char="§"/>
+          </a:pPr>
+          <a:endParaRPr lang="en-US" sz="1500" dirty="0"/>
+        </a:p>
+      </dgm:t>
+    </dgm:pt>
+    <dgm:pt modelId="{E7718985-0170-4542-B881-7045DD90895B}" type="parTrans" cxnId="{F97BFDE3-A312-488F-8BFD-A3461A5E2A9A}">
+      <dgm:prSet/>
+      <dgm:spPr/>
+      <dgm:t>
+        <a:bodyPr/>
+        <a:lstStyle/>
+        <a:p>
+          <a:endParaRPr lang="en-CA"/>
+        </a:p>
+      </dgm:t>
+    </dgm:pt>
+    <dgm:pt modelId="{10C252B2-7010-420A-BC61-70DF74E3432F}" type="sibTrans" cxnId="{F97BFDE3-A312-488F-8BFD-A3461A5E2A9A}">
+      <dgm:prSet/>
+      <dgm:spPr/>
+      <dgm:t>
+        <a:bodyPr/>
+        <a:lstStyle/>
+        <a:p>
+          <a:endParaRPr lang="en-CA"/>
+        </a:p>
+      </dgm:t>
+    </dgm:pt>
+    <dgm:pt modelId="{B158B532-6F56-4F0B-8E07-0EB5EBC38679}" type="pres">
+      <dgm:prSet presAssocID="{4D87348A-F04F-4D8A-8BE4-664D1423868C}" presName="linear" presStyleCnt="0">
+        <dgm:presLayoutVars>
+          <dgm:animLvl val="lvl"/>
+          <dgm:resizeHandles val="exact"/>
+        </dgm:presLayoutVars>
+      </dgm:prSet>
+      <dgm:spPr/>
+    </dgm:pt>
+    <dgm:pt modelId="{875D4B07-EBD3-4790-89DA-926911DAE499}" type="pres">
+      <dgm:prSet presAssocID="{F8DB6D24-20CD-4060-B085-B10CDAB53BAD}" presName="parentText" presStyleLbl="node1" presStyleIdx="0" presStyleCnt="1">
+        <dgm:presLayoutVars>
+          <dgm:chMax val="0"/>
+          <dgm:bulletEnabled val="1"/>
+        </dgm:presLayoutVars>
+      </dgm:prSet>
+      <dgm:spPr/>
+    </dgm:pt>
+    <dgm:pt modelId="{B927AFE1-4077-47F1-880D-0FB26A2596D4}" type="pres">
+      <dgm:prSet presAssocID="{F8DB6D24-20CD-4060-B085-B10CDAB53BAD}" presName="childText" presStyleLbl="revTx" presStyleIdx="0" presStyleCnt="1">
+        <dgm:presLayoutVars>
+          <dgm:bulletEnabled val="1"/>
+        </dgm:presLayoutVars>
+      </dgm:prSet>
+      <dgm:spPr/>
+    </dgm:pt>
+  </dgm:ptLst>
+  <dgm:cxnLst>
+    <dgm:cxn modelId="{C765D90E-9FF2-4403-8396-316ED2962CA8}" type="presOf" srcId="{9DDB7CB0-03A1-45A6-9B6C-BE04853638CF}" destId="{B927AFE1-4077-47F1-880D-0FB26A2596D4}" srcOrd="0" destOrd="16" presId="urn:microsoft.com/office/officeart/2005/8/layout/vList2"/>
+    <dgm:cxn modelId="{1BAB2F0F-67D6-4B7C-9783-1B1FA3983471}" srcId="{F8DB6D24-20CD-4060-B085-B10CDAB53BAD}" destId="{76DA5E19-EA81-4BBA-AE1B-644E538BD822}" srcOrd="4" destOrd="0" parTransId="{93C37291-3982-4238-A59A-97629D9DFB99}" sibTransId="{20226BE0-17C7-4C40-A3B4-6473CC979711}"/>
+    <dgm:cxn modelId="{A098C61F-3F5C-408F-A923-C3BB14A07B39}" type="presOf" srcId="{F8DB6D24-20CD-4060-B085-B10CDAB53BAD}" destId="{875D4B07-EBD3-4790-89DA-926911DAE499}" srcOrd="0" destOrd="0" presId="urn:microsoft.com/office/officeart/2005/8/layout/vList2"/>
+    <dgm:cxn modelId="{AFE31537-9654-4886-8A6F-3BE7608C3836}" srcId="{76DA5E19-EA81-4BBA-AE1B-644E538BD822}" destId="{107E2101-38DF-4561-A0D4-ABDC1141BF14}" srcOrd="0" destOrd="0" parTransId="{D9FE6DA7-108C-4272-81F8-4B78ABB0557C}" sibTransId="{1C6C8745-EF68-4430-940C-24FCACF800AE}"/>
+    <dgm:cxn modelId="{6A4EEA38-F323-495C-93C9-18ED78E41A01}" type="presOf" srcId="{EE698577-01B7-4592-9105-CD93CB3D1A87}" destId="{B927AFE1-4077-47F1-880D-0FB26A2596D4}" srcOrd="0" destOrd="3" presId="urn:microsoft.com/office/officeart/2005/8/layout/vList2"/>
+    <dgm:cxn modelId="{BFA43A60-90B7-4AAC-8320-5548AC170204}" type="presOf" srcId="{B27F2335-A1CC-4791-97B4-BF265B7ED691}" destId="{B927AFE1-4077-47F1-880D-0FB26A2596D4}" srcOrd="0" destOrd="17" presId="urn:microsoft.com/office/officeart/2005/8/layout/vList2"/>
+    <dgm:cxn modelId="{4964AB60-811A-4120-B6B5-9E0820E1DE16}" srcId="{F8DB6D24-20CD-4060-B085-B10CDAB53BAD}" destId="{8BF613C7-11F7-4DB0-A433-B96A5FA6E073}" srcOrd="1" destOrd="0" parTransId="{92F32E20-AD6B-4C75-9A75-D689159A7C0A}" sibTransId="{A27E5557-E2CE-4570-89FF-5F92E8565D99}"/>
+    <dgm:cxn modelId="{D1F91942-065E-4D79-90C0-56EDC2AC1325}" type="presOf" srcId="{5EC800BF-8DFC-4542-8EE0-2694DF66EB2E}" destId="{B927AFE1-4077-47F1-880D-0FB26A2596D4}" srcOrd="0" destOrd="2" presId="urn:microsoft.com/office/officeart/2005/8/layout/vList2"/>
+    <dgm:cxn modelId="{08D0904A-5566-4128-8CD3-210AF5BD97BA}" srcId="{04554BA8-C6C7-40DD-9EEB-DAAC13DA290C}" destId="{2018A370-958E-4603-8224-D22BA9953E02}" srcOrd="0" destOrd="0" parTransId="{ACA4BC78-530C-4159-BC89-87FB926A2B41}" sibTransId="{51300CB3-F9B1-4858-8D8C-C2AB954D162A}"/>
+    <dgm:cxn modelId="{307C266F-CD67-418E-A602-D9C74449E62A}" srcId="{2E142864-FA38-478B-B9B3-E099A6394F19}" destId="{C586F2E7-43ED-4FF0-ABCD-1E049B188814}" srcOrd="0" destOrd="0" parTransId="{99F13590-A8B6-4C7B-A488-CF46143CFAC4}" sibTransId="{FF2FDA05-4869-415C-B0C9-67A71AC42819}"/>
+    <dgm:cxn modelId="{2AB3C151-EF57-41C2-B240-27DAA028435C}" srcId="{F8DB6D24-20CD-4060-B085-B10CDAB53BAD}" destId="{04554BA8-C6C7-40DD-9EEB-DAAC13DA290C}" srcOrd="0" destOrd="0" parTransId="{3951D920-0132-4FBB-BBB0-FB698B8C75FD}" sibTransId="{B9DF835A-61CC-4825-89AA-7C317C739159}"/>
+    <dgm:cxn modelId="{C49C897A-BD46-4783-9401-12A5E339D1DA}" srcId="{04554BA8-C6C7-40DD-9EEB-DAAC13DA290C}" destId="{BDF0D839-BA2A-49D8-A4E2-E7B34E8FDB48}" srcOrd="2" destOrd="0" parTransId="{490C1390-B64D-42D2-BE39-D4B1A148472A}" sibTransId="{4DD581D1-F9FB-4FE0-97A2-0D11968BFB4A}"/>
+    <dgm:cxn modelId="{BEF0607C-60C5-4494-852A-6B38DFDDB1CE}" type="presOf" srcId="{BDF0D839-BA2A-49D8-A4E2-E7B34E8FDB48}" destId="{B927AFE1-4077-47F1-880D-0FB26A2596D4}" srcOrd="0" destOrd="5" presId="urn:microsoft.com/office/officeart/2005/8/layout/vList2"/>
+    <dgm:cxn modelId="{83471E7D-58CC-4C42-B283-B3E3EFBBA3F1}" type="presOf" srcId="{76DA5E19-EA81-4BBA-AE1B-644E538BD822}" destId="{B927AFE1-4077-47F1-880D-0FB26A2596D4}" srcOrd="0" destOrd="11" presId="urn:microsoft.com/office/officeart/2005/8/layout/vList2"/>
+    <dgm:cxn modelId="{3BD9188A-0A4A-4FAA-905E-1A16685B4690}" type="presOf" srcId="{BEEC2B09-DA9D-4CE6-AC9B-5B8627B35223}" destId="{B927AFE1-4077-47F1-880D-0FB26A2596D4}" srcOrd="0" destOrd="10" presId="urn:microsoft.com/office/officeart/2005/8/layout/vList2"/>
+    <dgm:cxn modelId="{E0703196-A3A0-4CE7-AD4D-493059685877}" type="presOf" srcId="{8BF613C7-11F7-4DB0-A433-B96A5FA6E073}" destId="{B927AFE1-4077-47F1-880D-0FB26A2596D4}" srcOrd="0" destOrd="6" presId="urn:microsoft.com/office/officeart/2005/8/layout/vList2"/>
+    <dgm:cxn modelId="{F86EF99C-746A-488B-BB9D-36B448660D21}" type="presOf" srcId="{107E2101-38DF-4561-A0D4-ABDC1141BF14}" destId="{B927AFE1-4077-47F1-880D-0FB26A2596D4}" srcOrd="0" destOrd="12" presId="urn:microsoft.com/office/officeart/2005/8/layout/vList2"/>
+    <dgm:cxn modelId="{967AAD9E-7A2E-4909-921B-C3E42B3FA326}" srcId="{2018A370-958E-4603-8224-D22BA9953E02}" destId="{5EC800BF-8DFC-4542-8EE0-2694DF66EB2E}" srcOrd="0" destOrd="0" parTransId="{BB47C203-DBB3-41B9-8835-9B73A1DA60D2}" sibTransId="{5D55CB2D-86C0-48E0-ABD2-540D5C52D149}"/>
+    <dgm:cxn modelId="{A05C64A0-6CC1-41BC-86F5-F0A419FE9B7B}" srcId="{04554BA8-C6C7-40DD-9EEB-DAAC13DA290C}" destId="{EE698577-01B7-4592-9105-CD93CB3D1A87}" srcOrd="1" destOrd="0" parTransId="{D45A790C-20D3-4695-9EA8-B70FC1E7C202}" sibTransId="{D6A05499-387C-49FA-A535-511448D8DE9F}"/>
+    <dgm:cxn modelId="{E79C8DA4-57CF-4CF9-BD45-DAE334335AAD}" type="presOf" srcId="{2E142864-FA38-478B-B9B3-E099A6394F19}" destId="{B927AFE1-4077-47F1-880D-0FB26A2596D4}" srcOrd="0" destOrd="7" presId="urn:microsoft.com/office/officeart/2005/8/layout/vList2"/>
+    <dgm:cxn modelId="{F5CEF0A4-72AE-4D64-A665-3602D7DD8FEC}" srcId="{F8DB6D24-20CD-4060-B085-B10CDAB53BAD}" destId="{BEEC2B09-DA9D-4CE6-AC9B-5B8627B35223}" srcOrd="3" destOrd="0" parTransId="{75EEE840-67DE-472F-A8AF-EEAAB4C4AE51}" sibTransId="{C63B8210-4458-4D07-A2A2-A72241F53AFE}"/>
+    <dgm:cxn modelId="{61C494AF-E011-4A49-837F-595B15C25A56}" type="presOf" srcId="{FE773488-817E-41E4-AE13-BA57CA8E3D20}" destId="{B927AFE1-4077-47F1-880D-0FB26A2596D4}" srcOrd="0" destOrd="14" presId="urn:microsoft.com/office/officeart/2005/8/layout/vList2"/>
+    <dgm:cxn modelId="{5A54A2B0-F129-4172-9159-37B0C6761D82}" type="presOf" srcId="{8AC1053C-FC62-4DDC-8B86-D4DF08CA9828}" destId="{B927AFE1-4077-47F1-880D-0FB26A2596D4}" srcOrd="0" destOrd="15" presId="urn:microsoft.com/office/officeart/2005/8/layout/vList2"/>
+    <dgm:cxn modelId="{450405B2-D3DD-48C4-978D-22F97A0D7ABB}" type="presOf" srcId="{2C716E54-7DF5-441A-AF62-837A25BB59A4}" destId="{B927AFE1-4077-47F1-880D-0FB26A2596D4}" srcOrd="0" destOrd="4" presId="urn:microsoft.com/office/officeart/2005/8/layout/vList2"/>
+    <dgm:cxn modelId="{E2E659B2-6083-4920-A6CB-C54EE72DC18C}" type="presOf" srcId="{C586F2E7-43ED-4FF0-ABCD-1E049B188814}" destId="{B927AFE1-4077-47F1-880D-0FB26A2596D4}" srcOrd="0" destOrd="8" presId="urn:microsoft.com/office/officeart/2005/8/layout/vList2"/>
+    <dgm:cxn modelId="{A56E1AB3-1538-4ED6-8E93-5BB69D9CBA35}" srcId="{9DDB7CB0-03A1-45A6-9B6C-BE04853638CF}" destId="{B27F2335-A1CC-4791-97B4-BF265B7ED691}" srcOrd="0" destOrd="0" parTransId="{774920A5-B7C0-420E-996E-A173BB9C933B}" sibTransId="{077D250C-3DDA-4D5C-A417-C22D0793CAAF}"/>
+    <dgm:cxn modelId="{050471B7-5310-49EB-8434-595472283AAC}" type="presOf" srcId="{C8DEAA7C-6525-49B3-ABD7-D9559F88DF3F}" destId="{B927AFE1-4077-47F1-880D-0FB26A2596D4}" srcOrd="0" destOrd="13" presId="urn:microsoft.com/office/officeart/2005/8/layout/vList2"/>
+    <dgm:cxn modelId="{2A6DC0C1-3DCC-465B-8143-C4827E600BB6}" srcId="{F8DB6D24-20CD-4060-B085-B10CDAB53BAD}" destId="{2E142864-FA38-478B-B9B3-E099A6394F19}" srcOrd="2" destOrd="0" parTransId="{566112C3-95E2-4DB9-85A0-1F997148542F}" sibTransId="{8AA5E774-F4B1-49B5-B918-FB4DAB72F65F}"/>
+    <dgm:cxn modelId="{DAFE6DCC-E638-44FA-88D2-4365CF043CA1}" type="presOf" srcId="{2018A370-958E-4603-8224-D22BA9953E02}" destId="{B927AFE1-4077-47F1-880D-0FB26A2596D4}" srcOrd="0" destOrd="1" presId="urn:microsoft.com/office/officeart/2005/8/layout/vList2"/>
+    <dgm:cxn modelId="{F08533D0-4AC5-48AD-9E5A-459660D7024F}" srcId="{F8DB6D24-20CD-4060-B085-B10CDAB53BAD}" destId="{9DDB7CB0-03A1-45A6-9B6C-BE04853638CF}" srcOrd="6" destOrd="0" parTransId="{6537A174-A667-4157-AACA-5614CD79BA00}" sibTransId="{BAC72DA3-17D6-4AA6-B336-013D5AF4618E}"/>
+    <dgm:cxn modelId="{83C0EAD7-1C23-4820-A025-1140EA523457}" srcId="{F8DB6D24-20CD-4060-B085-B10CDAB53BAD}" destId="{FE773488-817E-41E4-AE13-BA57CA8E3D20}" srcOrd="5" destOrd="0" parTransId="{D93E4F5E-E992-4178-871D-9CBEFB6CF78A}" sibTransId="{C504CE2B-E9E1-4D86-A988-D0ABF2A8AF8A}"/>
+    <dgm:cxn modelId="{BD4814DC-F179-4373-B00B-1BF03F041F9F}" type="presOf" srcId="{CF4A409B-B512-41B6-B422-BEBF9680C05B}" destId="{B927AFE1-4077-47F1-880D-0FB26A2596D4}" srcOrd="0" destOrd="9" presId="urn:microsoft.com/office/officeart/2005/8/layout/vList2"/>
+    <dgm:cxn modelId="{50973BDD-F317-4319-B9D1-F07EB58EA79A}" type="presOf" srcId="{04554BA8-C6C7-40DD-9EEB-DAAC13DA290C}" destId="{B927AFE1-4077-47F1-880D-0FB26A2596D4}" srcOrd="0" destOrd="0" presId="urn:microsoft.com/office/officeart/2005/8/layout/vList2"/>
+    <dgm:cxn modelId="{8E240FE1-9F48-4D01-8A13-0EC066AAE4DC}" srcId="{FE773488-817E-41E4-AE13-BA57CA8E3D20}" destId="{8AC1053C-FC62-4DDC-8B86-D4DF08CA9828}" srcOrd="0" destOrd="0" parTransId="{C2F06DD8-9721-4A91-AE4C-8BA445636794}" sibTransId="{A2F84DF4-D6DB-4E51-B12A-968F90623601}"/>
+    <dgm:cxn modelId="{F97BFDE3-A312-488F-8BFD-A3461A5E2A9A}" srcId="{76DA5E19-EA81-4BBA-AE1B-644E538BD822}" destId="{C8DEAA7C-6525-49B3-ABD7-D9559F88DF3F}" srcOrd="1" destOrd="0" parTransId="{E7718985-0170-4542-B881-7045DD90895B}" sibTransId="{10C252B2-7010-420A-BC61-70DF74E3432F}"/>
+    <dgm:cxn modelId="{FAB1AFE7-8110-47DB-AE12-198680F25DB6}" srcId="{2E142864-FA38-478B-B9B3-E099A6394F19}" destId="{CF4A409B-B512-41B6-B422-BEBF9680C05B}" srcOrd="1" destOrd="0" parTransId="{7B587EE9-F89B-4160-912F-06C167746CE3}" sibTransId="{55FA6B86-6D3D-4DDB-90CD-E710624E1D4A}"/>
+    <dgm:cxn modelId="{CC8F46F0-4DD8-4EA4-9C58-9E807C340A7A}" srcId="{EE698577-01B7-4592-9105-CD93CB3D1A87}" destId="{2C716E54-7DF5-441A-AF62-837A25BB59A4}" srcOrd="0" destOrd="0" parTransId="{777A21A0-2BF2-4E01-860A-0CEA3AB8D81A}" sibTransId="{A4EB6DC7-B453-4D3C-9837-2490FA4D5F99}"/>
+    <dgm:cxn modelId="{46E274FA-0FE3-4CCE-B2D5-102F0ACA8D17}" srcId="{4D87348A-F04F-4D8A-8BE4-664D1423868C}" destId="{F8DB6D24-20CD-4060-B085-B10CDAB53BAD}" srcOrd="0" destOrd="0" parTransId="{1267511D-469E-4FEA-B616-E38A683DBA02}" sibTransId="{5F1A905A-B2DF-4902-B2BE-58CFAA5B4ADE}"/>
+    <dgm:cxn modelId="{56C3C8FF-E4F5-409B-AA65-9FD24B6307F7}" type="presOf" srcId="{4D87348A-F04F-4D8A-8BE4-664D1423868C}" destId="{B158B532-6F56-4F0B-8E07-0EB5EBC38679}" srcOrd="0" destOrd="0" presId="urn:microsoft.com/office/officeart/2005/8/layout/vList2"/>
+    <dgm:cxn modelId="{6FFD8BDB-B6E1-49DD-831E-B36B3C0DABA4}" type="presParOf" srcId="{B158B532-6F56-4F0B-8E07-0EB5EBC38679}" destId="{875D4B07-EBD3-4790-89DA-926911DAE499}" srcOrd="0" destOrd="0" presId="urn:microsoft.com/office/officeart/2005/8/layout/vList2"/>
+    <dgm:cxn modelId="{CDAC16B9-9F99-45F6-98D8-5DBE99FB589B}" type="presParOf" srcId="{B158B532-6F56-4F0B-8E07-0EB5EBC38679}" destId="{B927AFE1-4077-47F1-880D-0FB26A2596D4}" srcOrd="1" destOrd="0" presId="urn:microsoft.com/office/officeart/2005/8/layout/vList2"/>
+  </dgm:cxnLst>
+  <dgm:bg/>
+  <dgm:whole/>
+  <dgm:extLst>
+    <a:ext uri="http://schemas.microsoft.com/office/drawing/2008/diagram">
+      <dsp:dataModelExt xmlns:dsp="http://schemas.microsoft.com/office/drawing/2008/diagram" relId="rId6" minVer="http://schemas.openxmlformats.org/drawingml/2006/diagram"/>
+    </a:ext>
+  </dgm:extLst>
+</dgm:dataModel>
+</file>
+
+<file path=ppt/diagrams/data2.xml><?xml version="1.0" encoding="utf-8"?>
+<dgm:dataModel xmlns:dgm="http://schemas.openxmlformats.org/drawingml/2006/diagram" xmlns:a="http://schemas.openxmlformats.org/drawingml/2006/main">
+  <dgm:ptLst>
+    <dgm:pt modelId="{4D87348A-F04F-4D8A-8BE4-664D1423868C}" type="doc">
+      <dgm:prSet loTypeId="urn:microsoft.com/office/officeart/2005/8/layout/vList2" loCatId="list" qsTypeId="urn:microsoft.com/office/officeart/2005/8/quickstyle/simple2" qsCatId="simple" csTypeId="urn:microsoft.com/office/officeart/2005/8/colors/accent0_3" csCatId="mainScheme" phldr="1"/>
+      <dgm:spPr/>
+      <dgm:t>
+        <a:bodyPr/>
+        <a:lstStyle/>
+        <a:p>
+          <a:endParaRPr lang="en-US"/>
+        </a:p>
+      </dgm:t>
+    </dgm:pt>
+    <dgm:pt modelId="{F8DB6D24-20CD-4060-B085-B10CDAB53BAD}">
+      <dgm:prSet/>
+      <dgm:spPr/>
+      <dgm:t>
+        <a:bodyPr/>
+        <a:lstStyle/>
+        <a:p>
+          <a:r>
+            <a:rPr lang="en-US" dirty="0"/>
+            <a:t>Teranet is connected to the following data sources:</a:t>
+          </a:r>
+        </a:p>
+      </dgm:t>
+    </dgm:pt>
+    <dgm:pt modelId="{1267511D-469E-4FEA-B616-E38A683DBA02}" type="parTrans" cxnId="{46E274FA-0FE3-4CCE-B2D5-102F0ACA8D17}">
+      <dgm:prSet/>
+      <dgm:spPr/>
+      <dgm:t>
+        <a:bodyPr/>
+        <a:lstStyle/>
+        <a:p>
+          <a:endParaRPr lang="en-US"/>
+        </a:p>
+      </dgm:t>
+    </dgm:pt>
+    <dgm:pt modelId="{5F1A905A-B2DF-4902-B2BE-58CFAA5B4ADE}" type="sibTrans" cxnId="{46E274FA-0FE3-4CCE-B2D5-102F0ACA8D17}">
+      <dgm:prSet/>
+      <dgm:spPr/>
+      <dgm:t>
+        <a:bodyPr/>
+        <a:lstStyle/>
+        <a:p>
+          <a:endParaRPr lang="en-US"/>
+        </a:p>
+      </dgm:t>
+    </dgm:pt>
+    <dgm:pt modelId="{04554BA8-C6C7-40DD-9EEB-DAAC13DA290C}">
+      <dgm:prSet custT="1"/>
+      <dgm:spPr/>
+      <dgm:t>
+        <a:bodyPr/>
+        <a:lstStyle/>
+        <a:p>
+          <a:pPr marL="114300" indent="0">
+            <a:buFont typeface="Wingdings" panose="05000000000000000000" pitchFamily="2" charset="2"/>
+            <a:buChar char="v"/>
+          </a:pPr>
+          <a:r>
+            <a:rPr lang="en-US" sz="1500" b="1" dirty="0"/>
+            <a:t> </a:t>
+          </a:r>
+          <a:r>
+            <a:rPr lang="en-US" sz="2000" b="1" dirty="0"/>
+            <a:t>Parcel-level data</a:t>
+          </a:r>
+          <a:r>
+            <a:rPr lang="en-US" sz="2000" dirty="0"/>
+            <a:t>:</a:t>
+          </a:r>
+        </a:p>
+      </dgm:t>
+    </dgm:pt>
+    <dgm:pt modelId="{3951D920-0132-4FBB-BBB0-FB698B8C75FD}" type="parTrans" cxnId="{2AB3C151-EF57-41C2-B240-27DAA028435C}">
+      <dgm:prSet/>
+      <dgm:spPr/>
+      <dgm:t>
+        <a:bodyPr/>
+        <a:lstStyle/>
+        <a:p>
+          <a:endParaRPr lang="en-US"/>
+        </a:p>
+      </dgm:t>
+    </dgm:pt>
+    <dgm:pt modelId="{B9DF835A-61CC-4825-89AA-7C317C739159}" type="sibTrans" cxnId="{2AB3C151-EF57-41C2-B240-27DAA028435C}">
+      <dgm:prSet/>
+      <dgm:spPr/>
+      <dgm:t>
+        <a:bodyPr/>
+        <a:lstStyle/>
+        <a:p>
+          <a:endParaRPr lang="en-US"/>
+        </a:p>
+      </dgm:t>
+    </dgm:pt>
+    <dgm:pt modelId="{2018A370-958E-4603-8224-D22BA9953E02}">
+      <dgm:prSet custT="1"/>
+      <dgm:spPr/>
+      <dgm:t>
+        <a:bodyPr/>
+        <a:lstStyle/>
+        <a:p>
+          <a:pPr marL="228600" indent="0">
+            <a:buFont typeface="Wingdings" panose="05000000000000000000" pitchFamily="2" charset="2"/>
+            <a:buChar char="§"/>
+          </a:pPr>
+          <a:r>
+            <a:rPr lang="en-US" sz="1500" dirty="0"/>
+            <a:t> </a:t>
+          </a:r>
+          <a:r>
+            <a:rPr lang="en-US" sz="2000" dirty="0"/>
+            <a:t>Land use information</a:t>
+          </a:r>
+        </a:p>
+      </dgm:t>
+    </dgm:pt>
+    <dgm:pt modelId="{ACA4BC78-530C-4159-BC89-87FB926A2B41}" type="parTrans" cxnId="{08D0904A-5566-4128-8CD3-210AF5BD97BA}">
+      <dgm:prSet/>
+      <dgm:spPr/>
+      <dgm:t>
+        <a:bodyPr/>
+        <a:lstStyle/>
+        <a:p>
+          <a:endParaRPr lang="en-US"/>
+        </a:p>
+      </dgm:t>
+    </dgm:pt>
+    <dgm:pt modelId="{51300CB3-F9B1-4858-8D8C-C2AB954D162A}" type="sibTrans" cxnId="{08D0904A-5566-4128-8CD3-210AF5BD97BA}">
+      <dgm:prSet/>
+      <dgm:spPr/>
+      <dgm:t>
+        <a:bodyPr/>
+        <a:lstStyle/>
+        <a:p>
+          <a:endParaRPr lang="en-US"/>
+        </a:p>
+      </dgm:t>
+    </dgm:pt>
+    <dgm:pt modelId="{BDF0D839-BA2A-49D8-A4E2-E7B34E8FDB48}">
+      <dgm:prSet custT="1"/>
+      <dgm:spPr/>
+      <dgm:t>
+        <a:bodyPr/>
+        <a:lstStyle/>
+        <a:p>
+          <a:pPr marL="228600" indent="0">
+            <a:buFont typeface="Wingdings" panose="05000000000000000000" pitchFamily="2" charset="2"/>
+            <a:buChar char="§"/>
+          </a:pPr>
+          <a:r>
+            <a:rPr lang="en-US" sz="1800" dirty="0"/>
+            <a:t> Enhanced Points of Interest (EPOI), from DMTI</a:t>
+          </a:r>
+        </a:p>
+      </dgm:t>
+    </dgm:pt>
+    <dgm:pt modelId="{490C1390-B64D-42D2-BE39-D4B1A148472A}" type="parTrans" cxnId="{C49C897A-BD46-4783-9401-12A5E339D1DA}">
+      <dgm:prSet/>
+      <dgm:spPr/>
+      <dgm:t>
+        <a:bodyPr/>
+        <a:lstStyle/>
+        <a:p>
+          <a:endParaRPr lang="en-US"/>
+        </a:p>
+      </dgm:t>
+    </dgm:pt>
+    <dgm:pt modelId="{4DD581D1-F9FB-4FE0-97A2-0D11968BFB4A}" type="sibTrans" cxnId="{C49C897A-BD46-4783-9401-12A5E339D1DA}">
+      <dgm:prSet/>
+      <dgm:spPr/>
+      <dgm:t>
+        <a:bodyPr/>
+        <a:lstStyle/>
+        <a:p>
+          <a:endParaRPr lang="en-US"/>
+        </a:p>
+      </dgm:t>
+    </dgm:pt>
+    <dgm:pt modelId="{2E142864-FA38-478B-B9B3-E099A6394F19}">
+      <dgm:prSet custT="1"/>
+      <dgm:spPr/>
+      <dgm:t>
+        <a:bodyPr/>
+        <a:lstStyle/>
+        <a:p>
+          <a:pPr marL="114300" indent="0">
+            <a:buFont typeface="Wingdings" panose="05000000000000000000" pitchFamily="2" charset="2"/>
+            <a:buChar char="v"/>
+          </a:pPr>
+          <a:r>
+            <a:rPr lang="en-CA" sz="1500" b="1" dirty="0"/>
+            <a:t> </a:t>
+          </a:r>
+          <a:r>
+            <a:rPr lang="en-CA" sz="2000" b="1" dirty="0"/>
+            <a:t>Postal-code-level data</a:t>
+          </a:r>
+          <a:r>
+            <a:rPr lang="en-CA" sz="2000" dirty="0"/>
+            <a:t>:</a:t>
+          </a:r>
+          <a:endParaRPr lang="en-US" sz="2000" dirty="0"/>
+        </a:p>
+      </dgm:t>
+    </dgm:pt>
+    <dgm:pt modelId="{566112C3-95E2-4DB9-85A0-1F997148542F}" type="parTrans" cxnId="{2A6DC0C1-3DCC-465B-8143-C4827E600BB6}">
+      <dgm:prSet/>
+      <dgm:spPr/>
+      <dgm:t>
+        <a:bodyPr/>
+        <a:lstStyle/>
+        <a:p>
+          <a:endParaRPr lang="en-US"/>
+        </a:p>
+      </dgm:t>
+    </dgm:pt>
+    <dgm:pt modelId="{8AA5E774-F4B1-49B5-B918-FB4DAB72F65F}" type="sibTrans" cxnId="{2A6DC0C1-3DCC-465B-8143-C4827E600BB6}">
+      <dgm:prSet/>
+      <dgm:spPr/>
+      <dgm:t>
+        <a:bodyPr/>
+        <a:lstStyle/>
+        <a:p>
+          <a:endParaRPr lang="en-US"/>
+        </a:p>
+      </dgm:t>
+    </dgm:pt>
+    <dgm:pt modelId="{C586F2E7-43ED-4FF0-ABCD-1E049B188814}">
+      <dgm:prSet custT="1"/>
+      <dgm:spPr/>
+      <dgm:t>
+        <a:bodyPr/>
+        <a:lstStyle/>
+        <a:p>
+          <a:pPr marL="228600" indent="0">
+            <a:buFont typeface="Wingdings" panose="05000000000000000000" pitchFamily="2" charset="2"/>
+            <a:buChar char="§"/>
+          </a:pPr>
+          <a:endParaRPr lang="en-US" sz="1500" dirty="0"/>
+        </a:p>
+      </dgm:t>
+    </dgm:pt>
+    <dgm:pt modelId="{99F13590-A8B6-4C7B-A488-CF46143CFAC4}" type="parTrans" cxnId="{307C266F-CD67-418E-A602-D9C74449E62A}">
+      <dgm:prSet/>
+      <dgm:spPr/>
+      <dgm:t>
+        <a:bodyPr/>
+        <a:lstStyle/>
+        <a:p>
+          <a:endParaRPr lang="en-US"/>
+        </a:p>
+      </dgm:t>
+    </dgm:pt>
+    <dgm:pt modelId="{FF2FDA05-4869-415C-B0C9-67A71AC42819}" type="sibTrans" cxnId="{307C266F-CD67-418E-A602-D9C74449E62A}">
+      <dgm:prSet/>
+      <dgm:spPr/>
+      <dgm:t>
+        <a:bodyPr/>
+        <a:lstStyle/>
+        <a:p>
+          <a:endParaRPr lang="en-US"/>
+        </a:p>
+      </dgm:t>
+    </dgm:pt>
+    <dgm:pt modelId="{FE773488-817E-41E4-AE13-BA57CA8E3D20}">
+      <dgm:prSet custT="1"/>
+      <dgm:spPr/>
+      <dgm:t>
+        <a:bodyPr/>
+        <a:lstStyle/>
+        <a:p>
+          <a:pPr marL="114300" indent="0">
+            <a:buFont typeface="Wingdings" panose="05000000000000000000" pitchFamily="2" charset="2"/>
+            <a:buChar char="v"/>
+          </a:pPr>
+          <a:r>
+            <a:rPr lang="en-CA" sz="1500" b="1" dirty="0"/>
+            <a:t> </a:t>
+          </a:r>
+          <a:r>
+            <a:rPr lang="en-CA" sz="2000" b="1" dirty="0"/>
+            <a:t>Municipality-level data</a:t>
+          </a:r>
+          <a:r>
+            <a:rPr lang="en-CA" sz="2000" dirty="0"/>
+            <a:t>:</a:t>
+          </a:r>
+          <a:endParaRPr lang="en-US" sz="2000" dirty="0"/>
+        </a:p>
+      </dgm:t>
+    </dgm:pt>
+    <dgm:pt modelId="{D93E4F5E-E992-4178-871D-9CBEFB6CF78A}" type="parTrans" cxnId="{83C0EAD7-1C23-4820-A025-1140EA523457}">
+      <dgm:prSet/>
+      <dgm:spPr/>
+      <dgm:t>
+        <a:bodyPr/>
+        <a:lstStyle/>
+        <a:p>
+          <a:endParaRPr lang="en-US"/>
+        </a:p>
+      </dgm:t>
+    </dgm:pt>
+    <dgm:pt modelId="{C504CE2B-E9E1-4D86-A988-D0ABF2A8AF8A}" type="sibTrans" cxnId="{83C0EAD7-1C23-4820-A025-1140EA523457}">
+      <dgm:prSet/>
+      <dgm:spPr/>
+      <dgm:t>
+        <a:bodyPr/>
+        <a:lstStyle/>
+        <a:p>
+          <a:endParaRPr lang="en-US"/>
+        </a:p>
+      </dgm:t>
+    </dgm:pt>
+    <dgm:pt modelId="{8BF613C7-11F7-4DB0-A433-B96A5FA6E073}">
+      <dgm:prSet custT="1"/>
+      <dgm:spPr/>
+      <dgm:t>
+        <a:bodyPr/>
+        <a:lstStyle/>
+        <a:p>
+          <a:pPr marL="228600" indent="0">
+            <a:buFont typeface="Wingdings" panose="05000000000000000000" pitchFamily="2" charset="2"/>
+            <a:buChar char="§"/>
+          </a:pPr>
+          <a:r>
+            <a:rPr lang="en-US" sz="1800" i="1" dirty="0"/>
+            <a:t> etc.</a:t>
+          </a:r>
+        </a:p>
+      </dgm:t>
+    </dgm:pt>
+    <dgm:pt modelId="{92F32E20-AD6B-4C75-9A75-D689159A7C0A}" type="parTrans" cxnId="{4964AB60-811A-4120-B6B5-9E0820E1DE16}">
+      <dgm:prSet/>
+      <dgm:spPr/>
+      <dgm:t>
+        <a:bodyPr/>
+        <a:lstStyle/>
+        <a:p>
+          <a:endParaRPr lang="en-CA"/>
+        </a:p>
+      </dgm:t>
+    </dgm:pt>
+    <dgm:pt modelId="{A27E5557-E2CE-4570-89FF-5F92E8565D99}" type="sibTrans" cxnId="{4964AB60-811A-4120-B6B5-9E0820E1DE16}">
+      <dgm:prSet/>
+      <dgm:spPr/>
+      <dgm:t>
+        <a:bodyPr/>
+        <a:lstStyle/>
+        <a:p>
+          <a:endParaRPr lang="en-CA"/>
+        </a:p>
+      </dgm:t>
+    </dgm:pt>
+    <dgm:pt modelId="{C787DDE6-3004-4FCE-A73A-3A7377B37052}">
+      <dgm:prSet custT="1"/>
+      <dgm:spPr/>
+      <dgm:t>
+        <a:bodyPr/>
+        <a:lstStyle/>
+        <a:p>
+          <a:pPr marL="228600" indent="0">
+            <a:buFont typeface="Wingdings" panose="05000000000000000000" pitchFamily="2" charset="2"/>
+            <a:buChar char="§"/>
+          </a:pPr>
+          <a:endParaRPr lang="en-US" sz="1800" i="1" dirty="0"/>
+        </a:p>
+      </dgm:t>
+    </dgm:pt>
+    <dgm:pt modelId="{342B4474-78FF-41AA-84A8-FCA192C431B0}" type="parTrans" cxnId="{E83CBD5D-2BB5-490C-BCE1-B4718D03B459}">
+      <dgm:prSet/>
+      <dgm:spPr/>
+      <dgm:t>
+        <a:bodyPr/>
+        <a:lstStyle/>
+        <a:p>
+          <a:endParaRPr lang="en-CA"/>
+        </a:p>
+      </dgm:t>
+    </dgm:pt>
+    <dgm:pt modelId="{23DFF8B0-8D99-4784-922E-38D441BE2BC5}" type="sibTrans" cxnId="{E83CBD5D-2BB5-490C-BCE1-B4718D03B459}">
+      <dgm:prSet/>
+      <dgm:spPr/>
+      <dgm:t>
+        <a:bodyPr/>
+        <a:lstStyle/>
+        <a:p>
+          <a:endParaRPr lang="en-CA"/>
+        </a:p>
+      </dgm:t>
+    </dgm:pt>
+    <dgm:pt modelId="{B27F2335-A1CC-4791-97B4-BF265B7ED691}">
+      <dgm:prSet custT="1"/>
+      <dgm:spPr/>
+      <dgm:t>
+        <a:bodyPr/>
+        <a:lstStyle/>
+        <a:p>
+          <a:pPr marL="228600" indent="0">
+            <a:buFont typeface="Wingdings" panose="05000000000000000000" pitchFamily="2" charset="2"/>
+            <a:buChar char="§"/>
+          </a:pPr>
+          <a:endParaRPr lang="en-US" sz="1500" dirty="0"/>
+        </a:p>
+      </dgm:t>
+    </dgm:pt>
+    <dgm:pt modelId="{077D250C-3DDA-4D5C-A417-C22D0793CAAF}" type="sibTrans" cxnId="{A56E1AB3-1538-4ED6-8E93-5BB69D9CBA35}">
+      <dgm:prSet/>
+      <dgm:spPr/>
+      <dgm:t>
+        <a:bodyPr/>
+        <a:lstStyle/>
+        <a:p>
+          <a:endParaRPr lang="en-US"/>
+        </a:p>
+      </dgm:t>
+    </dgm:pt>
+    <dgm:pt modelId="{774920A5-B7C0-420E-996E-A173BB9C933B}" type="parTrans" cxnId="{A56E1AB3-1538-4ED6-8E93-5BB69D9CBA35}">
+      <dgm:prSet/>
+      <dgm:spPr/>
+      <dgm:t>
+        <a:bodyPr/>
+        <a:lstStyle/>
+        <a:p>
+          <a:endParaRPr lang="en-US"/>
+        </a:p>
+      </dgm:t>
+    </dgm:pt>
+    <dgm:pt modelId="{B158B532-6F56-4F0B-8E07-0EB5EBC38679}" type="pres">
+      <dgm:prSet presAssocID="{4D87348A-F04F-4D8A-8BE4-664D1423868C}" presName="linear" presStyleCnt="0">
+        <dgm:presLayoutVars>
+          <dgm:animLvl val="lvl"/>
+          <dgm:resizeHandles val="exact"/>
+        </dgm:presLayoutVars>
+      </dgm:prSet>
+      <dgm:spPr/>
+    </dgm:pt>
+    <dgm:pt modelId="{875D4B07-EBD3-4790-89DA-926911DAE499}" type="pres">
+      <dgm:prSet presAssocID="{F8DB6D24-20CD-4060-B085-B10CDAB53BAD}" presName="parentText" presStyleLbl="node1" presStyleIdx="0" presStyleCnt="1" custScaleY="82867">
+        <dgm:presLayoutVars>
+          <dgm:chMax val="0"/>
+          <dgm:bulletEnabled val="1"/>
+        </dgm:presLayoutVars>
+      </dgm:prSet>
+      <dgm:spPr/>
+    </dgm:pt>
+    <dgm:pt modelId="{B927AFE1-4077-47F1-880D-0FB26A2596D4}" type="pres">
+      <dgm:prSet presAssocID="{F8DB6D24-20CD-4060-B085-B10CDAB53BAD}" presName="childText" presStyleLbl="revTx" presStyleIdx="0" presStyleCnt="1" custScaleY="197990">
+        <dgm:presLayoutVars>
+          <dgm:bulletEnabled val="1"/>
+        </dgm:presLayoutVars>
+      </dgm:prSet>
+      <dgm:spPr/>
+    </dgm:pt>
+  </dgm:ptLst>
+  <dgm:cxnLst>
+    <dgm:cxn modelId="{A098C61F-3F5C-408F-A923-C3BB14A07B39}" type="presOf" srcId="{F8DB6D24-20CD-4060-B085-B10CDAB53BAD}" destId="{875D4B07-EBD3-4790-89DA-926911DAE499}" srcOrd="0" destOrd="0" presId="urn:microsoft.com/office/officeart/2005/8/layout/vList2"/>
+    <dgm:cxn modelId="{E83CBD5D-2BB5-490C-BCE1-B4718D03B459}" srcId="{F8DB6D24-20CD-4060-B085-B10CDAB53BAD}" destId="{C787DDE6-3004-4FCE-A73A-3A7377B37052}" srcOrd="2" destOrd="0" parTransId="{342B4474-78FF-41AA-84A8-FCA192C431B0}" sibTransId="{23DFF8B0-8D99-4784-922E-38D441BE2BC5}"/>
+    <dgm:cxn modelId="{BFA43A60-90B7-4AAC-8320-5548AC170204}" type="presOf" srcId="{B27F2335-A1CC-4791-97B4-BF265B7ED691}" destId="{B927AFE1-4077-47F1-880D-0FB26A2596D4}" srcOrd="0" destOrd="8" presId="urn:microsoft.com/office/officeart/2005/8/layout/vList2"/>
+    <dgm:cxn modelId="{4964AB60-811A-4120-B6B5-9E0820E1DE16}" srcId="{F8DB6D24-20CD-4060-B085-B10CDAB53BAD}" destId="{8BF613C7-11F7-4DB0-A433-B96A5FA6E073}" srcOrd="1" destOrd="0" parTransId="{92F32E20-AD6B-4C75-9A75-D689159A7C0A}" sibTransId="{A27E5557-E2CE-4570-89FF-5F92E8565D99}"/>
+    <dgm:cxn modelId="{08D0904A-5566-4128-8CD3-210AF5BD97BA}" srcId="{04554BA8-C6C7-40DD-9EEB-DAAC13DA290C}" destId="{2018A370-958E-4603-8224-D22BA9953E02}" srcOrd="0" destOrd="0" parTransId="{ACA4BC78-530C-4159-BC89-87FB926A2B41}" sibTransId="{51300CB3-F9B1-4858-8D8C-C2AB954D162A}"/>
+    <dgm:cxn modelId="{307C266F-CD67-418E-A602-D9C74449E62A}" srcId="{2E142864-FA38-478B-B9B3-E099A6394F19}" destId="{C586F2E7-43ED-4FF0-ABCD-1E049B188814}" srcOrd="0" destOrd="0" parTransId="{99F13590-A8B6-4C7B-A488-CF46143CFAC4}" sibTransId="{FF2FDA05-4869-415C-B0C9-67A71AC42819}"/>
+    <dgm:cxn modelId="{2AB3C151-EF57-41C2-B240-27DAA028435C}" srcId="{F8DB6D24-20CD-4060-B085-B10CDAB53BAD}" destId="{04554BA8-C6C7-40DD-9EEB-DAAC13DA290C}" srcOrd="0" destOrd="0" parTransId="{3951D920-0132-4FBB-BBB0-FB698B8C75FD}" sibTransId="{B9DF835A-61CC-4825-89AA-7C317C739159}"/>
+    <dgm:cxn modelId="{C49C897A-BD46-4783-9401-12A5E339D1DA}" srcId="{04554BA8-C6C7-40DD-9EEB-DAAC13DA290C}" destId="{BDF0D839-BA2A-49D8-A4E2-E7B34E8FDB48}" srcOrd="1" destOrd="0" parTransId="{490C1390-B64D-42D2-BE39-D4B1A148472A}" sibTransId="{4DD581D1-F9FB-4FE0-97A2-0D11968BFB4A}"/>
+    <dgm:cxn modelId="{BEF0607C-60C5-4494-852A-6B38DFDDB1CE}" type="presOf" srcId="{BDF0D839-BA2A-49D8-A4E2-E7B34E8FDB48}" destId="{B927AFE1-4077-47F1-880D-0FB26A2596D4}" srcOrd="0" destOrd="2" presId="urn:microsoft.com/office/officeart/2005/8/layout/vList2"/>
+    <dgm:cxn modelId="{E0703196-A3A0-4CE7-AD4D-493059685877}" type="presOf" srcId="{8BF613C7-11F7-4DB0-A433-B96A5FA6E073}" destId="{B927AFE1-4077-47F1-880D-0FB26A2596D4}" srcOrd="0" destOrd="3" presId="urn:microsoft.com/office/officeart/2005/8/layout/vList2"/>
+    <dgm:cxn modelId="{E79C8DA4-57CF-4CF9-BD45-DAE334335AAD}" type="presOf" srcId="{2E142864-FA38-478B-B9B3-E099A6394F19}" destId="{B927AFE1-4077-47F1-880D-0FB26A2596D4}" srcOrd="0" destOrd="5" presId="urn:microsoft.com/office/officeart/2005/8/layout/vList2"/>
+    <dgm:cxn modelId="{61C494AF-E011-4A49-837F-595B15C25A56}" type="presOf" srcId="{FE773488-817E-41E4-AE13-BA57CA8E3D20}" destId="{B927AFE1-4077-47F1-880D-0FB26A2596D4}" srcOrd="0" destOrd="7" presId="urn:microsoft.com/office/officeart/2005/8/layout/vList2"/>
+    <dgm:cxn modelId="{E2E659B2-6083-4920-A6CB-C54EE72DC18C}" type="presOf" srcId="{C586F2E7-43ED-4FF0-ABCD-1E049B188814}" destId="{B927AFE1-4077-47F1-880D-0FB26A2596D4}" srcOrd="0" destOrd="6" presId="urn:microsoft.com/office/officeart/2005/8/layout/vList2"/>
+    <dgm:cxn modelId="{A56E1AB3-1538-4ED6-8E93-5BB69D9CBA35}" srcId="{F8DB6D24-20CD-4060-B085-B10CDAB53BAD}" destId="{B27F2335-A1CC-4791-97B4-BF265B7ED691}" srcOrd="5" destOrd="0" parTransId="{774920A5-B7C0-420E-996E-A173BB9C933B}" sibTransId="{077D250C-3DDA-4D5C-A417-C22D0793CAAF}"/>
+    <dgm:cxn modelId="{2A6DC0C1-3DCC-465B-8143-C4827E600BB6}" srcId="{F8DB6D24-20CD-4060-B085-B10CDAB53BAD}" destId="{2E142864-FA38-478B-B9B3-E099A6394F19}" srcOrd="3" destOrd="0" parTransId="{566112C3-95E2-4DB9-85A0-1F997148542F}" sibTransId="{8AA5E774-F4B1-49B5-B918-FB4DAB72F65F}"/>
+    <dgm:cxn modelId="{DAFE6DCC-E638-44FA-88D2-4365CF043CA1}" type="presOf" srcId="{2018A370-958E-4603-8224-D22BA9953E02}" destId="{B927AFE1-4077-47F1-880D-0FB26A2596D4}" srcOrd="0" destOrd="1" presId="urn:microsoft.com/office/officeart/2005/8/layout/vList2"/>
+    <dgm:cxn modelId="{83C0EAD7-1C23-4820-A025-1140EA523457}" srcId="{F8DB6D24-20CD-4060-B085-B10CDAB53BAD}" destId="{FE773488-817E-41E4-AE13-BA57CA8E3D20}" srcOrd="4" destOrd="0" parTransId="{D93E4F5E-E992-4178-871D-9CBEFB6CF78A}" sibTransId="{C504CE2B-E9E1-4D86-A988-D0ABF2A8AF8A}"/>
+    <dgm:cxn modelId="{829861DA-A9DE-45F0-A2F4-54762ED60E16}" type="presOf" srcId="{C787DDE6-3004-4FCE-A73A-3A7377B37052}" destId="{B927AFE1-4077-47F1-880D-0FB26A2596D4}" srcOrd="0" destOrd="4" presId="urn:microsoft.com/office/officeart/2005/8/layout/vList2"/>
+    <dgm:cxn modelId="{50973BDD-F317-4319-B9D1-F07EB58EA79A}" type="presOf" srcId="{04554BA8-C6C7-40DD-9EEB-DAAC13DA290C}" destId="{B927AFE1-4077-47F1-880D-0FB26A2596D4}" srcOrd="0" destOrd="0" presId="urn:microsoft.com/office/officeart/2005/8/layout/vList2"/>
+    <dgm:cxn modelId="{46E274FA-0FE3-4CCE-B2D5-102F0ACA8D17}" srcId="{4D87348A-F04F-4D8A-8BE4-664D1423868C}" destId="{F8DB6D24-20CD-4060-B085-B10CDAB53BAD}" srcOrd="0" destOrd="0" parTransId="{1267511D-469E-4FEA-B616-E38A683DBA02}" sibTransId="{5F1A905A-B2DF-4902-B2BE-58CFAA5B4ADE}"/>
+    <dgm:cxn modelId="{56C3C8FF-E4F5-409B-AA65-9FD24B6307F7}" type="presOf" srcId="{4D87348A-F04F-4D8A-8BE4-664D1423868C}" destId="{B158B532-6F56-4F0B-8E07-0EB5EBC38679}" srcOrd="0" destOrd="0" presId="urn:microsoft.com/office/officeart/2005/8/layout/vList2"/>
+    <dgm:cxn modelId="{6FFD8BDB-B6E1-49DD-831E-B36B3C0DABA4}" type="presParOf" srcId="{B158B532-6F56-4F0B-8E07-0EB5EBC38679}" destId="{875D4B07-EBD3-4790-89DA-926911DAE499}" srcOrd="0" destOrd="0" presId="urn:microsoft.com/office/officeart/2005/8/layout/vList2"/>
+    <dgm:cxn modelId="{CDAC16B9-9F99-45F6-98D8-5DBE99FB589B}" type="presParOf" srcId="{B158B532-6F56-4F0B-8E07-0EB5EBC38679}" destId="{B927AFE1-4077-47F1-880D-0FB26A2596D4}" srcOrd="1" destOrd="0" presId="urn:microsoft.com/office/officeart/2005/8/layout/vList2"/>
+  </dgm:cxnLst>
+  <dgm:bg/>
+  <dgm:whole/>
+  <dgm:extLst>
+    <a:ext uri="http://schemas.microsoft.com/office/drawing/2008/diagram">
+      <dsp:dataModelExt xmlns:dsp="http://schemas.microsoft.com/office/drawing/2008/diagram" relId="rId6" minVer="http://schemas.openxmlformats.org/drawingml/2006/diagram"/>
+    </a:ext>
+  </dgm:extLst>
+</dgm:dataModel>
+</file>
+
+<file path=ppt/diagrams/drawing1.xml><?xml version="1.0" encoding="utf-8"?>
+<dsp:drawing xmlns:dgm="http://schemas.openxmlformats.org/drawingml/2006/diagram" xmlns:dsp="http://schemas.microsoft.com/office/drawing/2008/diagram" xmlns:a="http://schemas.openxmlformats.org/drawingml/2006/main">
+  <dsp:spTree>
+    <dsp:nvGrpSpPr>
+      <dsp:cNvPr id="0" name=""/>
+      <dsp:cNvGrpSpPr/>
+    </dsp:nvGrpSpPr>
+    <dsp:grpSpPr/>
+    <dsp:sp modelId="{875D4B07-EBD3-4790-89DA-926911DAE499}">
+      <dsp:nvSpPr>
+        <dsp:cNvPr id="0" name=""/>
+        <dsp:cNvSpPr/>
+      </dsp:nvSpPr>
+      <dsp:spPr>
+        <a:xfrm>
+          <a:off x="0" y="16756"/>
+          <a:ext cx="8694540" cy="527670"/>
+        </a:xfrm>
+        <a:prstGeom prst="roundRect">
+          <a:avLst/>
+        </a:prstGeom>
+        <a:solidFill>
+          <a:schemeClr val="dk2">
+            <a:hueOff val="0"/>
+            <a:satOff val="0"/>
+            <a:lumOff val="0"/>
+            <a:alphaOff val="0"/>
+          </a:schemeClr>
+        </a:solidFill>
+        <a:ln w="19050" cap="flat" cmpd="sng" algn="ctr">
+          <a:solidFill>
+            <a:schemeClr val="lt2">
+              <a:hueOff val="0"/>
+              <a:satOff val="0"/>
+              <a:lumOff val="0"/>
+              <a:alphaOff val="0"/>
+            </a:schemeClr>
+          </a:solidFill>
+          <a:prstDash val="solid"/>
+          <a:miter lim="800000"/>
+        </a:ln>
+        <a:effectLst/>
+      </dsp:spPr>
+      <dsp:style>
+        <a:lnRef idx="3">
+          <a:scrgbClr r="0" g="0" b="0"/>
+        </a:lnRef>
+        <a:fillRef idx="1">
+          <a:scrgbClr r="0" g="0" b="0"/>
+        </a:fillRef>
+        <a:effectRef idx="1">
+          <a:scrgbClr r="0" g="0" b="0"/>
+        </a:effectRef>
+        <a:fontRef idx="minor">
+          <a:schemeClr val="lt1"/>
+        </a:fontRef>
+      </dsp:style>
+      <dsp:txBody>
+        <a:bodyPr spcFirstLastPara="0" vert="horz" wrap="square" lIns="83820" tIns="83820" rIns="83820" bIns="83820" numCol="1" spcCol="1270" anchor="ctr" anchorCtr="0">
+          <a:noAutofit/>
+        </a:bodyPr>
+        <a:lstStyle/>
+        <a:p>
+          <a:pPr marL="0" lvl="0" indent="0" algn="l" defTabSz="977900">
+            <a:lnSpc>
+              <a:spcPct val="90000"/>
+            </a:lnSpc>
+            <a:spcBef>
+              <a:spcPct val="0"/>
+            </a:spcBef>
+            <a:spcAft>
+              <a:spcPct val="35000"/>
+            </a:spcAft>
+            <a:buNone/>
+          </a:pPr>
+          <a:r>
+            <a:rPr lang="en-US" sz="2200" kern="1200" dirty="0"/>
+            <a:t>Teranet is connected to the following data sources:</a:t>
+          </a:r>
+        </a:p>
+      </dsp:txBody>
+      <dsp:txXfrm>
+        <a:off x="25759" y="42515"/>
+        <a:ext cx="8643022" cy="476152"/>
+      </dsp:txXfrm>
+    </dsp:sp>
+    <dsp:sp modelId="{B927AFE1-4077-47F1-880D-0FB26A2596D4}">
+      <dsp:nvSpPr>
+        <dsp:cNvPr id="0" name=""/>
+        <dsp:cNvSpPr/>
+      </dsp:nvSpPr>
+      <dsp:spPr>
+        <a:xfrm>
+          <a:off x="0" y="544426"/>
+          <a:ext cx="8694540" cy="5555880"/>
+        </a:xfrm>
+        <a:prstGeom prst="rect">
+          <a:avLst/>
+        </a:prstGeom>
+        <a:noFill/>
+        <a:ln>
+          <a:noFill/>
+        </a:ln>
+        <a:effectLst/>
+      </dsp:spPr>
+      <dsp:style>
+        <a:lnRef idx="0">
+          <a:scrgbClr r="0" g="0" b="0"/>
+        </a:lnRef>
+        <a:fillRef idx="0">
+          <a:scrgbClr r="0" g="0" b="0"/>
+        </a:fillRef>
+        <a:effectRef idx="0">
+          <a:scrgbClr r="0" g="0" b="0"/>
+        </a:effectRef>
+        <a:fontRef idx="minor"/>
+      </dsp:style>
+      <dsp:txBody>
+        <a:bodyPr spcFirstLastPara="0" vert="horz" wrap="square" lIns="276052" tIns="19050" rIns="106680" bIns="19050" numCol="1" spcCol="1270" anchor="t" anchorCtr="0">
+          <a:noAutofit/>
+        </a:bodyPr>
+        <a:lstStyle/>
+        <a:p>
+          <a:pPr marL="114300" lvl="1" indent="0" algn="l" defTabSz="666750">
+            <a:lnSpc>
+              <a:spcPct val="90000"/>
+            </a:lnSpc>
+            <a:spcBef>
+              <a:spcPct val="0"/>
+            </a:spcBef>
+            <a:spcAft>
+              <a:spcPct val="20000"/>
+            </a:spcAft>
+            <a:buFont typeface="Wingdings" panose="05000000000000000000" pitchFamily="2" charset="2"/>
+            <a:buChar char="v"/>
+          </a:pPr>
+          <a:r>
+            <a:rPr lang="en-US" sz="1500" b="1" kern="1200" dirty="0"/>
+            <a:t> </a:t>
+          </a:r>
+          <a:r>
+            <a:rPr lang="en-US" sz="2000" b="1" kern="1200" dirty="0"/>
+            <a:t>DA-level data</a:t>
+          </a:r>
+          <a:r>
+            <a:rPr lang="en-US" sz="2000" kern="1200" dirty="0"/>
+            <a:t>:</a:t>
+          </a:r>
+        </a:p>
+        <a:p>
+          <a:pPr marL="228600" lvl="2" indent="0" algn="l" defTabSz="666750">
+            <a:lnSpc>
+              <a:spcPct val="90000"/>
+            </a:lnSpc>
+            <a:spcBef>
+              <a:spcPct val="0"/>
+            </a:spcBef>
+            <a:spcAft>
+              <a:spcPct val="20000"/>
+            </a:spcAft>
+            <a:buFont typeface="Wingdings" panose="05000000000000000000" pitchFamily="2" charset="2"/>
+            <a:buChar char="§"/>
+          </a:pPr>
+          <a:r>
+            <a:rPr lang="en-US" sz="1500" kern="1200" dirty="0"/>
+            <a:t> </a:t>
+          </a:r>
+          <a:r>
+            <a:rPr lang="en-US" sz="2000" kern="1200" dirty="0"/>
+            <a:t>Census:</a:t>
+          </a:r>
+        </a:p>
+        <a:p>
+          <a:pPr marL="342900" lvl="3" indent="0" algn="l" defTabSz="666750">
+            <a:lnSpc>
+              <a:spcPct val="90000"/>
+            </a:lnSpc>
+            <a:spcBef>
+              <a:spcPct val="0"/>
+            </a:spcBef>
+            <a:spcAft>
+              <a:spcPct val="20000"/>
+            </a:spcAft>
+            <a:buFont typeface="Courier New" panose="02070309020205020404" pitchFamily="49" charset="0"/>
+            <a:buChar char="o"/>
+          </a:pPr>
+          <a:r>
+            <a:rPr lang="en-US" sz="1500" kern="1200" dirty="0"/>
+            <a:t> </a:t>
+          </a:r>
+          <a:r>
+            <a:rPr lang="en-US" sz="1800" kern="1200" dirty="0"/>
+            <a:t>Select census variables </a:t>
+          </a:r>
+          <a:endParaRPr lang="en-US" sz="1500" kern="1200" dirty="0"/>
+        </a:p>
+        <a:p>
+          <a:pPr marL="342900" lvl="2" indent="0" algn="l" defTabSz="800100">
+            <a:lnSpc>
+              <a:spcPct val="90000"/>
+            </a:lnSpc>
+            <a:spcBef>
+              <a:spcPct val="0"/>
+            </a:spcBef>
+            <a:spcAft>
+              <a:spcPct val="20000"/>
+            </a:spcAft>
+            <a:buFontTx/>
+            <a:buNone/>
+          </a:pPr>
+          <a:r>
+            <a:rPr lang="en-US" sz="1800" kern="1200" dirty="0"/>
+            <a:t>(</a:t>
+          </a:r>
+          <a:r>
+            <a:rPr lang="en-CA" sz="1800" kern="1200" dirty="0"/>
+            <a:t>1971, 1976, 1981, 1986, 1991, 1996, 2001, 2006, 2011 , 2016) </a:t>
+          </a:r>
+          <a:endParaRPr lang="en-US" sz="1800" kern="1200" dirty="0"/>
+        </a:p>
+        <a:p>
+          <a:pPr marL="342900" lvl="3" indent="0" algn="l" defTabSz="666750">
+            <a:lnSpc>
+              <a:spcPct val="90000"/>
+            </a:lnSpc>
+            <a:spcBef>
+              <a:spcPct val="0"/>
+            </a:spcBef>
+            <a:spcAft>
+              <a:spcPct val="20000"/>
+            </a:spcAft>
+            <a:buFont typeface="Courier New" panose="02070309020205020404" pitchFamily="49" charset="0"/>
+            <a:buChar char="o"/>
+          </a:pPr>
+          <a:r>
+            <a:rPr lang="en-US" sz="1500" kern="1200" dirty="0"/>
+            <a:t> </a:t>
+          </a:r>
+          <a:r>
+            <a:rPr lang="en-US" sz="1800" kern="1200" dirty="0"/>
+            <a:t>Profiles of Income, </a:t>
+          </a:r>
+          <a:r>
+            <a:rPr lang="en-US" sz="1800" i="1" kern="1200" dirty="0"/>
+            <a:t>etc.</a:t>
+          </a:r>
+          <a:endParaRPr lang="en-US" sz="1500" kern="1200" dirty="0"/>
+        </a:p>
+        <a:p>
+          <a:pPr marL="228600" lvl="2" indent="0" algn="l" defTabSz="800100">
+            <a:lnSpc>
+              <a:spcPct val="90000"/>
+            </a:lnSpc>
+            <a:spcBef>
+              <a:spcPct val="0"/>
+            </a:spcBef>
+            <a:spcAft>
+              <a:spcPct val="20000"/>
+            </a:spcAft>
+            <a:buChar char="•"/>
+          </a:pPr>
+          <a:r>
+            <a:rPr lang="en-US" sz="1800" kern="1200" dirty="0"/>
+            <a:t>Teranet aggregates grouped by DA (mean/median/std, spatial lag, </a:t>
+          </a:r>
+          <a:r>
+            <a:rPr lang="en-US" sz="1800" i="1" kern="1200" dirty="0"/>
+            <a:t>etc.</a:t>
+          </a:r>
+          <a:r>
+            <a:rPr lang="en-US" sz="1800" kern="1200" dirty="0"/>
+            <a:t>)</a:t>
+          </a:r>
+        </a:p>
+        <a:p>
+          <a:pPr marL="228600" lvl="1" indent="0" algn="l" defTabSz="800100">
+            <a:lnSpc>
+              <a:spcPct val="90000"/>
+            </a:lnSpc>
+            <a:spcBef>
+              <a:spcPct val="0"/>
+            </a:spcBef>
+            <a:spcAft>
+              <a:spcPct val="20000"/>
+            </a:spcAft>
+            <a:buChar char="•"/>
+          </a:pPr>
+          <a:endParaRPr lang="en-US" sz="1800" kern="1200" dirty="0"/>
+        </a:p>
+        <a:p>
+          <a:pPr marL="114300" lvl="1" indent="0" algn="l" defTabSz="666750">
+            <a:lnSpc>
+              <a:spcPct val="90000"/>
+            </a:lnSpc>
+            <a:spcBef>
+              <a:spcPct val="0"/>
+            </a:spcBef>
+            <a:spcAft>
+              <a:spcPct val="20000"/>
+            </a:spcAft>
+            <a:buFont typeface="Wingdings" panose="05000000000000000000" pitchFamily="2" charset="2"/>
+            <a:buChar char="v"/>
+          </a:pPr>
+          <a:r>
+            <a:rPr lang="en-CA" sz="1500" b="1" kern="1200" dirty="0"/>
+            <a:t> </a:t>
+          </a:r>
+          <a:r>
+            <a:rPr lang="en-CA" sz="2000" b="1" kern="1200" dirty="0"/>
+            <a:t>TAZ-level data</a:t>
+          </a:r>
+          <a:r>
+            <a:rPr lang="en-CA" sz="2000" kern="1200" dirty="0"/>
+            <a:t>:</a:t>
+          </a:r>
+          <a:endParaRPr lang="en-US" sz="2000" kern="1200" dirty="0"/>
+        </a:p>
+        <a:p>
+          <a:pPr marL="228600" lvl="2" indent="0" algn="l" defTabSz="666750">
+            <a:lnSpc>
+              <a:spcPct val="90000"/>
+            </a:lnSpc>
+            <a:spcBef>
+              <a:spcPct val="0"/>
+            </a:spcBef>
+            <a:spcAft>
+              <a:spcPct val="20000"/>
+            </a:spcAft>
+            <a:buFont typeface="Wingdings" panose="05000000000000000000" pitchFamily="2" charset="2"/>
+            <a:buChar char="§"/>
+          </a:pPr>
+          <a:r>
+            <a:rPr lang="en-CA" sz="1500" kern="1200" dirty="0"/>
+            <a:t> Select TTS variables </a:t>
+          </a:r>
+          <a:endParaRPr lang="en-US" sz="1500" kern="1200" dirty="0"/>
+        </a:p>
+        <a:p>
+          <a:pPr marL="342900" lvl="2" indent="0" algn="l" defTabSz="800100">
+            <a:lnSpc>
+              <a:spcPct val="90000"/>
+            </a:lnSpc>
+            <a:spcBef>
+              <a:spcPct val="0"/>
+            </a:spcBef>
+            <a:spcAft>
+              <a:spcPct val="20000"/>
+            </a:spcAft>
+            <a:buFontTx/>
+            <a:buNone/>
+          </a:pPr>
+          <a:r>
+            <a:rPr lang="en-CA" sz="1800" kern="1200" dirty="0"/>
+            <a:t>(1986, 1991, 1996, 2001, 2006, 2011, 2016)</a:t>
+          </a:r>
+          <a:endParaRPr lang="en-US" sz="1800" kern="1200" dirty="0"/>
+        </a:p>
+        <a:p>
+          <a:pPr marL="228600" lvl="1" indent="0" algn="l" defTabSz="800100">
+            <a:lnSpc>
+              <a:spcPct val="90000"/>
+            </a:lnSpc>
+            <a:spcBef>
+              <a:spcPct val="0"/>
+            </a:spcBef>
+            <a:spcAft>
+              <a:spcPct val="20000"/>
+            </a:spcAft>
+            <a:buFont typeface="Wingdings" panose="05000000000000000000" pitchFamily="2" charset="2"/>
+            <a:buChar char="§"/>
+          </a:pPr>
+          <a:r>
+            <a:rPr lang="en-CA" sz="1800" kern="1200" dirty="0"/>
+            <a:t> Number of jobs</a:t>
+          </a:r>
+          <a:endParaRPr lang="en-US" sz="1500" kern="1200" dirty="0"/>
+        </a:p>
+        <a:p>
+          <a:pPr marL="228600" lvl="1" indent="0" algn="l" defTabSz="800100">
+            <a:lnSpc>
+              <a:spcPct val="90000"/>
+            </a:lnSpc>
+            <a:spcBef>
+              <a:spcPct val="0"/>
+            </a:spcBef>
+            <a:spcAft>
+              <a:spcPct val="20000"/>
+            </a:spcAft>
+            <a:buFontTx/>
+            <a:buNone/>
+          </a:pPr>
+          <a:r>
+            <a:rPr lang="en-CA" sz="1800" kern="1200" dirty="0"/>
+            <a:t>(1991, 1996, 2001, 2006, 2011, 2016), </a:t>
+          </a:r>
+          <a:r>
+            <a:rPr lang="en-CA" sz="1800" i="1" kern="1200" dirty="0"/>
+            <a:t>etc.</a:t>
+          </a:r>
+          <a:r>
+            <a:rPr lang="en-CA" sz="1800" kern="1200" dirty="0"/>
+            <a:t>  </a:t>
+          </a:r>
+          <a:endParaRPr lang="en-US" sz="1500" kern="1200" dirty="0"/>
+        </a:p>
+        <a:p>
+          <a:pPr marL="228600" lvl="2" indent="0" algn="l" defTabSz="800100">
+            <a:lnSpc>
+              <a:spcPct val="90000"/>
+            </a:lnSpc>
+            <a:spcBef>
+              <a:spcPct val="0"/>
+            </a:spcBef>
+            <a:spcAft>
+              <a:spcPct val="20000"/>
+            </a:spcAft>
+            <a:buFont typeface="Wingdings" panose="05000000000000000000" pitchFamily="2" charset="2"/>
+            <a:buChar char="§"/>
+          </a:pPr>
+          <a:r>
+            <a:rPr lang="en-CA" sz="1800" kern="1200" dirty="0"/>
+            <a:t>TAZ info (length, area, geometry)</a:t>
+          </a:r>
+          <a:r>
+            <a:rPr lang="en-CA" sz="1500" kern="1200" dirty="0"/>
+            <a:t> </a:t>
+          </a:r>
+          <a:endParaRPr lang="en-US" sz="1500" kern="1200" dirty="0"/>
+        </a:p>
+        <a:p>
+          <a:pPr marL="228600" lvl="2" indent="0" algn="l" defTabSz="666750">
+            <a:lnSpc>
+              <a:spcPct val="90000"/>
+            </a:lnSpc>
+            <a:spcBef>
+              <a:spcPct val="0"/>
+            </a:spcBef>
+            <a:spcAft>
+              <a:spcPct val="20000"/>
+            </a:spcAft>
+            <a:buFont typeface="Wingdings" panose="05000000000000000000" pitchFamily="2" charset="2"/>
+            <a:buChar char="§"/>
+          </a:pPr>
+          <a:endParaRPr lang="en-US" sz="1500" kern="1200" dirty="0"/>
+        </a:p>
+        <a:p>
+          <a:pPr marL="114300" lvl="1" indent="0" algn="l" defTabSz="666750">
+            <a:lnSpc>
+              <a:spcPct val="90000"/>
+            </a:lnSpc>
+            <a:spcBef>
+              <a:spcPct val="0"/>
+            </a:spcBef>
+            <a:spcAft>
+              <a:spcPct val="20000"/>
+            </a:spcAft>
+            <a:buFont typeface="Wingdings" panose="05000000000000000000" pitchFamily="2" charset="2"/>
+            <a:buChar char="v"/>
+          </a:pPr>
+          <a:r>
+            <a:rPr lang="en-CA" sz="1500" b="1" kern="1200" dirty="0"/>
+            <a:t> </a:t>
+          </a:r>
+          <a:r>
+            <a:rPr lang="en-CA" sz="2000" b="1" kern="1200" dirty="0"/>
+            <a:t>Time-indexed data</a:t>
+          </a:r>
+          <a:r>
+            <a:rPr lang="en-CA" sz="2000" kern="1200" dirty="0"/>
+            <a:t>:</a:t>
+          </a:r>
+          <a:endParaRPr lang="en-US" sz="2000" kern="1200" dirty="0"/>
+        </a:p>
+        <a:p>
+          <a:pPr marL="228600" lvl="2" indent="0" algn="l" defTabSz="666750">
+            <a:lnSpc>
+              <a:spcPct val="90000"/>
+            </a:lnSpc>
+            <a:spcBef>
+              <a:spcPct val="0"/>
+            </a:spcBef>
+            <a:spcAft>
+              <a:spcPct val="20000"/>
+            </a:spcAft>
+            <a:buFont typeface="Wingdings" panose="05000000000000000000" pitchFamily="2" charset="2"/>
+            <a:buChar char="§"/>
+          </a:pPr>
+          <a:r>
+            <a:rPr lang="en-CA" sz="1500" kern="1200" dirty="0"/>
+            <a:t> </a:t>
+          </a:r>
+          <a:r>
+            <a:rPr lang="en-CA" sz="1800" kern="1200" dirty="0"/>
+            <a:t>Fuel price in Toronto from StatsCan</a:t>
+          </a:r>
+          <a:endParaRPr lang="en-US" sz="1500" kern="1200" dirty="0"/>
+        </a:p>
+        <a:p>
+          <a:pPr marL="114300" lvl="1" indent="0" algn="l" defTabSz="800100">
+            <a:lnSpc>
+              <a:spcPct val="90000"/>
+            </a:lnSpc>
+            <a:spcBef>
+              <a:spcPct val="0"/>
+            </a:spcBef>
+            <a:spcAft>
+              <a:spcPct val="20000"/>
+            </a:spcAft>
+            <a:buFontTx/>
+            <a:buNone/>
+          </a:pPr>
+          <a:r>
+            <a:rPr lang="en-CA" sz="1800" kern="1200" dirty="0"/>
+            <a:t>(1986, 1991, 1996, 2001, 2006, 2011, 2016)</a:t>
+          </a:r>
+          <a:endParaRPr lang="en-US" sz="1500" kern="1200" dirty="0"/>
+        </a:p>
+        <a:p>
+          <a:pPr marL="228600" lvl="2" indent="0" algn="l" defTabSz="666750">
+            <a:lnSpc>
+              <a:spcPct val="90000"/>
+            </a:lnSpc>
+            <a:spcBef>
+              <a:spcPct val="0"/>
+            </a:spcBef>
+            <a:spcAft>
+              <a:spcPct val="20000"/>
+            </a:spcAft>
+            <a:buFont typeface="Wingdings" panose="05000000000000000000" pitchFamily="2" charset="2"/>
+            <a:buChar char="§"/>
+          </a:pPr>
+          <a:r>
+            <a:rPr lang="en-CA" sz="1500" kern="1200" dirty="0"/>
+            <a:t> </a:t>
+          </a:r>
+          <a:r>
+            <a:rPr lang="en-CA" sz="1800" kern="1200" dirty="0"/>
+            <a:t>Inflation correction coefficients, </a:t>
+          </a:r>
+          <a:r>
+            <a:rPr lang="en-CA" sz="1800" i="1" kern="1200" dirty="0"/>
+            <a:t>etc.</a:t>
+          </a:r>
+          <a:endParaRPr lang="en-US" sz="1500" kern="1200" dirty="0"/>
+        </a:p>
+      </dsp:txBody>
+      <dsp:txXfrm>
+        <a:off x="0" y="544426"/>
+        <a:ext cx="8694540" cy="5555880"/>
+      </dsp:txXfrm>
+    </dsp:sp>
+  </dsp:spTree>
+</dsp:drawing>
+</file>
+
+<file path=ppt/diagrams/drawing2.xml><?xml version="1.0" encoding="utf-8"?>
+<dsp:drawing xmlns:dgm="http://schemas.openxmlformats.org/drawingml/2006/diagram" xmlns:dsp="http://schemas.microsoft.com/office/drawing/2008/diagram" xmlns:a="http://schemas.openxmlformats.org/drawingml/2006/main">
+  <dsp:spTree>
+    <dsp:nvGrpSpPr>
+      <dsp:cNvPr id="0" name=""/>
+      <dsp:cNvGrpSpPr/>
+    </dsp:nvGrpSpPr>
+    <dsp:grpSpPr/>
+    <dsp:sp modelId="{875D4B07-EBD3-4790-89DA-926911DAE499}">
+      <dsp:nvSpPr>
+        <dsp:cNvPr id="0" name=""/>
+        <dsp:cNvSpPr/>
+      </dsp:nvSpPr>
+      <dsp:spPr>
+        <a:xfrm>
+          <a:off x="0" y="23794"/>
+          <a:ext cx="8694540" cy="536642"/>
+        </a:xfrm>
+        <a:prstGeom prst="roundRect">
+          <a:avLst/>
+        </a:prstGeom>
+        <a:solidFill>
+          <a:schemeClr val="dk2">
+            <a:hueOff val="0"/>
+            <a:satOff val="0"/>
+            <a:lumOff val="0"/>
+            <a:alphaOff val="0"/>
+          </a:schemeClr>
+        </a:solidFill>
+        <a:ln w="19050" cap="flat" cmpd="sng" algn="ctr">
+          <a:solidFill>
+            <a:schemeClr val="lt2">
+              <a:hueOff val="0"/>
+              <a:satOff val="0"/>
+              <a:lumOff val="0"/>
+              <a:alphaOff val="0"/>
+            </a:schemeClr>
+          </a:solidFill>
+          <a:prstDash val="solid"/>
+          <a:miter lim="800000"/>
+        </a:ln>
+        <a:effectLst/>
+      </dsp:spPr>
+      <dsp:style>
+        <a:lnRef idx="3">
+          <a:scrgbClr r="0" g="0" b="0"/>
+        </a:lnRef>
+        <a:fillRef idx="1">
+          <a:scrgbClr r="0" g="0" b="0"/>
+        </a:fillRef>
+        <a:effectRef idx="1">
+          <a:scrgbClr r="0" g="0" b="0"/>
+        </a:effectRef>
+        <a:fontRef idx="minor">
+          <a:schemeClr val="lt1"/>
+        </a:fontRef>
+      </dsp:style>
+      <dsp:txBody>
+        <a:bodyPr spcFirstLastPara="0" vert="horz" wrap="square" lIns="83820" tIns="83820" rIns="83820" bIns="83820" numCol="1" spcCol="1270" anchor="ctr" anchorCtr="0">
+          <a:noAutofit/>
+        </a:bodyPr>
+        <a:lstStyle/>
+        <a:p>
+          <a:pPr marL="0" lvl="0" indent="0" algn="l" defTabSz="977900">
+            <a:lnSpc>
+              <a:spcPct val="90000"/>
+            </a:lnSpc>
+            <a:spcBef>
+              <a:spcPct val="0"/>
+            </a:spcBef>
+            <a:spcAft>
+              <a:spcPct val="35000"/>
+            </a:spcAft>
+            <a:buNone/>
+          </a:pPr>
+          <a:r>
+            <a:rPr lang="en-US" sz="2200" kern="1200" dirty="0"/>
+            <a:t>Teranet is connected to the following data sources:</a:t>
+          </a:r>
+        </a:p>
+      </dsp:txBody>
+      <dsp:txXfrm>
+        <a:off x="26197" y="49991"/>
+        <a:ext cx="8642146" cy="484248"/>
+      </dsp:txXfrm>
+    </dsp:sp>
+    <dsp:sp modelId="{B927AFE1-4077-47F1-880D-0FB26A2596D4}">
+      <dsp:nvSpPr>
+        <dsp:cNvPr id="0" name=""/>
+        <dsp:cNvSpPr/>
+      </dsp:nvSpPr>
+      <dsp:spPr>
+        <a:xfrm>
+          <a:off x="0" y="560437"/>
+          <a:ext cx="8694540" cy="5532830"/>
+        </a:xfrm>
+        <a:prstGeom prst="rect">
+          <a:avLst/>
+        </a:prstGeom>
+        <a:noFill/>
+        <a:ln>
+          <a:noFill/>
+        </a:ln>
+        <a:effectLst/>
+      </dsp:spPr>
+      <dsp:style>
+        <a:lnRef idx="0">
+          <a:scrgbClr r="0" g="0" b="0"/>
+        </a:lnRef>
+        <a:fillRef idx="0">
+          <a:scrgbClr r="0" g="0" b="0"/>
+        </a:fillRef>
+        <a:effectRef idx="0">
+          <a:scrgbClr r="0" g="0" b="0"/>
+        </a:effectRef>
+        <a:fontRef idx="minor"/>
+      </dsp:style>
+      <dsp:txBody>
+        <a:bodyPr spcFirstLastPara="0" vert="horz" wrap="square" lIns="276052" tIns="19050" rIns="106680" bIns="19050" numCol="1" spcCol="1270" anchor="t" anchorCtr="0">
+          <a:noAutofit/>
+        </a:bodyPr>
+        <a:lstStyle/>
+        <a:p>
+          <a:pPr marL="114300" lvl="1" indent="0" algn="l" defTabSz="666750">
+            <a:lnSpc>
+              <a:spcPct val="90000"/>
+            </a:lnSpc>
+            <a:spcBef>
+              <a:spcPct val="0"/>
+            </a:spcBef>
+            <a:spcAft>
+              <a:spcPct val="20000"/>
+            </a:spcAft>
+            <a:buFont typeface="Wingdings" panose="05000000000000000000" pitchFamily="2" charset="2"/>
+            <a:buChar char="v"/>
+          </a:pPr>
+          <a:r>
+            <a:rPr lang="en-US" sz="1500" b="1" kern="1200" dirty="0"/>
+            <a:t> </a:t>
+          </a:r>
+          <a:r>
+            <a:rPr lang="en-US" sz="2000" b="1" kern="1200" dirty="0"/>
+            <a:t>Parcel-level data</a:t>
+          </a:r>
+          <a:r>
+            <a:rPr lang="en-US" sz="2000" kern="1200" dirty="0"/>
+            <a:t>:</a:t>
+          </a:r>
+        </a:p>
+        <a:p>
+          <a:pPr marL="228600" lvl="2" indent="0" algn="l" defTabSz="666750">
+            <a:lnSpc>
+              <a:spcPct val="90000"/>
+            </a:lnSpc>
+            <a:spcBef>
+              <a:spcPct val="0"/>
+            </a:spcBef>
+            <a:spcAft>
+              <a:spcPct val="20000"/>
+            </a:spcAft>
+            <a:buFont typeface="Wingdings" panose="05000000000000000000" pitchFamily="2" charset="2"/>
+            <a:buChar char="§"/>
+          </a:pPr>
+          <a:r>
+            <a:rPr lang="en-US" sz="1500" kern="1200" dirty="0"/>
+            <a:t> </a:t>
+          </a:r>
+          <a:r>
+            <a:rPr lang="en-US" sz="2000" kern="1200" dirty="0"/>
+            <a:t>Land use information</a:t>
+          </a:r>
+        </a:p>
+        <a:p>
+          <a:pPr marL="228600" lvl="2" indent="0" algn="l" defTabSz="800100">
+            <a:lnSpc>
+              <a:spcPct val="90000"/>
+            </a:lnSpc>
+            <a:spcBef>
+              <a:spcPct val="0"/>
+            </a:spcBef>
+            <a:spcAft>
+              <a:spcPct val="20000"/>
+            </a:spcAft>
+            <a:buFont typeface="Wingdings" panose="05000000000000000000" pitchFamily="2" charset="2"/>
+            <a:buChar char="§"/>
+          </a:pPr>
+          <a:r>
+            <a:rPr lang="en-US" sz="1800" kern="1200" dirty="0"/>
+            <a:t> Enhanced Points of Interest (EPOI), from DMTI</a:t>
+          </a:r>
+        </a:p>
+        <a:p>
+          <a:pPr marL="228600" lvl="1" indent="0" algn="l" defTabSz="800100">
+            <a:lnSpc>
+              <a:spcPct val="90000"/>
+            </a:lnSpc>
+            <a:spcBef>
+              <a:spcPct val="0"/>
+            </a:spcBef>
+            <a:spcAft>
+              <a:spcPct val="20000"/>
+            </a:spcAft>
+            <a:buFont typeface="Wingdings" panose="05000000000000000000" pitchFamily="2" charset="2"/>
+            <a:buChar char="§"/>
+          </a:pPr>
+          <a:r>
+            <a:rPr lang="en-US" sz="1800" i="1" kern="1200" dirty="0"/>
+            <a:t> etc.</a:t>
+          </a:r>
+        </a:p>
+        <a:p>
+          <a:pPr marL="228600" lvl="1" indent="0" algn="l" defTabSz="800100">
+            <a:lnSpc>
+              <a:spcPct val="90000"/>
+            </a:lnSpc>
+            <a:spcBef>
+              <a:spcPct val="0"/>
+            </a:spcBef>
+            <a:spcAft>
+              <a:spcPct val="20000"/>
+            </a:spcAft>
+            <a:buFont typeface="Wingdings" panose="05000000000000000000" pitchFamily="2" charset="2"/>
+            <a:buChar char="§"/>
+          </a:pPr>
+          <a:endParaRPr lang="en-US" sz="1800" i="1" kern="1200" dirty="0"/>
+        </a:p>
+        <a:p>
+          <a:pPr marL="114300" lvl="1" indent="0" algn="l" defTabSz="666750">
+            <a:lnSpc>
+              <a:spcPct val="90000"/>
+            </a:lnSpc>
+            <a:spcBef>
+              <a:spcPct val="0"/>
+            </a:spcBef>
+            <a:spcAft>
+              <a:spcPct val="20000"/>
+            </a:spcAft>
+            <a:buFont typeface="Wingdings" panose="05000000000000000000" pitchFamily="2" charset="2"/>
+            <a:buChar char="v"/>
+          </a:pPr>
+          <a:r>
+            <a:rPr lang="en-CA" sz="1500" b="1" kern="1200" dirty="0"/>
+            <a:t> </a:t>
+          </a:r>
+          <a:r>
+            <a:rPr lang="en-CA" sz="2000" b="1" kern="1200" dirty="0"/>
+            <a:t>Postal-code-level data</a:t>
+          </a:r>
+          <a:r>
+            <a:rPr lang="en-CA" sz="2000" kern="1200" dirty="0"/>
+            <a:t>:</a:t>
+          </a:r>
+          <a:endParaRPr lang="en-US" sz="2000" kern="1200" dirty="0"/>
+        </a:p>
+        <a:p>
+          <a:pPr marL="228600" lvl="2" indent="0" algn="l" defTabSz="666750">
+            <a:lnSpc>
+              <a:spcPct val="90000"/>
+            </a:lnSpc>
+            <a:spcBef>
+              <a:spcPct val="0"/>
+            </a:spcBef>
+            <a:spcAft>
+              <a:spcPct val="20000"/>
+            </a:spcAft>
+            <a:buFont typeface="Wingdings" panose="05000000000000000000" pitchFamily="2" charset="2"/>
+            <a:buChar char="§"/>
+          </a:pPr>
+          <a:endParaRPr lang="en-US" sz="1500" kern="1200" dirty="0"/>
+        </a:p>
+        <a:p>
+          <a:pPr marL="114300" lvl="1" indent="0" algn="l" defTabSz="666750">
+            <a:lnSpc>
+              <a:spcPct val="90000"/>
+            </a:lnSpc>
+            <a:spcBef>
+              <a:spcPct val="0"/>
+            </a:spcBef>
+            <a:spcAft>
+              <a:spcPct val="20000"/>
+            </a:spcAft>
+            <a:buFont typeface="Wingdings" panose="05000000000000000000" pitchFamily="2" charset="2"/>
+            <a:buChar char="v"/>
+          </a:pPr>
+          <a:r>
+            <a:rPr lang="en-CA" sz="1500" b="1" kern="1200" dirty="0"/>
+            <a:t> </a:t>
+          </a:r>
+          <a:r>
+            <a:rPr lang="en-CA" sz="2000" b="1" kern="1200" dirty="0"/>
+            <a:t>Municipality-level data</a:t>
+          </a:r>
+          <a:r>
+            <a:rPr lang="en-CA" sz="2000" kern="1200" dirty="0"/>
+            <a:t>:</a:t>
+          </a:r>
+          <a:endParaRPr lang="en-US" sz="2000" kern="1200" dirty="0"/>
+        </a:p>
+        <a:p>
+          <a:pPr marL="228600" lvl="1" indent="0" algn="l" defTabSz="666750">
+            <a:lnSpc>
+              <a:spcPct val="90000"/>
+            </a:lnSpc>
+            <a:spcBef>
+              <a:spcPct val="0"/>
+            </a:spcBef>
+            <a:spcAft>
+              <a:spcPct val="20000"/>
+            </a:spcAft>
+            <a:buFont typeface="Wingdings" panose="05000000000000000000" pitchFamily="2" charset="2"/>
+            <a:buChar char="§"/>
+          </a:pPr>
+          <a:endParaRPr lang="en-US" sz="1500" kern="1200" dirty="0"/>
+        </a:p>
+      </dsp:txBody>
+      <dsp:txXfrm>
+        <a:off x="0" y="560437"/>
+        <a:ext cx="8694540" cy="5532830"/>
+      </dsp:txXfrm>
+    </dsp:sp>
+  </dsp:spTree>
+</dsp:drawing>
+</file>
+
+<file path=ppt/diagrams/layout1.xml><?xml version="1.0" encoding="utf-8"?>
+<dgm:layoutDef xmlns:dgm="http://schemas.openxmlformats.org/drawingml/2006/diagram" xmlns:a="http://schemas.openxmlformats.org/drawingml/2006/main" uniqueId="urn:microsoft.com/office/officeart/2005/8/layout/vList2">
+  <dgm:title val=""/>
+  <dgm:desc val=""/>
+  <dgm:catLst>
+    <dgm:cat type="list" pri="3000"/>
+    <dgm:cat type="convert" pri="1000"/>
+  </dgm:catLst>
+  <dgm:sampData>
+    <dgm:dataModel>
+      <dgm:ptLst>
+        <dgm:pt modelId="0" type="doc"/>
+        <dgm:pt modelId="1">
+          <dgm:prSet phldr="1"/>
+        </dgm:pt>
+        <dgm:pt modelId="11">
+          <dgm:prSet phldr="1"/>
+        </dgm:pt>
+        <dgm:pt modelId="2">
+          <dgm:prSet phldr="1"/>
+        </dgm:pt>
+        <dgm:pt modelId="21">
+          <dgm:prSet phldr="1"/>
+        </dgm:pt>
+      </dgm:ptLst>
+      <dgm:cxnLst>
+        <dgm:cxn modelId="4" srcId="0" destId="1" srcOrd="0" destOrd="0"/>
+        <dgm:cxn modelId="5" srcId="0" destId="2" srcOrd="1" destOrd="0"/>
+        <dgm:cxn modelId="12" srcId="1" destId="11" srcOrd="0" destOrd="0"/>
+        <dgm:cxn modelId="23" srcId="2" destId="21" srcOrd="0" destOrd="0"/>
+      </dgm:cxnLst>
+      <dgm:bg/>
+      <dgm:whole/>
+    </dgm:dataModel>
+  </dgm:sampData>
+  <dgm:styleData>
+    <dgm:dataModel>
+      <dgm:ptLst>
+        <dgm:pt modelId="0" type="doc"/>
+        <dgm:pt modelId="1"/>
+        <dgm:pt modelId="2"/>
+      </dgm:ptLst>
+      <dgm:cxnLst>
+        <dgm:cxn modelId="3" srcId="0" destId="1" srcOrd="0" destOrd="0"/>
+        <dgm:cxn modelId="4" srcId="0" destId="2" srcOrd="1" destOrd="0"/>
+      </dgm:cxnLst>
+      <dgm:bg/>
+      <dgm:whole/>
+    </dgm:dataModel>
+  </dgm:styleData>
+  <dgm:clrData>
+    <dgm:dataModel>
+      <dgm:ptLst>
+        <dgm:pt modelId="0" type="doc"/>
+        <dgm:pt modelId="1"/>
+        <dgm:pt modelId="2"/>
+        <dgm:pt modelId="3"/>
+        <dgm:pt modelId="4"/>
+      </dgm:ptLst>
+      <dgm:cxnLst>
+        <dgm:cxn modelId="5" srcId="0" destId="1" srcOrd="0" destOrd="0"/>
+        <dgm:cxn modelId="6" srcId="0" destId="2" srcOrd="1" destOrd="0"/>
+        <dgm:cxn modelId="7" srcId="0" destId="3" srcOrd="2" destOrd="0"/>
+        <dgm:cxn modelId="8" srcId="0" destId="4" srcOrd="3" destOrd="0"/>
+      </dgm:cxnLst>
+      <dgm:bg/>
+      <dgm:whole/>
+    </dgm:dataModel>
+  </dgm:clrData>
+  <dgm:layoutNode name="linear">
+    <dgm:varLst>
+      <dgm:animLvl val="lvl"/>
+      <dgm:resizeHandles val="exact"/>
+    </dgm:varLst>
+    <dgm:alg type="lin">
+      <dgm:param type="linDir" val="fromT"/>
+      <dgm:param type="vertAlign" val="mid"/>
+    </dgm:alg>
+    <dgm:shape xmlns:r="http://schemas.openxmlformats.org/officeDocument/2006/relationships" r:blip="">
+      <dgm:adjLst/>
+    </dgm:shape>
+    <dgm:presOf/>
+    <dgm:constrLst>
+      <dgm:constr type="w" for="ch" forName="parentText" refType="w"/>
+      <dgm:constr type="h" for="ch" forName="parentText" refType="primFontSz" refFor="ch" refForName="parentText" fact="0.52"/>
+      <dgm:constr type="w" for="ch" forName="childText" refType="w"/>
+      <dgm:constr type="h" for="ch" forName="childText" refType="primFontSz" refFor="ch" refForName="parentText" fact="0.46"/>
+      <dgm:constr type="h" for="ch" forName="parentText" op="equ"/>
+      <dgm:constr type="primFontSz" for="ch" forName="parentText" op="equ" val="65"/>
+      <dgm:constr type="primFontSz" for="ch" forName="childText" refType="primFontSz" refFor="ch" refForName="parentText" op="equ"/>
+      <dgm:constr type="h" for="ch" forName="spacer" refType="primFontSz" refFor="ch" refForName="parentText" fact="0.08"/>
+    </dgm:constrLst>
+    <dgm:ruleLst>
+      <dgm:rule type="primFontSz" for="ch" forName="parentText" val="5" fact="NaN" max="NaN"/>
+    </dgm:ruleLst>
+    <dgm:forEach name="Name0" axis="ch" ptType="node">
+      <dgm:layoutNode name="parentText" styleLbl="node1">
+        <dgm:varLst>
+          <dgm:chMax val="0"/>
+          <dgm:bulletEnabled val="1"/>
+        </dgm:varLst>
+        <dgm:alg type="tx">
+          <dgm:param type="parTxLTRAlign" val="l"/>
+          <dgm:param type="parTxRTLAlign" val="r"/>
+        </dgm:alg>
+        <dgm:shape xmlns:r="http://schemas.openxmlformats.org/officeDocument/2006/relationships" type="roundRect" r:blip="">
+          <dgm:adjLst/>
+        </dgm:shape>
+        <dgm:presOf axis="self"/>
+        <dgm:constrLst>
+          <dgm:constr type="tMarg" refType="primFontSz" fact="0.3"/>
+          <dgm:constr type="bMarg" refType="primFontSz" fact="0.3"/>
+          <dgm:constr type="lMarg" refType="primFontSz" fact="0.3"/>
+          <dgm:constr type="rMarg" refType="primFontSz" fact="0.3"/>
+        </dgm:constrLst>
+        <dgm:ruleLst>
+          <dgm:rule type="h" val="INF" fact="NaN" max="NaN"/>
+        </dgm:ruleLst>
+      </dgm:layoutNode>
+      <dgm:choose name="Name1">
+        <dgm:if name="Name2" axis="ch" ptType="node" func="cnt" op="gte" val="1">
+          <dgm:layoutNode name="childText" styleLbl="revTx">
+            <dgm:varLst>
+              <dgm:bulletEnabled val="1"/>
+            </dgm:varLst>
+            <dgm:alg type="tx">
+              <dgm:param type="stBulletLvl" val="1"/>
+              <dgm:param type="lnSpAfChP" val="20"/>
+            </dgm:alg>
+            <dgm:shape xmlns:r="http://schemas.openxmlformats.org/officeDocument/2006/relationships" type="rect" r:blip="">
+              <dgm:adjLst/>
+            </dgm:shape>
+            <dgm:presOf axis="des" ptType="node"/>
+            <dgm:constrLst>
+              <dgm:constr type="tMarg" refType="primFontSz" fact="0.1"/>
+              <dgm:constr type="bMarg" refType="primFontSz" fact="0.1"/>
+              <dgm:constr type="lMarg" refType="w" fact="0.09"/>
+            </dgm:constrLst>
+            <dgm:ruleLst>
+              <dgm:rule type="h" val="INF" fact="NaN" max="NaN"/>
+            </dgm:ruleLst>
+          </dgm:layoutNode>
+        </dgm:if>
+        <dgm:else name="Name3">
+          <dgm:choose name="Name4">
+            <dgm:if name="Name5" axis="par ch" ptType="doc node" func="cnt" op="gte" val="2">
+              <dgm:forEach name="Name6" axis="followSib" ptType="sibTrans" cnt="1">
+                <dgm:layoutNode name="spacer">
+                  <dgm:alg type="sp"/>
+                  <dgm:shape xmlns:r="http://schemas.openxmlformats.org/officeDocument/2006/relationships" r:blip="">
+                    <dgm:adjLst/>
+                  </dgm:shape>
+                  <dgm:presOf/>
+                  <dgm:constrLst/>
+                  <dgm:ruleLst/>
+                </dgm:layoutNode>
+              </dgm:forEach>
+            </dgm:if>
+            <dgm:else name="Name7"/>
+          </dgm:choose>
+        </dgm:else>
+      </dgm:choose>
+    </dgm:forEach>
+  </dgm:layoutNode>
+</dgm:layoutDef>
+</file>
+
+<file path=ppt/diagrams/layout2.xml><?xml version="1.0" encoding="utf-8"?>
+<dgm:layoutDef xmlns:dgm="http://schemas.openxmlformats.org/drawingml/2006/diagram" xmlns:a="http://schemas.openxmlformats.org/drawingml/2006/main" uniqueId="urn:microsoft.com/office/officeart/2005/8/layout/vList2">
+  <dgm:title val=""/>
+  <dgm:desc val=""/>
+  <dgm:catLst>
+    <dgm:cat type="list" pri="3000"/>
+    <dgm:cat type="convert" pri="1000"/>
+  </dgm:catLst>
+  <dgm:sampData>
+    <dgm:dataModel>
+      <dgm:ptLst>
+        <dgm:pt modelId="0" type="doc"/>
+        <dgm:pt modelId="1">
+          <dgm:prSet phldr="1"/>
+        </dgm:pt>
+        <dgm:pt modelId="11">
+          <dgm:prSet phldr="1"/>
+        </dgm:pt>
+        <dgm:pt modelId="2">
+          <dgm:prSet phldr="1"/>
+        </dgm:pt>
+        <dgm:pt modelId="21">
+          <dgm:prSet phldr="1"/>
+        </dgm:pt>
+      </dgm:ptLst>
+      <dgm:cxnLst>
+        <dgm:cxn modelId="4" srcId="0" destId="1" srcOrd="0" destOrd="0"/>
+        <dgm:cxn modelId="5" srcId="0" destId="2" srcOrd="1" destOrd="0"/>
+        <dgm:cxn modelId="12" srcId="1" destId="11" srcOrd="0" destOrd="0"/>
+        <dgm:cxn modelId="23" srcId="2" destId="21" srcOrd="0" destOrd="0"/>
+      </dgm:cxnLst>
+      <dgm:bg/>
+      <dgm:whole/>
+    </dgm:dataModel>
+  </dgm:sampData>
+  <dgm:styleData>
+    <dgm:dataModel>
+      <dgm:ptLst>
+        <dgm:pt modelId="0" type="doc"/>
+        <dgm:pt modelId="1"/>
+        <dgm:pt modelId="2"/>
+      </dgm:ptLst>
+      <dgm:cxnLst>
+        <dgm:cxn modelId="3" srcId="0" destId="1" srcOrd="0" destOrd="0"/>
+        <dgm:cxn modelId="4" srcId="0" destId="2" srcOrd="1" destOrd="0"/>
+      </dgm:cxnLst>
+      <dgm:bg/>
+      <dgm:whole/>
+    </dgm:dataModel>
+  </dgm:styleData>
+  <dgm:clrData>
+    <dgm:dataModel>
+      <dgm:ptLst>
+        <dgm:pt modelId="0" type="doc"/>
+        <dgm:pt modelId="1"/>
+        <dgm:pt modelId="2"/>
+        <dgm:pt modelId="3"/>
+        <dgm:pt modelId="4"/>
+      </dgm:ptLst>
+      <dgm:cxnLst>
+        <dgm:cxn modelId="5" srcId="0" destId="1" srcOrd="0" destOrd="0"/>
+        <dgm:cxn modelId="6" srcId="0" destId="2" srcOrd="1" destOrd="0"/>
+        <dgm:cxn modelId="7" srcId="0" destId="3" srcOrd="2" destOrd="0"/>
+        <dgm:cxn modelId="8" srcId="0" destId="4" srcOrd="3" destOrd="0"/>
+      </dgm:cxnLst>
+      <dgm:bg/>
+      <dgm:whole/>
+    </dgm:dataModel>
+  </dgm:clrData>
+  <dgm:layoutNode name="linear">
+    <dgm:varLst>
+      <dgm:animLvl val="lvl"/>
+      <dgm:resizeHandles val="exact"/>
+    </dgm:varLst>
+    <dgm:alg type="lin">
+      <dgm:param type="linDir" val="fromT"/>
+      <dgm:param type="vertAlign" val="mid"/>
+    </dgm:alg>
+    <dgm:shape xmlns:r="http://schemas.openxmlformats.org/officeDocument/2006/relationships" r:blip="">
+      <dgm:adjLst/>
+    </dgm:shape>
+    <dgm:presOf/>
+    <dgm:constrLst>
+      <dgm:constr type="w" for="ch" forName="parentText" refType="w"/>
+      <dgm:constr type="h" for="ch" forName="parentText" refType="primFontSz" refFor="ch" refForName="parentText" fact="0.52"/>
+      <dgm:constr type="w" for="ch" forName="childText" refType="w"/>
+      <dgm:constr type="h" for="ch" forName="childText" refType="primFontSz" refFor="ch" refForName="parentText" fact="0.46"/>
+      <dgm:constr type="h" for="ch" forName="parentText" op="equ"/>
+      <dgm:constr type="primFontSz" for="ch" forName="parentText" op="equ" val="65"/>
+      <dgm:constr type="primFontSz" for="ch" forName="childText" refType="primFontSz" refFor="ch" refForName="parentText" op="equ"/>
+      <dgm:constr type="h" for="ch" forName="spacer" refType="primFontSz" refFor="ch" refForName="parentText" fact="0.08"/>
+    </dgm:constrLst>
+    <dgm:ruleLst>
+      <dgm:rule type="primFontSz" for="ch" forName="parentText" val="5" fact="NaN" max="NaN"/>
+    </dgm:ruleLst>
+    <dgm:forEach name="Name0" axis="ch" ptType="node">
+      <dgm:layoutNode name="parentText" styleLbl="node1">
+        <dgm:varLst>
+          <dgm:chMax val="0"/>
+          <dgm:bulletEnabled val="1"/>
+        </dgm:varLst>
+        <dgm:alg type="tx">
+          <dgm:param type="parTxLTRAlign" val="l"/>
+          <dgm:param type="parTxRTLAlign" val="r"/>
+        </dgm:alg>
+        <dgm:shape xmlns:r="http://schemas.openxmlformats.org/officeDocument/2006/relationships" type="roundRect" r:blip="">
+          <dgm:adjLst/>
+        </dgm:shape>
+        <dgm:presOf axis="self"/>
+        <dgm:constrLst>
+          <dgm:constr type="tMarg" refType="primFontSz" fact="0.3"/>
+          <dgm:constr type="bMarg" refType="primFontSz" fact="0.3"/>
+          <dgm:constr type="lMarg" refType="primFontSz" fact="0.3"/>
+          <dgm:constr type="rMarg" refType="primFontSz" fact="0.3"/>
+        </dgm:constrLst>
+        <dgm:ruleLst>
+          <dgm:rule type="h" val="INF" fact="NaN" max="NaN"/>
+        </dgm:ruleLst>
+      </dgm:layoutNode>
+      <dgm:choose name="Name1">
+        <dgm:if name="Name2" axis="ch" ptType="node" func="cnt" op="gte" val="1">
+          <dgm:layoutNode name="childText" styleLbl="revTx">
+            <dgm:varLst>
+              <dgm:bulletEnabled val="1"/>
+            </dgm:varLst>
+            <dgm:alg type="tx">
+              <dgm:param type="stBulletLvl" val="1"/>
+              <dgm:param type="lnSpAfChP" val="20"/>
+            </dgm:alg>
+            <dgm:shape xmlns:r="http://schemas.openxmlformats.org/officeDocument/2006/relationships" type="rect" r:blip="">
+              <dgm:adjLst/>
+            </dgm:shape>
+            <dgm:presOf axis="des" ptType="node"/>
+            <dgm:constrLst>
+              <dgm:constr type="tMarg" refType="primFontSz" fact="0.1"/>
+              <dgm:constr type="bMarg" refType="primFontSz" fact="0.1"/>
+              <dgm:constr type="lMarg" refType="w" fact="0.09"/>
+            </dgm:constrLst>
+            <dgm:ruleLst>
+              <dgm:rule type="h" val="INF" fact="NaN" max="NaN"/>
+            </dgm:ruleLst>
+          </dgm:layoutNode>
+        </dgm:if>
+        <dgm:else name="Name3">
+          <dgm:choose name="Name4">
+            <dgm:if name="Name5" axis="par ch" ptType="doc node" func="cnt" op="gte" val="2">
+              <dgm:forEach name="Name6" axis="followSib" ptType="sibTrans" cnt="1">
+                <dgm:layoutNode name="spacer">
+                  <dgm:alg type="sp"/>
+                  <dgm:shape xmlns:r="http://schemas.openxmlformats.org/officeDocument/2006/relationships" r:blip="">
+                    <dgm:adjLst/>
+                  </dgm:shape>
+                  <dgm:presOf/>
+                  <dgm:constrLst/>
+                  <dgm:ruleLst/>
+                </dgm:layoutNode>
+              </dgm:forEach>
+            </dgm:if>
+            <dgm:else name="Name7"/>
+          </dgm:choose>
+        </dgm:else>
+      </dgm:choose>
+    </dgm:forEach>
+  </dgm:layoutNode>
+</dgm:layoutDef>
+</file>
+
+<file path=ppt/diagrams/quickStyle1.xml><?xml version="1.0" encoding="utf-8"?>
+<dgm:styleDef xmlns:dgm="http://schemas.openxmlformats.org/drawingml/2006/diagram" xmlns:a="http://schemas.openxmlformats.org/drawingml/2006/main" uniqueId="urn:microsoft.com/office/officeart/2005/8/quickstyle/simple2">
+  <dgm:title val=""/>
+  <dgm:desc val=""/>
+  <dgm:catLst>
+    <dgm:cat type="simple" pri="10200"/>
+  </dgm:catLst>
+  <dgm:scene3d>
+    <a:camera prst="orthographicFront"/>
+    <a:lightRig rig="threePt" dir="t"/>
+  </dgm:scene3d>
+  <dgm:styleLbl name="node0">
+    <dgm:scene3d>
+      <a:camera prst="orthographicFront"/>
+      <a:lightRig rig="threePt" dir="t"/>
+    </dgm:scene3d>
+    <dgm:sp3d/>
+    <dgm:txPr/>
+    <dgm:style>
+      <a:lnRef idx="3">
+        <a:scrgbClr r="0" g="0" b="0"/>
+      </a:lnRef>
+      <a:fillRef idx="1">
+        <a:scrgbClr r="0" g="0" b="0"/>
+      </a:fillRef>
+      <a:effectRef idx="1">
+        <a:scrgbClr r="0" g="0" b="0"/>
+      </a:effectRef>
+      <a:fontRef idx="minor">
+        <a:schemeClr val="lt1"/>
+      </a:fontRef>
+    </dgm:style>
+  </dgm:styleLbl>
+  <dgm:styleLbl name="lnNode1">
+    <dgm:scene3d>
+      <a:camera prst="orthographicFront"/>
+      <a:lightRig rig="threePt" dir="t"/>
+    </dgm:scene3d>
+    <dgm:sp3d/>
+    <dgm:txPr/>
+    <dgm:style>
+      <a:lnRef idx="3">
+        <a:scrgbClr r="0" g="0" b="0"/>
+      </a:lnRef>
+      <a:fillRef idx="1">
+        <a:scrgbClr r="0" g="0" b="0"/>
+      </a:fillRef>
+      <a:effectRef idx="1">
+        <a:scrgbClr r="0" g="0" b="0"/>
+      </a:effectRef>
+      <a:fontRef idx="minor">
+        <a:schemeClr val="lt1"/>
+      </a:fontRef>
+    </dgm:style>
+  </dgm:styleLbl>
+  <dgm:styleLbl name="vennNode1">
+    <dgm:scene3d>
+      <a:camera prst="orthographicFront"/>
+      <a:lightRig rig="threePt" dir="t"/>
+    </dgm:scene3d>
+    <dgm:sp3d/>
+    <dgm:txPr/>
+    <dgm:style>
+      <a:lnRef idx="3">
+        <a:scrgbClr r="0" g="0" b="0"/>
+      </a:lnRef>
+      <a:fillRef idx="1">
+        <a:scrgbClr r="0" g="0" b="0"/>
+      </a:fillRef>
+      <a:effectRef idx="0">
+        <a:scrgbClr r="0" g="0" b="0"/>
+      </a:effectRef>
+      <a:fontRef idx="minor">
+        <a:schemeClr val="tx1"/>
+      </a:fontRef>
+    </dgm:style>
+  </dgm:styleLbl>
+  <dgm:styleLbl name="alignNode1">
+    <dgm:scene3d>
+      <a:camera prst="orthographicFront"/>
+      <a:lightRig rig="threePt" dir="t"/>
+    </dgm:scene3d>
+    <dgm:sp3d/>
+    <dgm:txPr/>
+    <dgm:style>
+      <a:lnRef idx="2">
+        <a:scrgbClr r="0" g="0" b="0"/>
+      </a:lnRef>
+      <a:fillRef idx="1">
+        <a:scrgbClr r="0" g="0" b="0"/>
+      </a:fillRef>
+      <a:effectRef idx="1">
+        <a:scrgbClr r="0" g="0" b="0"/>
+      </a:effectRef>
+      <a:fontRef idx="minor">
+        <a:schemeClr val="lt1"/>
+      </a:fontRef>
+    </dgm:style>
+  </dgm:styleLbl>
+  <dgm:styleLbl name="node1">
+    <dgm:scene3d>
+      <a:camera prst="orthographicFront"/>
+      <a:lightRig rig="threePt" dir="t"/>
+    </dgm:scene3d>
+    <dgm:sp3d/>
+    <dgm:txPr/>
+    <dgm:style>
+      <a:lnRef idx="3">
+        <a:scrgbClr r="0" g="0" b="0"/>
+      </a:lnRef>
+      <a:fillRef idx="1">
+        <a:scrgbClr r="0" g="0" b="0"/>
+      </a:fillRef>
+      <a:effectRef idx="1">
+        <a:scrgbClr r="0" g="0" b="0"/>
+      </a:effectRef>
+      <a:fontRef idx="minor">
+        <a:schemeClr val="lt1"/>
+      </a:fontRef>
+    </dgm:style>
+  </dgm:styleLbl>
+  <dgm:styleLbl name="node2">
+    <dgm:scene3d>
+      <a:camera prst="orthographicFront"/>
+      <a:lightRig rig="threePt" dir="t"/>
+    </dgm:scene3d>
+    <dgm:sp3d/>
+    <dgm:txPr/>
+    <dgm:style>
+      <a:lnRef idx="3">
+        <a:scrgbClr r="0" g="0" b="0"/>
+      </a:lnRef>
+      <a:fillRef idx="1">
+        <a:scrgbClr r="0" g="0" b="0"/>
+      </a:fillRef>
+      <a:effectRef idx="1">
+        <a:scrgbClr r="0" g="0" b="0"/>
+      </a:effectRef>
+      <a:fontRef idx="minor">
+        <a:schemeClr val="lt1"/>
+      </a:fontRef>
+    </dgm:style>
+  </dgm:styleLbl>
+  <dgm:styleLbl name="node3">
+    <dgm:scene3d>
+      <a:camera prst="orthographicFront"/>
+      <a:lightRig rig="threePt" dir="t"/>
+    </dgm:scene3d>
+    <dgm:sp3d/>
+    <dgm:txPr/>
+    <dgm:style>
+      <a:lnRef idx="3">
+        <a:scrgbClr r="0" g="0" b="0"/>
+      </a:lnRef>
+      <a:fillRef idx="1">
+        <a:scrgbClr r="0" g="0" b="0"/>
+      </a:fillRef>
+      <a:effectRef idx="1">
+        <a:scrgbClr r="0" g="0" b="0"/>
+      </a:effectRef>
+      <a:fontRef idx="minor">
+        <a:schemeClr val="lt1"/>
+      </a:fontRef>
+    </dgm:style>
+  </dgm:styleLbl>
+  <dgm:styleLbl name="node4">
+    <dgm:scene3d>
+      <a:camera prst="orthographicFront"/>
+      <a:lightRig rig="threePt" dir="t"/>
+    </dgm:scene3d>
+    <dgm:sp3d/>
+    <dgm:txPr/>
+    <dgm:style>
+      <a:lnRef idx="3">
+        <a:scrgbClr r="0" g="0" b="0"/>
+      </a:lnRef>
+      <a:fillRef idx="1">
+        <a:scrgbClr r="0" g="0" b="0"/>
+      </a:fillRef>
+      <a:effectRef idx="1">
+        <a:scrgbClr r="0" g="0" b="0"/>
+      </a:effectRef>
+      <a:fontRef idx="minor">
+        <a:schemeClr val="lt1"/>
+      </a:fontRef>
+    </dgm:style>
+  </dgm:styleLbl>
+  <dgm:styleLbl name="fgImgPlace1">
+    <dgm:scene3d>
+      <a:camera prst="orthographicFront"/>
+      <a:lightRig rig="threePt" dir="t"/>
+    </dgm:scene3d>
+    <dgm:sp3d/>
+    <dgm:txPr/>
+    <dgm:style>
+      <a:lnRef idx="3">
+        <a:scrgbClr r="0" g="0" b="0"/>
+      </a:lnRef>
+      <a:fillRef idx="1">
+        <a:scrgbClr r="0" g="0" b="0"/>
+      </a:fillRef>
+      <a:effectRef idx="1">
+        <a:scrgbClr r="0" g="0" b="0"/>
+      </a:effectRef>
+      <a:fontRef idx="minor"/>
+    </dgm:style>
+  </dgm:styleLbl>
+  <dgm:styleLbl name="alignImgPlace1">
+    <dgm:scene3d>
+      <a:camera prst="orthographicFront"/>
+      <a:lightRig rig="threePt" dir="t"/>
+    </dgm:scene3d>
+    <dgm:sp3d/>
+    <dgm:txPr/>
+    <dgm:style>
+      <a:lnRef idx="3">
+        <a:scrgbClr r="0" g="0" b="0"/>
+      </a:lnRef>
+      <a:fillRef idx="1">
+        <a:scrgbClr r="0" g="0" b="0"/>
+      </a:fillRef>
+      <a:effectRef idx="1">
+        <a:scrgbClr r="0" g="0" b="0"/>
+      </a:effectRef>
+      <a:fontRef idx="minor"/>
+    </dgm:style>
+  </dgm:styleLbl>
+  <dgm:styleLbl name="bgImgPlace1">
+    <dgm:scene3d>
+      <a:camera prst="orthographicFront"/>
+      <a:lightRig rig="threePt" dir="t"/>
+    </dgm:scene3d>
+    <dgm:sp3d/>
+    <dgm:txPr/>
+    <dgm:style>
+      <a:lnRef idx="3">
+        <a:scrgbClr r="0" g="0" b="0"/>
+      </a:lnRef>
+      <a:fillRef idx="1">
+        <a:scrgbClr r="0" g="0" b="0"/>
+      </a:fillRef>
+      <a:effectRef idx="1">
+        <a:scrgbClr r="0" g="0" b="0"/>
+      </a:effectRef>
+      <a:fontRef idx="minor"/>
+    </dgm:style>
+  </dgm:styleLbl>
+  <dgm:styleLbl name="sibTrans2D1">
+    <dgm:scene3d>
+      <a:camera prst="orthographicFront"/>
+      <a:lightRig rig="threePt" dir="t"/>
+    </dgm:scene3d>
+    <dgm:sp3d/>
+    <dgm:txPr/>
+    <dgm:style>
+      <a:lnRef idx="0">
+        <a:scrgbClr r="0" g="0" b="0"/>
+      </a:lnRef>
+      <a:fillRef idx="1">
+        <a:scrgbClr r="0" g="0" b="0"/>
+      </a:fillRef>
+      <a:effectRef idx="1">
+        <a:scrgbClr r="0" g="0" b="0"/>
+      </a:effectRef>
+      <a:fontRef idx="minor">
+        <a:schemeClr val="lt1"/>
+      </a:fontRef>
+    </dgm:style>
+  </dgm:styleLbl>
+  <dgm:styleLbl name="fgSibTrans2D1">
+    <dgm:scene3d>
+      <a:camera prst="orthographicFront"/>
+      <a:lightRig rig="threePt" dir="t"/>
+    </dgm:scene3d>
+    <dgm:sp3d/>
+    <dgm:txPr/>
+    <dgm:style>
+      <a:lnRef idx="0">
+        <a:scrgbClr r="0" g="0" b="0"/>
+      </a:lnRef>
+      <a:fillRef idx="1">
+        <a:scrgbClr r="0" g="0" b="0"/>
+      </a:fillRef>
+      <a:effectRef idx="1">
+        <a:scrgbClr r="0" g="0" b="0"/>
+      </a:effectRef>
+      <a:fontRef idx="minor">
+        <a:schemeClr val="lt1"/>
+      </a:fontRef>
+    </dgm:style>
+  </dgm:styleLbl>
+  <dgm:styleLbl name="bgSibTrans2D1">
+    <dgm:scene3d>
+      <a:camera prst="orthographicFront"/>
+      <a:lightRig rig="threePt" dir="t"/>
+    </dgm:scene3d>
+    <dgm:sp3d/>
+    <dgm:txPr/>
+    <dgm:style>
+      <a:lnRef idx="0">
+        <a:scrgbClr r="0" g="0" b="0"/>
+      </a:lnRef>
+      <a:fillRef idx="1">
+        <a:scrgbClr r="0" g="0" b="0"/>
+      </a:fillRef>
+      <a:effectRef idx="1">
+        <a:scrgbClr r="0" g="0" b="0"/>
+      </a:effectRef>
+      <a:fontRef idx="minor">
+        <a:schemeClr val="lt1"/>
+      </a:fontRef>
+    </dgm:style>
+  </dgm:styleLbl>
+  <dgm:styleLbl name="sibTrans1D1">
+    <dgm:scene3d>
+      <a:camera prst="orthographicFront"/>
+      <a:lightRig rig="threePt" dir="t"/>
+    </dgm:scene3d>
+    <dgm:sp3d/>
+    <dgm:txPr/>
+    <dgm:style>
+      <a:lnRef idx="1">
+        <a:scrgbClr r="0" g="0" b="0"/>
+      </a:lnRef>
+      <a:fillRef idx="0">
+        <a:scrgbClr r="0" g="0" b="0"/>
+      </a:fillRef>
+      <a:effectRef idx="0">
+        <a:scrgbClr r="0" g="0" b="0"/>
+      </a:effectRef>
+      <a:fontRef idx="minor"/>
+    </dgm:style>
+  </dgm:styleLbl>
+  <dgm:styleLbl name="callout">
+    <dgm:scene3d>
+      <a:camera prst="orthographicFront"/>
+      <a:lightRig rig="threePt" dir="t"/>
+    </dgm:scene3d>
+    <dgm:sp3d/>
+    <dgm:txPr/>
+    <dgm:style>
+      <a:lnRef idx="2">
+        <a:scrgbClr r="0" g="0" b="0"/>
+      </a:lnRef>
+      <a:fillRef idx="1">
+        <a:scrgbClr r="0" g="0" b="0"/>
+      </a:fillRef>
+      <a:effectRef idx="1">
+        <a:scrgbClr r="0" g="0" b="0"/>
+      </a:effectRef>
+      <a:fontRef idx="minor"/>
+    </dgm:style>
+  </dgm:styleLbl>
+  <dgm:styleLbl name="asst0">
+    <dgm:scene3d>
+      <a:camera prst="orthographicFront"/>
+      <a:lightRig rig="threePt" dir="t"/>
+    </dgm:scene3d>
+    <dgm:sp3d/>
+    <dgm:txPr/>
+    <dgm:style>
+      <a:lnRef idx="3">
+        <a:scrgbClr r="0" g="0" b="0"/>
+      </a:lnRef>
+      <a:fillRef idx="1">
+        <a:scrgbClr r="0" g="0" b="0"/>
+      </a:fillRef>
+      <a:effectRef idx="1">
+        <a:scrgbClr r="0" g="0" b="0"/>
+      </a:effectRef>
+      <a:fontRef idx="minor">
+        <a:schemeClr val="lt1"/>
+      </a:fontRef>
+    </dgm:style>
+  </dgm:styleLbl>
+  <dgm:styleLbl name="asst1">
+    <dgm:scene3d>
+      <a:camera prst="orthographicFront"/>
+      <a:lightRig rig="threePt" dir="t"/>
+    </dgm:scene3d>
+    <dgm:sp3d/>
+    <dgm:txPr/>
+    <dgm:style>
+      <a:lnRef idx="3">
+        <a:scrgbClr r="0" g="0" b="0"/>
+      </a:lnRef>
+      <a:fillRef idx="1">
+        <a:scrgbClr r="0" g="0" b="0"/>
+      </a:fillRef>
+      <a:effectRef idx="1">
+        <a:scrgbClr r="0" g="0" b="0"/>
+      </a:effectRef>
+      <a:fontRef idx="minor">
+        <a:schemeClr val="lt1"/>
+      </a:fontRef>
+    </dgm:style>
+  </dgm:styleLbl>
+  <dgm:styleLbl name="asst2">
+    <dgm:scene3d>
+      <a:camera prst="orthographicFront"/>
+      <a:lightRig rig="threePt" dir="t"/>
+    </dgm:scene3d>
+    <dgm:sp3d/>
+    <dgm:txPr/>
+    <dgm:style>
+      <a:lnRef idx="3">
+        <a:scrgbClr r="0" g="0" b="0"/>
+      </a:lnRef>
+      <a:fillRef idx="1">
+        <a:scrgbClr r="0" g="0" b="0"/>
+      </a:fillRef>
+      <a:effectRef idx="1">
+        <a:scrgbClr r="0" g="0" b="0"/>
+      </a:effectRef>
+      <a:fontRef idx="minor">
+        <a:schemeClr val="lt1"/>
+      </a:fontRef>
+    </dgm:style>
+  </dgm:styleLbl>
+  <dgm:styleLbl name="asst3">
+    <dgm:scene3d>
+      <a:camera prst="orthographicFront"/>
+      <a:lightRig rig="threePt" dir="t"/>
+    </dgm:scene3d>
+    <dgm:sp3d/>
+    <dgm:txPr/>
+    <dgm:style>
+      <a:lnRef idx="3">
+        <a:scrgbClr r="0" g="0" b="0"/>
+      </a:lnRef>
+      <a:fillRef idx="1">
+        <a:scrgbClr r="0" g="0" b="0"/>
+      </a:fillRef>
+      <a:effectRef idx="1">
+        <a:scrgbClr r="0" g="0" b="0"/>
+      </a:effectRef>
+      <a:fontRef idx="minor">
+        <a:schemeClr val="lt1"/>
+      </a:fontRef>
+    </dgm:style>
+  </dgm:styleLbl>
+  <dgm:styleLbl name="asst4">
+    <dgm:scene3d>
+      <a:camera prst="orthographicFront"/>
+      <a:lightRig rig="threePt" dir="t"/>
+    </dgm:scene3d>
+    <dgm:sp3d/>
+    <dgm:txPr/>
+    <dgm:style>
+      <a:lnRef idx="3">
+        <a:scrgbClr r="0" g="0" b="0"/>
+      </a:lnRef>
+      <a:fillRef idx="1">
+        <a:scrgbClr r="0" g="0" b="0"/>
+      </a:fillRef>
+      <a:effectRef idx="1">
+        <a:scrgbClr r="0" g="0" b="0"/>
+      </a:effectRef>
+      <a:fontRef idx="minor">
+        <a:schemeClr val="lt1"/>
+      </a:fontRef>
+    </dgm:style>
+  </dgm:styleLbl>
+  <dgm:styleLbl name="parChTrans2D1">
+    <dgm:scene3d>
+      <a:camera prst="orthographicFront"/>
+      <a:lightRig rig="threePt" dir="t"/>
+    </dgm:scene3d>
+    <dgm:sp3d/>
+    <dgm:txPr/>
+    <dgm:style>
+      <a:lnRef idx="3">
+        <a:scrgbClr r="0" g="0" b="0"/>
+      </a:lnRef>
+      <a:fillRef idx="1">
+        <a:scrgbClr r="0" g="0" b="0"/>
+      </a:fillRef>
+      <a:effectRef idx="1">
+        <a:scrgbClr r="0" g="0" b="0"/>
+      </a:effectRef>
+      <a:fontRef idx="minor">
+        <a:schemeClr val="lt1"/>
+      </a:fontRef>
+    </dgm:style>
+  </dgm:styleLbl>
+  <dgm:styleLbl name="parChTrans2D2">
+    <dgm:scene3d>
+      <a:camera prst="orthographicFront"/>
+      <a:lightRig rig="threePt" dir="t"/>
+    </dgm:scene3d>
+    <dgm:sp3d/>
+    <dgm:txPr/>
+    <dgm:style>
+      <a:lnRef idx="3">
+        <a:scrgbClr r="0" g="0" b="0"/>
+      </a:lnRef>
+      <a:fillRef idx="1">
+        <a:scrgbClr r="0" g="0" b="0"/>
+      </a:fillRef>
+      <a:effectRef idx="1">
+        <a:scrgbClr r="0" g="0" b="0"/>
+      </a:effectRef>
+      <a:fontRef idx="minor">
+        <a:schemeClr val="lt1"/>
+      </a:fontRef>
+    </dgm:style>
+  </dgm:styleLbl>
+  <dgm:styleLbl name="parChTrans2D3">
+    <dgm:scene3d>
+      <a:camera prst="orthographicFront"/>
+      <a:lightRig rig="threePt" dir="t"/>
+    </dgm:scene3d>
+    <dgm:sp3d/>
+    <dgm:txPr/>
+    <dgm:style>
+      <a:lnRef idx="3">
+        <a:scrgbClr r="0" g="0" b="0"/>
+      </a:lnRef>
+      <a:fillRef idx="1">
+        <a:scrgbClr r="0" g="0" b="0"/>
+      </a:fillRef>
+      <a:effectRef idx="1">
+        <a:scrgbClr r="0" g="0" b="0"/>
+      </a:effectRef>
+      <a:fontRef idx="minor">
+        <a:schemeClr val="lt1"/>
+      </a:fontRef>
+    </dgm:style>
+  </dgm:styleLbl>
+  <dgm:styleLbl name="parChTrans2D4">
+    <dgm:scene3d>
+      <a:camera prst="orthographicFront"/>
+      <a:lightRig rig="threePt" dir="t"/>
+    </dgm:scene3d>
+    <dgm:sp3d/>
+    <dgm:txPr/>
+    <dgm:style>
+      <a:lnRef idx="3">
+        <a:scrgbClr r="0" g="0" b="0"/>
+      </a:lnRef>
+      <a:fillRef idx="1">
+        <a:scrgbClr r="0" g="0" b="0"/>
+      </a:fillRef>
+      <a:effectRef idx="1">
+        <a:scrgbClr r="0" g="0" b="0"/>
+      </a:effectRef>
+      <a:fontRef idx="minor">
+        <a:schemeClr val="lt1"/>
+      </a:fontRef>
+    </dgm:style>
+  </dgm:styleLbl>
+  <dgm:styleLbl name="parChTrans1D1">
+    <dgm:scene3d>
+      <a:camera prst="orthographicFront"/>
+      <a:lightRig rig="threePt" dir="t"/>
+    </dgm:scene3d>
+    <dgm:sp3d/>
+    <dgm:txPr/>
+    <dgm:style>
+      <a:lnRef idx="2">
+        <a:scrgbClr r="0" g="0" b="0"/>
+      </a:lnRef>
+      <a:fillRef idx="0">
+        <a:scrgbClr r="0" g="0" b="0"/>
+      </a:fillRef>
+      <a:effectRef idx="0">
+        <a:scrgbClr r="0" g="0" b="0"/>
+      </a:effectRef>
+      <a:fontRef idx="minor"/>
+    </dgm:style>
+  </dgm:styleLbl>
+  <dgm:styleLbl name="parChTrans1D2">
+    <dgm:scene3d>
+      <a:camera prst="orthographicFront"/>
+      <a:lightRig rig="threePt" dir="t"/>
+    </dgm:scene3d>
+    <dgm:sp3d/>
+    <dgm:txPr/>
+    <dgm:style>
+      <a:lnRef idx="2">
+        <a:scrgbClr r="0" g="0" b="0"/>
+      </a:lnRef>
+      <a:fillRef idx="0">
+        <a:scrgbClr r="0" g="0" b="0"/>
+      </a:fillRef>
+      <a:effectRef idx="0">
+        <a:scrgbClr r="0" g="0" b="0"/>
+      </a:effectRef>
+      <a:fontRef idx="minor"/>
+    </dgm:style>
+  </dgm:styleLbl>
+  <dgm:styleLbl name="parChTrans1D3">
+    <dgm:scene3d>
+      <a:camera prst="orthographicFront"/>
+      <a:lightRig rig="threePt" dir="t"/>
+    </dgm:scene3d>
+    <dgm:sp3d/>
+    <dgm:txPr/>
+    <dgm:style>
+      <a:lnRef idx="2">
+        <a:scrgbClr r="0" g="0" b="0"/>
+      </a:lnRef>
+      <a:fillRef idx="0">
+        <a:scrgbClr r="0" g="0" b="0"/>
+      </a:fillRef>
+      <a:effectRef idx="0">
+        <a:scrgbClr r="0" g="0" b="0"/>
+      </a:effectRef>
+      <a:fontRef idx="minor"/>
+    </dgm:style>
+  </dgm:styleLbl>
+  <dgm:styleLbl name="parChTrans1D4">
+    <dgm:scene3d>
+      <a:camera prst="orthographicFront"/>
+      <a:lightRig rig="threePt" dir="t"/>
+    </dgm:scene3d>
+    <dgm:sp3d/>
+    <dgm:txPr/>
+    <dgm:style>
+      <a:lnRef idx="2">
+        <a:scrgbClr r="0" g="0" b="0"/>
+      </a:lnRef>
+      <a:fillRef idx="0">
+        <a:scrgbClr r="0" g="0" b="0"/>
+      </a:fillRef>
+      <a:effectRef idx="0">
+        <a:scrgbClr r="0" g="0" b="0"/>
+      </a:effectRef>
+      <a:fontRef idx="minor"/>
+    </dgm:style>
+  </dgm:styleLbl>
+  <dgm:styleLbl name="fgAcc1">
+    <dgm:scene3d>
+      <a:camera prst="orthographicFront"/>
+      <a:lightRig rig="threePt" dir="t"/>
+    </dgm:scene3d>
+    <dgm:sp3d/>
+    <dgm:txPr/>
+    <dgm:style>
+      <a:lnRef idx="2">
+        <a:scrgbClr r="0" g="0" b="0"/>
+      </a:lnRef>
+      <a:fillRef idx="1">
+        <a:scrgbClr r="0" g="0" b="0"/>
+      </a:fillRef>
+      <a:effectRef idx="0">
+        <a:scrgbClr r="0" g="0" b="0"/>
+      </a:effectRef>
+      <a:fontRef idx="minor"/>
+    </dgm:style>
+  </dgm:styleLbl>
+  <dgm:styleLbl name="conFgAcc1">
+    <dgm:scene3d>
+      <a:camera prst="orthographicFront"/>
+      <a:lightRig rig="threePt" dir="t"/>
+    </dgm:scene3d>
+    <dgm:sp3d/>
+    <dgm:txPr/>
+    <dgm:style>
+      <a:lnRef idx="2">
+        <a:scrgbClr r="0" g="0" b="0"/>
+      </a:lnRef>
+      <a:fillRef idx="1">
+        <a:scrgbClr r="0" g="0" b="0"/>
+      </a:fillRef>
+      <a:effectRef idx="0">
+        <a:scrgbClr r="0" g="0" b="0"/>
+      </a:effectRef>
+      <a:fontRef idx="minor"/>
+    </dgm:style>
+  </dgm:styleLbl>
+  <dgm:styleLbl name="alignAcc1">
+    <dgm:scene3d>
+      <a:camera prst="orthographicFront"/>
+      <a:lightRig rig="threePt" dir="t"/>
+    </dgm:scene3d>
+    <dgm:sp3d/>
+    <dgm:txPr/>
+    <dgm:style>
+      <a:lnRef idx="2">
+        <a:scrgbClr r="0" g="0" b="0"/>
+      </a:lnRef>
+      <a:fillRef idx="1">
+        <a:scrgbClr r="0" g="0" b="0"/>
+      </a:fillRef>
+      <a:effectRef idx="0">
+        <a:scrgbClr r="0" g="0" b="0"/>
+      </a:effectRef>
+      <a:fontRef idx="minor"/>
+    </dgm:style>
+  </dgm:styleLbl>
+  <dgm:styleLbl name="trAlignAcc1">
+    <dgm:scene3d>
+      <a:camera prst="orthographicFront"/>
+      <a:lightRig rig="threePt" dir="t"/>
+    </dgm:scene3d>
+    <dgm:sp3d/>
+    <dgm:txPr/>
+    <dgm:style>
+      <a:lnRef idx="1">
+        <a:scrgbClr r="0" g="0" b="0"/>
+      </a:lnRef>
+      <a:fillRef idx="1">
+        <a:scrgbClr r="0" g="0" b="0"/>
+      </a:fillRef>
+      <a:effectRef idx="0">
+        <a:scrgbClr r="0" g="0" b="0"/>
+      </a:effectRef>
+      <a:fontRef idx="minor"/>
+    </dgm:style>
+  </dgm:styleLbl>
+  <dgm:styleLbl name="bgAcc1">
+    <dgm:scene3d>
+      <a:camera prst="orthographicFront"/>
+      <a:lightRig rig="threePt" dir="t"/>
+    </dgm:scene3d>
+    <dgm:sp3d/>
+    <dgm:txPr/>
+    <dgm:style>
+      <a:lnRef idx="2">
+        <a:scrgbClr r="0" g="0" b="0"/>
+      </a:lnRef>
+      <a:fillRef idx="1">
+        <a:scrgbClr r="0" g="0" b="0"/>
+      </a:fillRef>
+      <a:effectRef idx="0">
+        <a:scrgbClr r="0" g="0" b="0"/>
+      </a:effectRef>
+      <a:fontRef idx="minor"/>
+    </dgm:style>
+  </dgm:styleLbl>
+  <dgm:styleLbl name="solidFgAcc1">
+    <dgm:scene3d>
+      <a:camera prst="orthographicFront"/>
+      <a:lightRig rig="threePt" dir="t"/>
+    </dgm:scene3d>
+    <dgm:sp3d/>
+    <dgm:txPr/>
+    <dgm:style>
+      <a:lnRef idx="2">
+        <a:scrgbClr r="0" g="0" b="0"/>
+      </a:lnRef>
+      <a:fillRef idx="1">
+        <a:scrgbClr r="0" g="0" b="0"/>
+      </a:fillRef>
+      <a:effectRef idx="0">
+        <a:scrgbClr r="0" g="0" b="0"/>
+      </a:effectRef>
+      <a:fontRef idx="minor"/>
+    </dgm:style>
+  </dgm:styleLbl>
+  <dgm:styleLbl name="solidAlignAcc1">
+    <dgm:scene3d>
+      <a:camera prst="orthographicFront"/>
+      <a:lightRig rig="threePt" dir="t"/>
+    </dgm:scene3d>
+    <dgm:sp3d/>
+    <dgm:txPr/>
+    <dgm:style>
+      <a:lnRef idx="2">
+        <a:scrgbClr r="0" g="0" b="0"/>
+      </a:lnRef>
+      <a:fillRef idx="1">
+        <a:scrgbClr r="0" g="0" b="0"/>
+      </a:fillRef>
+      <a:effectRef idx="0">
+        <a:scrgbClr r="0" g="0" b="0"/>
+      </a:effectRef>
+      <a:fontRef idx="minor"/>
+    </dgm:style>
+  </dgm:styleLbl>
+  <dgm:styleLbl name="solidBgAcc1">
+    <dgm:scene3d>
+      <a:camera prst="orthographicFront"/>
+      <a:lightRig rig="threePt" dir="t"/>
+    </dgm:scene3d>
+    <dgm:sp3d/>
+    <dgm:txPr/>
+    <dgm:style>
+      <a:lnRef idx="2">
+        <a:scrgbClr r="0" g="0" b="0"/>
+      </a:lnRef>
+      <a:fillRef idx="1">
+        <a:scrgbClr r="0" g="0" b="0"/>
+      </a:fillRef>
+      <a:effectRef idx="0">
+        <a:scrgbClr r="0" g="0" b="0"/>
+      </a:effectRef>
+      <a:fontRef idx="minor"/>
+    </dgm:style>
+  </dgm:styleLbl>
+  <dgm:styleLbl name="fgAccFollowNode1">
+    <dgm:scene3d>
+      <a:camera prst="orthographicFront"/>
+      <a:lightRig rig="threePt" dir="t"/>
+    </dgm:scene3d>
+    <dgm:sp3d/>
+    <dgm:txPr/>
+    <dgm:style>
+      <a:lnRef idx="2">
+        <a:scrgbClr r="0" g="0" b="0"/>
+      </a:lnRef>
+      <a:fillRef idx="1">
+        <a:scrgbClr r="0" g="0" b="0"/>
+      </a:fillRef>
+      <a:effectRef idx="0">
+        <a:scrgbClr r="0" g="0" b="0"/>
+      </a:effectRef>
+      <a:fontRef idx="minor"/>
+    </dgm:style>
+  </dgm:styleLbl>
+  <dgm:styleLbl name="alignAccFollowNode1">
+    <dgm:scene3d>
+      <a:camera prst="orthographicFront"/>
+      <a:lightRig rig="threePt" dir="t"/>
+    </dgm:scene3d>
+    <dgm:sp3d/>
+    <dgm:txPr/>
+    <dgm:style>
+      <a:lnRef idx="2">
+        <a:scrgbClr r="0" g="0" b="0"/>
+      </a:lnRef>
+      <a:fillRef idx="1">
+        <a:scrgbClr r="0" g="0" b="0"/>
+      </a:fillRef>
+      <a:effectRef idx="0">
+        <a:scrgbClr r="0" g="0" b="0"/>
+      </a:effectRef>
+      <a:fontRef idx="minor"/>
+    </dgm:style>
+  </dgm:styleLbl>
+  <dgm:styleLbl name="bgAccFollowNode1">
+    <dgm:scene3d>
+      <a:camera prst="orthographicFront"/>
+      <a:lightRig rig="threePt" dir="t"/>
+    </dgm:scene3d>
+    <dgm:sp3d/>
+    <dgm:txPr/>
+    <dgm:style>
+      <a:lnRef idx="2">
+        <a:scrgbClr r="0" g="0" b="0"/>
+      </a:lnRef>
+      <a:fillRef idx="1">
+        <a:scrgbClr r="0" g="0" b="0"/>
+      </a:fillRef>
+      <a:effectRef idx="0">
+        <a:scrgbClr r="0" g="0" b="0"/>
+      </a:effectRef>
+      <a:fontRef idx="minor"/>
+    </dgm:style>
+  </dgm:styleLbl>
+  <dgm:styleLbl name="fgAcc0">
+    <dgm:scene3d>
+      <a:camera prst="orthographicFront"/>
+      <a:lightRig rig="threePt" dir="t"/>
+    </dgm:scene3d>
+    <dgm:sp3d/>
+    <dgm:txPr/>
+    <dgm:style>
+      <a:lnRef idx="2">
+        <a:scrgbClr r="0" g="0" b="0"/>
+      </a:lnRef>
+      <a:fillRef idx="1">
+        <a:scrgbClr r="0" g="0" b="0"/>
+      </a:fillRef>
+      <a:effectRef idx="0">
+        <a:scrgbClr r="0" g="0" b="0"/>
+      </a:effectRef>
+      <a:fontRef idx="minor"/>
+    </dgm:style>
+  </dgm:styleLbl>
+  <dgm:styleLbl name="fgAcc2">
+    <dgm:scene3d>
+      <a:camera prst="orthographicFront"/>
+      <a:lightRig rig="threePt" dir="t"/>
+    </dgm:scene3d>
+    <dgm:sp3d/>
+    <dgm:txPr/>
+    <dgm:style>
+      <a:lnRef idx="2">
+        <a:scrgbClr r="0" g="0" b="0"/>
+      </a:lnRef>
+      <a:fillRef idx="1">
+        <a:scrgbClr r="0" g="0" b="0"/>
+      </a:fillRef>
+      <a:effectRef idx="0">
+        <a:scrgbClr r="0" g="0" b="0"/>
+      </a:effectRef>
+      <a:fontRef idx="minor"/>
+    </dgm:style>
+  </dgm:styleLbl>
+  <dgm:styleLbl name="fgAcc3">
+    <dgm:scene3d>
+      <a:camera prst="orthographicFront"/>
+      <a:lightRig rig="threePt" dir="t"/>
+    </dgm:scene3d>
+    <dgm:sp3d/>
+    <dgm:txPr/>
+    <dgm:style>
+      <a:lnRef idx="2">
+        <a:scrgbClr r="0" g="0" b="0"/>
+      </a:lnRef>
+      <a:fillRef idx="1">
+        <a:scrgbClr r="0" g="0" b="0"/>
+      </a:fillRef>
+      <a:effectRef idx="0">
+        <a:scrgbClr r="0" g="0" b="0"/>
+      </a:effectRef>
+      <a:fontRef idx="minor"/>
+    </dgm:style>
+  </dgm:styleLbl>
+  <dgm:styleLbl name="fgAcc4">
+    <dgm:scene3d>
+      <a:camera prst="orthographicFront"/>
+      <a:lightRig rig="threePt" dir="t"/>
+    </dgm:scene3d>
+    <dgm:sp3d/>
+    <dgm:txPr/>
+    <dgm:style>
+      <a:lnRef idx="2">
+        <a:scrgbClr r="0" g="0" b="0"/>
+      </a:lnRef>
+      <a:fillRef idx="1">
+        <a:scrgbClr r="0" g="0" b="0"/>
+      </a:fillRef>
+      <a:effectRef idx="0">
+        <a:scrgbClr r="0" g="0" b="0"/>
+      </a:effectRef>
+      <a:fontRef idx="minor"/>
+    </dgm:style>
+  </dgm:styleLbl>
+  <dgm:styleLbl name="bgShp">
+    <dgm:scene3d>
+      <a:camera prst="orthographicFront"/>
+      <a:lightRig rig="threePt" dir="t"/>
+    </dgm:scene3d>
+    <dgm:sp3d/>
+    <dgm:txPr/>
+    <dgm:style>
+      <a:lnRef idx="0">
+        <a:scrgbClr r="0" g="0" b="0"/>
+      </a:lnRef>
+      <a:fillRef idx="1">
+        <a:scrgbClr r="0" g="0" b="0"/>
+      </a:fillRef>
+      <a:effectRef idx="0">
+        <a:scrgbClr r="0" g="0" b="0"/>
+      </a:effectRef>
+      <a:fontRef idx="minor"/>
+    </dgm:style>
+  </dgm:styleLbl>
+  <dgm:styleLbl name="dkBgShp">
+    <dgm:scene3d>
+      <a:camera prst="orthographicFront"/>
+      <a:lightRig rig="threePt" dir="t"/>
+    </dgm:scene3d>
+    <dgm:sp3d/>
+    <dgm:txPr/>
+    <dgm:style>
+      <a:lnRef idx="0">
+        <a:scrgbClr r="0" g="0" b="0"/>
+      </a:lnRef>
+      <a:fillRef idx="1">
+        <a:scrgbClr r="0" g="0" b="0"/>
+      </a:fillRef>
+      <a:effectRef idx="0">
+        <a:scrgbClr r="0" g="0" b="0"/>
+      </a:effectRef>
+      <a:fontRef idx="minor"/>
+    </dgm:style>
+  </dgm:styleLbl>
+  <dgm:styleLbl name="trBgShp">
+    <dgm:scene3d>
+      <a:camera prst="orthographicFront"/>
+      <a:lightRig rig="threePt" dir="t"/>
+    </dgm:scene3d>
+    <dgm:sp3d/>
+    <dgm:txPr/>
+    <dgm:style>
+      <a:lnRef idx="0">
+        <a:scrgbClr r="0" g="0" b="0"/>
+      </a:lnRef>
+      <a:fillRef idx="1">
+        <a:scrgbClr r="0" g="0" b="0"/>
+      </a:fillRef>
+      <a:effectRef idx="0">
+        <a:scrgbClr r="0" g="0" b="0"/>
+      </a:effectRef>
+      <a:fontRef idx="minor"/>
+    </dgm:style>
+  </dgm:styleLbl>
+  <dgm:styleLbl name="fgShp">
+    <dgm:scene3d>
+      <a:camera prst="orthographicFront"/>
+      <a:lightRig rig="threePt" dir="t"/>
+    </dgm:scene3d>
+    <dgm:sp3d/>
+    <dgm:txPr/>
+    <dgm:style>
+      <a:lnRef idx="3">
+        <a:scrgbClr r="0" g="0" b="0"/>
+      </a:lnRef>
+      <a:fillRef idx="1">
+        <a:scrgbClr r="0" g="0" b="0"/>
+      </a:fillRef>
+      <a:effectRef idx="1">
+        <a:scrgbClr r="0" g="0" b="0"/>
+      </a:effectRef>
+      <a:fontRef idx="minor"/>
+    </dgm:style>
+  </dgm:styleLbl>
+  <dgm:styleLbl name="revTx">
+    <dgm:scene3d>
+      <a:camera prst="orthographicFront"/>
+      <a:lightRig rig="threePt" dir="t"/>
+    </dgm:scene3d>
+    <dgm:sp3d/>
+    <dgm:txPr/>
+    <dgm:style>
+      <a:lnRef idx="0">
+        <a:scrgbClr r="0" g="0" b="0"/>
+      </a:lnRef>
+      <a:fillRef idx="0">
+        <a:scrgbClr r="0" g="0" b="0"/>
+      </a:fillRef>
+      <a:effectRef idx="0">
+        <a:scrgbClr r="0" g="0" b="0"/>
+      </a:effectRef>
+      <a:fontRef idx="minor"/>
+    </dgm:style>
+  </dgm:styleLbl>
+</dgm:styleDef>
+</file>
+
+<file path=ppt/diagrams/quickStyle2.xml><?xml version="1.0" encoding="utf-8"?>
+<dgm:styleDef xmlns:dgm="http://schemas.openxmlformats.org/drawingml/2006/diagram" xmlns:a="http://schemas.openxmlformats.org/drawingml/2006/main" uniqueId="urn:microsoft.com/office/officeart/2005/8/quickstyle/simple2">
+  <dgm:title val=""/>
+  <dgm:desc val=""/>
+  <dgm:catLst>
+    <dgm:cat type="simple" pri="10200"/>
+  </dgm:catLst>
+  <dgm:scene3d>
+    <a:camera prst="orthographicFront"/>
+    <a:lightRig rig="threePt" dir="t"/>
+  </dgm:scene3d>
+  <dgm:styleLbl name="node0">
+    <dgm:scene3d>
+      <a:camera prst="orthographicFront"/>
+      <a:lightRig rig="threePt" dir="t"/>
+    </dgm:scene3d>
+    <dgm:sp3d/>
+    <dgm:txPr/>
+    <dgm:style>
+      <a:lnRef idx="3">
+        <a:scrgbClr r="0" g="0" b="0"/>
+      </a:lnRef>
+      <a:fillRef idx="1">
+        <a:scrgbClr r="0" g="0" b="0"/>
+      </a:fillRef>
+      <a:effectRef idx="1">
+        <a:scrgbClr r="0" g="0" b="0"/>
+      </a:effectRef>
+      <a:fontRef idx="minor">
+        <a:schemeClr val="lt1"/>
+      </a:fontRef>
+    </dgm:style>
+  </dgm:styleLbl>
+  <dgm:styleLbl name="lnNode1">
+    <dgm:scene3d>
+      <a:camera prst="orthographicFront"/>
+      <a:lightRig rig="threePt" dir="t"/>
+    </dgm:scene3d>
+    <dgm:sp3d/>
+    <dgm:txPr/>
+    <dgm:style>
+      <a:lnRef idx="3">
+        <a:scrgbClr r="0" g="0" b="0"/>
+      </a:lnRef>
+      <a:fillRef idx="1">
+        <a:scrgbClr r="0" g="0" b="0"/>
+      </a:fillRef>
+      <a:effectRef idx="1">
+        <a:scrgbClr r="0" g="0" b="0"/>
+      </a:effectRef>
+      <a:fontRef idx="minor">
+        <a:schemeClr val="lt1"/>
+      </a:fontRef>
+    </dgm:style>
+  </dgm:styleLbl>
+  <dgm:styleLbl name="vennNode1">
+    <dgm:scene3d>
+      <a:camera prst="orthographicFront"/>
+      <a:lightRig rig="threePt" dir="t"/>
+    </dgm:scene3d>
+    <dgm:sp3d/>
+    <dgm:txPr/>
+    <dgm:style>
+      <a:lnRef idx="3">
+        <a:scrgbClr r="0" g="0" b="0"/>
+      </a:lnRef>
+      <a:fillRef idx="1">
+        <a:scrgbClr r="0" g="0" b="0"/>
+      </a:fillRef>
+      <a:effectRef idx="0">
+        <a:scrgbClr r="0" g="0" b="0"/>
+      </a:effectRef>
+      <a:fontRef idx="minor">
+        <a:schemeClr val="tx1"/>
+      </a:fontRef>
+    </dgm:style>
+  </dgm:styleLbl>
+  <dgm:styleLbl name="alignNode1">
+    <dgm:scene3d>
+      <a:camera prst="orthographicFront"/>
+      <a:lightRig rig="threePt" dir="t"/>
+    </dgm:scene3d>
+    <dgm:sp3d/>
+    <dgm:txPr/>
+    <dgm:style>
+      <a:lnRef idx="2">
+        <a:scrgbClr r="0" g="0" b="0"/>
+      </a:lnRef>
+      <a:fillRef idx="1">
+        <a:scrgbClr r="0" g="0" b="0"/>
+      </a:fillRef>
+      <a:effectRef idx="1">
+        <a:scrgbClr r="0" g="0" b="0"/>
+      </a:effectRef>
+      <a:fontRef idx="minor">
+        <a:schemeClr val="lt1"/>
+      </a:fontRef>
+    </dgm:style>
+  </dgm:styleLbl>
+  <dgm:styleLbl name="node1">
+    <dgm:scene3d>
+      <a:camera prst="orthographicFront"/>
+      <a:lightRig rig="threePt" dir="t"/>
+    </dgm:scene3d>
+    <dgm:sp3d/>
+    <dgm:txPr/>
+    <dgm:style>
+      <a:lnRef idx="3">
+        <a:scrgbClr r="0" g="0" b="0"/>
+      </a:lnRef>
+      <a:fillRef idx="1">
+        <a:scrgbClr r="0" g="0" b="0"/>
+      </a:fillRef>
+      <a:effectRef idx="1">
+        <a:scrgbClr r="0" g="0" b="0"/>
+      </a:effectRef>
+      <a:fontRef idx="minor">
+        <a:schemeClr val="lt1"/>
+      </a:fontRef>
+    </dgm:style>
+  </dgm:styleLbl>
+  <dgm:styleLbl name="node2">
+    <dgm:scene3d>
+      <a:camera prst="orthographicFront"/>
+      <a:lightRig rig="threePt" dir="t"/>
+    </dgm:scene3d>
+    <dgm:sp3d/>
+    <dgm:txPr/>
+    <dgm:style>
+      <a:lnRef idx="3">
+        <a:scrgbClr r="0" g="0" b="0"/>
+      </a:lnRef>
+      <a:fillRef idx="1">
+        <a:scrgbClr r="0" g="0" b="0"/>
+      </a:fillRef>
+      <a:effectRef idx="1">
+        <a:scrgbClr r="0" g="0" b="0"/>
+      </a:effectRef>
+      <a:fontRef idx="minor">
+        <a:schemeClr val="lt1"/>
+      </a:fontRef>
+    </dgm:style>
+  </dgm:styleLbl>
+  <dgm:styleLbl name="node3">
+    <dgm:scene3d>
+      <a:camera prst="orthographicFront"/>
+      <a:lightRig rig="threePt" dir="t"/>
+    </dgm:scene3d>
+    <dgm:sp3d/>
+    <dgm:txPr/>
+    <dgm:style>
+      <a:lnRef idx="3">
+        <a:scrgbClr r="0" g="0" b="0"/>
+      </a:lnRef>
+      <a:fillRef idx="1">
+        <a:scrgbClr r="0" g="0" b="0"/>
+      </a:fillRef>
+      <a:effectRef idx="1">
+        <a:scrgbClr r="0" g="0" b="0"/>
+      </a:effectRef>
+      <a:fontRef idx="minor">
+        <a:schemeClr val="lt1"/>
+      </a:fontRef>
+    </dgm:style>
+  </dgm:styleLbl>
+  <dgm:styleLbl name="node4">
+    <dgm:scene3d>
+      <a:camera prst="orthographicFront"/>
+      <a:lightRig rig="threePt" dir="t"/>
+    </dgm:scene3d>
+    <dgm:sp3d/>
+    <dgm:txPr/>
+    <dgm:style>
+      <a:lnRef idx="3">
+        <a:scrgbClr r="0" g="0" b="0"/>
+      </a:lnRef>
+      <a:fillRef idx="1">
+        <a:scrgbClr r="0" g="0" b="0"/>
+      </a:fillRef>
+      <a:effectRef idx="1">
+        <a:scrgbClr r="0" g="0" b="0"/>
+      </a:effectRef>
+      <a:fontRef idx="minor">
+        <a:schemeClr val="lt1"/>
+      </a:fontRef>
+    </dgm:style>
+  </dgm:styleLbl>
+  <dgm:styleLbl name="fgImgPlace1">
+    <dgm:scene3d>
+      <a:camera prst="orthographicFront"/>
+      <a:lightRig rig="threePt" dir="t"/>
+    </dgm:scene3d>
+    <dgm:sp3d/>
+    <dgm:txPr/>
+    <dgm:style>
+      <a:lnRef idx="3">
+        <a:scrgbClr r="0" g="0" b="0"/>
+      </a:lnRef>
+      <a:fillRef idx="1">
+        <a:scrgbClr r="0" g="0" b="0"/>
+      </a:fillRef>
+      <a:effectRef idx="1">
+        <a:scrgbClr r="0" g="0" b="0"/>
+      </a:effectRef>
+      <a:fontRef idx="minor"/>
+    </dgm:style>
+  </dgm:styleLbl>
+  <dgm:styleLbl name="alignImgPlace1">
+    <dgm:scene3d>
+      <a:camera prst="orthographicFront"/>
+      <a:lightRig rig="threePt" dir="t"/>
+    </dgm:scene3d>
+    <dgm:sp3d/>
+    <dgm:txPr/>
+    <dgm:style>
+      <a:lnRef idx="3">
+        <a:scrgbClr r="0" g="0" b="0"/>
+      </a:lnRef>
+      <a:fillRef idx="1">
+        <a:scrgbClr r="0" g="0" b="0"/>
+      </a:fillRef>
+      <a:effectRef idx="1">
+        <a:scrgbClr r="0" g="0" b="0"/>
+      </a:effectRef>
+      <a:fontRef idx="minor"/>
+    </dgm:style>
+  </dgm:styleLbl>
+  <dgm:styleLbl name="bgImgPlace1">
+    <dgm:scene3d>
+      <a:camera prst="orthographicFront"/>
+      <a:lightRig rig="threePt" dir="t"/>
+    </dgm:scene3d>
+    <dgm:sp3d/>
+    <dgm:txPr/>
+    <dgm:style>
+      <a:lnRef idx="3">
+        <a:scrgbClr r="0" g="0" b="0"/>
+      </a:lnRef>
+      <a:fillRef idx="1">
+        <a:scrgbClr r="0" g="0" b="0"/>
+      </a:fillRef>
+      <a:effectRef idx="1">
+        <a:scrgbClr r="0" g="0" b="0"/>
+      </a:effectRef>
+      <a:fontRef idx="minor"/>
+    </dgm:style>
+  </dgm:styleLbl>
+  <dgm:styleLbl name="sibTrans2D1">
+    <dgm:scene3d>
+      <a:camera prst="orthographicFront"/>
+      <a:lightRig rig="threePt" dir="t"/>
+    </dgm:scene3d>
+    <dgm:sp3d/>
+    <dgm:txPr/>
+    <dgm:style>
+      <a:lnRef idx="0">
+        <a:scrgbClr r="0" g="0" b="0"/>
+      </a:lnRef>
+      <a:fillRef idx="1">
+        <a:scrgbClr r="0" g="0" b="0"/>
+      </a:fillRef>
+      <a:effectRef idx="1">
+        <a:scrgbClr r="0" g="0" b="0"/>
+      </a:effectRef>
+      <a:fontRef idx="minor">
+        <a:schemeClr val="lt1"/>
+      </a:fontRef>
+    </dgm:style>
+  </dgm:styleLbl>
+  <dgm:styleLbl name="fgSibTrans2D1">
+    <dgm:scene3d>
+      <a:camera prst="orthographicFront"/>
+      <a:lightRig rig="threePt" dir="t"/>
+    </dgm:scene3d>
+    <dgm:sp3d/>
+    <dgm:txPr/>
+    <dgm:style>
+      <a:lnRef idx="0">
+        <a:scrgbClr r="0" g="0" b="0"/>
+      </a:lnRef>
+      <a:fillRef idx="1">
+        <a:scrgbClr r="0" g="0" b="0"/>
+      </a:fillRef>
+      <a:effectRef idx="1">
+        <a:scrgbClr r="0" g="0" b="0"/>
+      </a:effectRef>
+      <a:fontRef idx="minor">
+        <a:schemeClr val="lt1"/>
+      </a:fontRef>
+    </dgm:style>
+  </dgm:styleLbl>
+  <dgm:styleLbl name="bgSibTrans2D1">
+    <dgm:scene3d>
+      <a:camera prst="orthographicFront"/>
+      <a:lightRig rig="threePt" dir="t"/>
+    </dgm:scene3d>
+    <dgm:sp3d/>
+    <dgm:txPr/>
+    <dgm:style>
+      <a:lnRef idx="0">
+        <a:scrgbClr r="0" g="0" b="0"/>
+      </a:lnRef>
+      <a:fillRef idx="1">
+        <a:scrgbClr r="0" g="0" b="0"/>
+      </a:fillRef>
+      <a:effectRef idx="1">
+        <a:scrgbClr r="0" g="0" b="0"/>
+      </a:effectRef>
+      <a:fontRef idx="minor">
+        <a:schemeClr val="lt1"/>
+      </a:fontRef>
+    </dgm:style>
+  </dgm:styleLbl>
+  <dgm:styleLbl name="sibTrans1D1">
+    <dgm:scene3d>
+      <a:camera prst="orthographicFront"/>
+      <a:lightRig rig="threePt" dir="t"/>
+    </dgm:scene3d>
+    <dgm:sp3d/>
+    <dgm:txPr/>
+    <dgm:style>
+      <a:lnRef idx="1">
+        <a:scrgbClr r="0" g="0" b="0"/>
+      </a:lnRef>
+      <a:fillRef idx="0">
+        <a:scrgbClr r="0" g="0" b="0"/>
+      </a:fillRef>
+      <a:effectRef idx="0">
+        <a:scrgbClr r="0" g="0" b="0"/>
+      </a:effectRef>
+      <a:fontRef idx="minor"/>
+    </dgm:style>
+  </dgm:styleLbl>
+  <dgm:styleLbl name="callout">
+    <dgm:scene3d>
+      <a:camera prst="orthographicFront"/>
+      <a:lightRig rig="threePt" dir="t"/>
+    </dgm:scene3d>
+    <dgm:sp3d/>
+    <dgm:txPr/>
+    <dgm:style>
+      <a:lnRef idx="2">
+        <a:scrgbClr r="0" g="0" b="0"/>
+      </a:lnRef>
+      <a:fillRef idx="1">
+        <a:scrgbClr r="0" g="0" b="0"/>
+      </a:fillRef>
+      <a:effectRef idx="1">
+        <a:scrgbClr r="0" g="0" b="0"/>
+      </a:effectRef>
+      <a:fontRef idx="minor"/>
+    </dgm:style>
+  </dgm:styleLbl>
+  <dgm:styleLbl name="asst0">
+    <dgm:scene3d>
+      <a:camera prst="orthographicFront"/>
+      <a:lightRig rig="threePt" dir="t"/>
+    </dgm:scene3d>
+    <dgm:sp3d/>
+    <dgm:txPr/>
+    <dgm:style>
+      <a:lnRef idx="3">
+        <a:scrgbClr r="0" g="0" b="0"/>
+      </a:lnRef>
+      <a:fillRef idx="1">
+        <a:scrgbClr r="0" g="0" b="0"/>
+      </a:fillRef>
+      <a:effectRef idx="1">
+        <a:scrgbClr r="0" g="0" b="0"/>
+      </a:effectRef>
+      <a:fontRef idx="minor">
+        <a:schemeClr val="lt1"/>
+      </a:fontRef>
+    </dgm:style>
+  </dgm:styleLbl>
+  <dgm:styleLbl name="asst1">
+    <dgm:scene3d>
+      <a:camera prst="orthographicFront"/>
+      <a:lightRig rig="threePt" dir="t"/>
+    </dgm:scene3d>
+    <dgm:sp3d/>
+    <dgm:txPr/>
+    <dgm:style>
+      <a:lnRef idx="3">
+        <a:scrgbClr r="0" g="0" b="0"/>
+      </a:lnRef>
+      <a:fillRef idx="1">
+        <a:scrgbClr r="0" g="0" b="0"/>
+      </a:fillRef>
+      <a:effectRef idx="1">
+        <a:scrgbClr r="0" g="0" b="0"/>
+      </a:effectRef>
+      <a:fontRef idx="minor">
+        <a:schemeClr val="lt1"/>
+      </a:fontRef>
+    </dgm:style>
+  </dgm:styleLbl>
+  <dgm:styleLbl name="asst2">
+    <dgm:scene3d>
+      <a:camera prst="orthographicFront"/>
+      <a:lightRig rig="threePt" dir="t"/>
+    </dgm:scene3d>
+    <dgm:sp3d/>
+    <dgm:txPr/>
+    <dgm:style>
+      <a:lnRef idx="3">
+        <a:scrgbClr r="0" g="0" b="0"/>
+      </a:lnRef>
+      <a:fillRef idx="1">
+        <a:scrgbClr r="0" g="0" b="0"/>
+      </a:fillRef>
+      <a:effectRef idx="1">
+        <a:scrgbClr r="0" g="0" b="0"/>
+      </a:effectRef>
+      <a:fontRef idx="minor">
+        <a:schemeClr val="lt1"/>
+      </a:fontRef>
+    </dgm:style>
+  </dgm:styleLbl>
+  <dgm:styleLbl name="asst3">
+    <dgm:scene3d>
+      <a:camera prst="orthographicFront"/>
+      <a:lightRig rig="threePt" dir="t"/>
+    </dgm:scene3d>
+    <dgm:sp3d/>
+    <dgm:txPr/>
+    <dgm:style>
+      <a:lnRef idx="3">
+        <a:scrgbClr r="0" g="0" b="0"/>
+      </a:lnRef>
+      <a:fillRef idx="1">
+        <a:scrgbClr r="0" g="0" b="0"/>
+      </a:fillRef>
+      <a:effectRef idx="1">
+        <a:scrgbClr r="0" g="0" b="0"/>
+      </a:effectRef>
+      <a:fontRef idx="minor">
+        <a:schemeClr val="lt1"/>
+      </a:fontRef>
+    </dgm:style>
+  </dgm:styleLbl>
+  <dgm:styleLbl name="asst4">
+    <dgm:scene3d>
+      <a:camera prst="orthographicFront"/>
+      <a:lightRig rig="threePt" dir="t"/>
+    </dgm:scene3d>
+    <dgm:sp3d/>
+    <dgm:txPr/>
+    <dgm:style>
+      <a:lnRef idx="3">
+        <a:scrgbClr r="0" g="0" b="0"/>
+      </a:lnRef>
+      <a:fillRef idx="1">
+        <a:scrgbClr r="0" g="0" b="0"/>
+      </a:fillRef>
+      <a:effectRef idx="1">
+        <a:scrgbClr r="0" g="0" b="0"/>
+      </a:effectRef>
+      <a:fontRef idx="minor">
+        <a:schemeClr val="lt1"/>
+      </a:fontRef>
+    </dgm:style>
+  </dgm:styleLbl>
+  <dgm:styleLbl name="parChTrans2D1">
+    <dgm:scene3d>
+      <a:camera prst="orthographicFront"/>
+      <a:lightRig rig="threePt" dir="t"/>
+    </dgm:scene3d>
+    <dgm:sp3d/>
+    <dgm:txPr/>
+    <dgm:style>
+      <a:lnRef idx="3">
+        <a:scrgbClr r="0" g="0" b="0"/>
+      </a:lnRef>
+      <a:fillRef idx="1">
+        <a:scrgbClr r="0" g="0" b="0"/>
+      </a:fillRef>
+      <a:effectRef idx="1">
+        <a:scrgbClr r="0" g="0" b="0"/>
+      </a:effectRef>
+      <a:fontRef idx="minor">
+        <a:schemeClr val="lt1"/>
+      </a:fontRef>
+    </dgm:style>
+  </dgm:styleLbl>
+  <dgm:styleLbl name="parChTrans2D2">
+    <dgm:scene3d>
+      <a:camera prst="orthographicFront"/>
+      <a:lightRig rig="threePt" dir="t"/>
+    </dgm:scene3d>
+    <dgm:sp3d/>
+    <dgm:txPr/>
+    <dgm:style>
+      <a:lnRef idx="3">
+        <a:scrgbClr r="0" g="0" b="0"/>
+      </a:lnRef>
+      <a:fillRef idx="1">
+        <a:scrgbClr r="0" g="0" b="0"/>
+      </a:fillRef>
+      <a:effectRef idx="1">
+        <a:scrgbClr r="0" g="0" b="0"/>
+      </a:effectRef>
+      <a:fontRef idx="minor">
+        <a:schemeClr val="lt1"/>
+      </a:fontRef>
+    </dgm:style>
+  </dgm:styleLbl>
+  <dgm:styleLbl name="parChTrans2D3">
+    <dgm:scene3d>
+      <a:camera prst="orthographicFront"/>
+      <a:lightRig rig="threePt" dir="t"/>
+    </dgm:scene3d>
+    <dgm:sp3d/>
+    <dgm:txPr/>
+    <dgm:style>
+      <a:lnRef idx="3">
+        <a:scrgbClr r="0" g="0" b="0"/>
+      </a:lnRef>
+      <a:fillRef idx="1">
+        <a:scrgbClr r="0" g="0" b="0"/>
+      </a:fillRef>
+      <a:effectRef idx="1">
+        <a:scrgbClr r="0" g="0" b="0"/>
+      </a:effectRef>
+      <a:fontRef idx="minor">
+        <a:schemeClr val="lt1"/>
+      </a:fontRef>
+    </dgm:style>
+  </dgm:styleLbl>
+  <dgm:styleLbl name="parChTrans2D4">
+    <dgm:scene3d>
+      <a:camera prst="orthographicFront"/>
+      <a:lightRig rig="threePt" dir="t"/>
+    </dgm:scene3d>
+    <dgm:sp3d/>
+    <dgm:txPr/>
+    <dgm:style>
+      <a:lnRef idx="3">
+        <a:scrgbClr r="0" g="0" b="0"/>
+      </a:lnRef>
+      <a:fillRef idx="1">
+        <a:scrgbClr r="0" g="0" b="0"/>
+      </a:fillRef>
+      <a:effectRef idx="1">
+        <a:scrgbClr r="0" g="0" b="0"/>
+      </a:effectRef>
+      <a:fontRef idx="minor">
+        <a:schemeClr val="lt1"/>
+      </a:fontRef>
+    </dgm:style>
+  </dgm:styleLbl>
+  <dgm:styleLbl name="parChTrans1D1">
+    <dgm:scene3d>
+      <a:camera prst="orthographicFront"/>
+      <a:lightRig rig="threePt" dir="t"/>
+    </dgm:scene3d>
+    <dgm:sp3d/>
+    <dgm:txPr/>
+    <dgm:style>
+      <a:lnRef idx="2">
+        <a:scrgbClr r="0" g="0" b="0"/>
+      </a:lnRef>
+      <a:fillRef idx="0">
+        <a:scrgbClr r="0" g="0" b="0"/>
+      </a:fillRef>
+      <a:effectRef idx="0">
+        <a:scrgbClr r="0" g="0" b="0"/>
+      </a:effectRef>
+      <a:fontRef idx="minor"/>
+    </dgm:style>
+  </dgm:styleLbl>
+  <dgm:styleLbl name="parChTrans1D2">
+    <dgm:scene3d>
+      <a:camera prst="orthographicFront"/>
+      <a:lightRig rig="threePt" dir="t"/>
+    </dgm:scene3d>
+    <dgm:sp3d/>
+    <dgm:txPr/>
+    <dgm:style>
+      <a:lnRef idx="2">
+        <a:scrgbClr r="0" g="0" b="0"/>
+      </a:lnRef>
+      <a:fillRef idx="0">
+        <a:scrgbClr r="0" g="0" b="0"/>
+      </a:fillRef>
+      <a:effectRef idx="0">
+        <a:scrgbClr r="0" g="0" b="0"/>
+      </a:effectRef>
+      <a:fontRef idx="minor"/>
+    </dgm:style>
+  </dgm:styleLbl>
+  <dgm:styleLbl name="parChTrans1D3">
+    <dgm:scene3d>
+      <a:camera prst="orthographicFront"/>
+      <a:lightRig rig="threePt" dir="t"/>
+    </dgm:scene3d>
+    <dgm:sp3d/>
+    <dgm:txPr/>
+    <dgm:style>
+      <a:lnRef idx="2">
+        <a:scrgbClr r="0" g="0" b="0"/>
+      </a:lnRef>
+      <a:fillRef idx="0">
+        <a:scrgbClr r="0" g="0" b="0"/>
+      </a:fillRef>
+      <a:effectRef idx="0">
+        <a:scrgbClr r="0" g="0" b="0"/>
+      </a:effectRef>
+      <a:fontRef idx="minor"/>
+    </dgm:style>
+  </dgm:styleLbl>
+  <dgm:styleLbl name="parChTrans1D4">
+    <dgm:scene3d>
+      <a:camera prst="orthographicFront"/>
+      <a:lightRig rig="threePt" dir="t"/>
+    </dgm:scene3d>
+    <dgm:sp3d/>
+    <dgm:txPr/>
+    <dgm:style>
+      <a:lnRef idx="2">
+        <a:scrgbClr r="0" g="0" b="0"/>
+      </a:lnRef>
+      <a:fillRef idx="0">
+        <a:scrgbClr r="0" g="0" b="0"/>
+      </a:fillRef>
+      <a:effectRef idx="0">
+        <a:scrgbClr r="0" g="0" b="0"/>
+      </a:effectRef>
+      <a:fontRef idx="minor"/>
+    </dgm:style>
+  </dgm:styleLbl>
+  <dgm:styleLbl name="fgAcc1">
+    <dgm:scene3d>
+      <a:camera prst="orthographicFront"/>
+      <a:lightRig rig="threePt" dir="t"/>
+    </dgm:scene3d>
+    <dgm:sp3d/>
+    <dgm:txPr/>
+    <dgm:style>
+      <a:lnRef idx="2">
+        <a:scrgbClr r="0" g="0" b="0"/>
+      </a:lnRef>
+      <a:fillRef idx="1">
+        <a:scrgbClr r="0" g="0" b="0"/>
+      </a:fillRef>
+      <a:effectRef idx="0">
+        <a:scrgbClr r="0" g="0" b="0"/>
+      </a:effectRef>
+      <a:fontRef idx="minor"/>
+    </dgm:style>
+  </dgm:styleLbl>
+  <dgm:styleLbl name="conFgAcc1">
+    <dgm:scene3d>
+      <a:camera prst="orthographicFront"/>
+      <a:lightRig rig="threePt" dir="t"/>
+    </dgm:scene3d>
+    <dgm:sp3d/>
+    <dgm:txPr/>
+    <dgm:style>
+      <a:lnRef idx="2">
+        <a:scrgbClr r="0" g="0" b="0"/>
+      </a:lnRef>
+      <a:fillRef idx="1">
+        <a:scrgbClr r="0" g="0" b="0"/>
+      </a:fillRef>
+      <a:effectRef idx="0">
+        <a:scrgbClr r="0" g="0" b="0"/>
+      </a:effectRef>
+      <a:fontRef idx="minor"/>
+    </dgm:style>
+  </dgm:styleLbl>
+  <dgm:styleLbl name="alignAcc1">
+    <dgm:scene3d>
+      <a:camera prst="orthographicFront"/>
+      <a:lightRig rig="threePt" dir="t"/>
+    </dgm:scene3d>
+    <dgm:sp3d/>
+    <dgm:txPr/>
+    <dgm:style>
+      <a:lnRef idx="2">
+        <a:scrgbClr r="0" g="0" b="0"/>
+      </a:lnRef>
+      <a:fillRef idx="1">
+        <a:scrgbClr r="0" g="0" b="0"/>
+      </a:fillRef>
+      <a:effectRef idx="0">
+        <a:scrgbClr r="0" g="0" b="0"/>
+      </a:effectRef>
+      <a:fontRef idx="minor"/>
+    </dgm:style>
+  </dgm:styleLbl>
+  <dgm:styleLbl name="trAlignAcc1">
+    <dgm:scene3d>
+      <a:camera prst="orthographicFront"/>
+      <a:lightRig rig="threePt" dir="t"/>
+    </dgm:scene3d>
+    <dgm:sp3d/>
+    <dgm:txPr/>
+    <dgm:style>
+      <a:lnRef idx="1">
+        <a:scrgbClr r="0" g="0" b="0"/>
+      </a:lnRef>
+      <a:fillRef idx="1">
+        <a:scrgbClr r="0" g="0" b="0"/>
+      </a:fillRef>
+      <a:effectRef idx="0">
+        <a:scrgbClr r="0" g="0" b="0"/>
+      </a:effectRef>
+      <a:fontRef idx="minor"/>
+    </dgm:style>
+  </dgm:styleLbl>
+  <dgm:styleLbl name="bgAcc1">
+    <dgm:scene3d>
+      <a:camera prst="orthographicFront"/>
+      <a:lightRig rig="threePt" dir="t"/>
+    </dgm:scene3d>
+    <dgm:sp3d/>
+    <dgm:txPr/>
+    <dgm:style>
+      <a:lnRef idx="2">
+        <a:scrgbClr r="0" g="0" b="0"/>
+      </a:lnRef>
+      <a:fillRef idx="1">
+        <a:scrgbClr r="0" g="0" b="0"/>
+      </a:fillRef>
+      <a:effectRef idx="0">
+        <a:scrgbClr r="0" g="0" b="0"/>
+      </a:effectRef>
+      <a:fontRef idx="minor"/>
+    </dgm:style>
+  </dgm:styleLbl>
+  <dgm:styleLbl name="solidFgAcc1">
+    <dgm:scene3d>
+      <a:camera prst="orthographicFront"/>
+      <a:lightRig rig="threePt" dir="t"/>
+    </dgm:scene3d>
+    <dgm:sp3d/>
+    <dgm:txPr/>
+    <dgm:style>
+      <a:lnRef idx="2">
+        <a:scrgbClr r="0" g="0" b="0"/>
+      </a:lnRef>
+      <a:fillRef idx="1">
+        <a:scrgbClr r="0" g="0" b="0"/>
+      </a:fillRef>
+      <a:effectRef idx="0">
+        <a:scrgbClr r="0" g="0" b="0"/>
+      </a:effectRef>
+      <a:fontRef idx="minor"/>
+    </dgm:style>
+  </dgm:styleLbl>
+  <dgm:styleLbl name="solidAlignAcc1">
+    <dgm:scene3d>
+      <a:camera prst="orthographicFront"/>
+      <a:lightRig rig="threePt" dir="t"/>
+    </dgm:scene3d>
+    <dgm:sp3d/>
+    <dgm:txPr/>
+    <dgm:style>
+      <a:lnRef idx="2">
+        <a:scrgbClr r="0" g="0" b="0"/>
+      </a:lnRef>
+      <a:fillRef idx="1">
+        <a:scrgbClr r="0" g="0" b="0"/>
+      </a:fillRef>
+      <a:effectRef idx="0">
+        <a:scrgbClr r="0" g="0" b="0"/>
+      </a:effectRef>
+      <a:fontRef idx="minor"/>
+    </dgm:style>
+  </dgm:styleLbl>
+  <dgm:styleLbl name="solidBgAcc1">
+    <dgm:scene3d>
+      <a:camera prst="orthographicFront"/>
+      <a:lightRig rig="threePt" dir="t"/>
+    </dgm:scene3d>
+    <dgm:sp3d/>
+    <dgm:txPr/>
+    <dgm:style>
+      <a:lnRef idx="2">
+        <a:scrgbClr r="0" g="0" b="0"/>
+      </a:lnRef>
+      <a:fillRef idx="1">
+        <a:scrgbClr r="0" g="0" b="0"/>
+      </a:fillRef>
+      <a:effectRef idx="0">
+        <a:scrgbClr r="0" g="0" b="0"/>
+      </a:effectRef>
+      <a:fontRef idx="minor"/>
+    </dgm:style>
+  </dgm:styleLbl>
+  <dgm:styleLbl name="fgAccFollowNode1">
+    <dgm:scene3d>
+      <a:camera prst="orthographicFront"/>
+      <a:lightRig rig="threePt" dir="t"/>
+    </dgm:scene3d>
+    <dgm:sp3d/>
+    <dgm:txPr/>
+    <dgm:style>
+      <a:lnRef idx="2">
+        <a:scrgbClr r="0" g="0" b="0"/>
+      </a:lnRef>
+      <a:fillRef idx="1">
+        <a:scrgbClr r="0" g="0" b="0"/>
+      </a:fillRef>
+      <a:effectRef idx="0">
+        <a:scrgbClr r="0" g="0" b="0"/>
+      </a:effectRef>
+      <a:fontRef idx="minor"/>
+    </dgm:style>
+  </dgm:styleLbl>
+  <dgm:styleLbl name="alignAccFollowNode1">
+    <dgm:scene3d>
+      <a:camera prst="orthographicFront"/>
+      <a:lightRig rig="threePt" dir="t"/>
+    </dgm:scene3d>
+    <dgm:sp3d/>
+    <dgm:txPr/>
+    <dgm:style>
+      <a:lnRef idx="2">
+        <a:scrgbClr r="0" g="0" b="0"/>
+      </a:lnRef>
+      <a:fillRef idx="1">
+        <a:scrgbClr r="0" g="0" b="0"/>
+      </a:fillRef>
+      <a:effectRef idx="0">
+        <a:scrgbClr r="0" g="0" b="0"/>
+      </a:effectRef>
+      <a:fontRef idx="minor"/>
+    </dgm:style>
+  </dgm:styleLbl>
+  <dgm:styleLbl name="bgAccFollowNode1">
+    <dgm:scene3d>
+      <a:camera prst="orthographicFront"/>
+      <a:lightRig rig="threePt" dir="t"/>
+    </dgm:scene3d>
+    <dgm:sp3d/>
+    <dgm:txPr/>
+    <dgm:style>
+      <a:lnRef idx="2">
+        <a:scrgbClr r="0" g="0" b="0"/>
+      </a:lnRef>
+      <a:fillRef idx="1">
+        <a:scrgbClr r="0" g="0" b="0"/>
+      </a:fillRef>
+      <a:effectRef idx="0">
+        <a:scrgbClr r="0" g="0" b="0"/>
+      </a:effectRef>
+      <a:fontRef idx="minor"/>
+    </dgm:style>
+  </dgm:styleLbl>
+  <dgm:styleLbl name="fgAcc0">
+    <dgm:scene3d>
+      <a:camera prst="orthographicFront"/>
+      <a:lightRig rig="threePt" dir="t"/>
+    </dgm:scene3d>
+    <dgm:sp3d/>
+    <dgm:txPr/>
+    <dgm:style>
+      <a:lnRef idx="2">
+        <a:scrgbClr r="0" g="0" b="0"/>
+      </a:lnRef>
+      <a:fillRef idx="1">
+        <a:scrgbClr r="0" g="0" b="0"/>
+      </a:fillRef>
+      <a:effectRef idx="0">
+        <a:scrgbClr r="0" g="0" b="0"/>
+      </a:effectRef>
+      <a:fontRef idx="minor"/>
+    </dgm:style>
+  </dgm:styleLbl>
+  <dgm:styleLbl name="fgAcc2">
+    <dgm:scene3d>
+      <a:camera prst="orthographicFront"/>
+      <a:lightRig rig="threePt" dir="t"/>
+    </dgm:scene3d>
+    <dgm:sp3d/>
+    <dgm:txPr/>
+    <dgm:style>
+      <a:lnRef idx="2">
+        <a:scrgbClr r="0" g="0" b="0"/>
+      </a:lnRef>
+      <a:fillRef idx="1">
+        <a:scrgbClr r="0" g="0" b="0"/>
+      </a:fillRef>
+      <a:effectRef idx="0">
+        <a:scrgbClr r="0" g="0" b="0"/>
+      </a:effectRef>
+      <a:fontRef idx="minor"/>
+    </dgm:style>
+  </dgm:styleLbl>
+  <dgm:styleLbl name="fgAcc3">
+    <dgm:scene3d>
+      <a:camera prst="orthographicFront"/>
+      <a:lightRig rig="threePt" dir="t"/>
+    </dgm:scene3d>
+    <dgm:sp3d/>
+    <dgm:txPr/>
+    <dgm:style>
+      <a:lnRef idx="2">
+        <a:scrgbClr r="0" g="0" b="0"/>
+      </a:lnRef>
+      <a:fillRef idx="1">
+        <a:scrgbClr r="0" g="0" b="0"/>
+      </a:fillRef>
+      <a:effectRef idx="0">
+        <a:scrgbClr r="0" g="0" b="0"/>
+      </a:effectRef>
+      <a:fontRef idx="minor"/>
+    </dgm:style>
+  </dgm:styleLbl>
+  <dgm:styleLbl name="fgAcc4">
+    <dgm:scene3d>
+      <a:camera prst="orthographicFront"/>
+      <a:lightRig rig="threePt" dir="t"/>
+    </dgm:scene3d>
+    <dgm:sp3d/>
+    <dgm:txPr/>
+    <dgm:style>
+      <a:lnRef idx="2">
+        <a:scrgbClr r="0" g="0" b="0"/>
+      </a:lnRef>
+      <a:fillRef idx="1">
+        <a:scrgbClr r="0" g="0" b="0"/>
+      </a:fillRef>
+      <a:effectRef idx="0">
+        <a:scrgbClr r="0" g="0" b="0"/>
+      </a:effectRef>
+      <a:fontRef idx="minor"/>
+    </dgm:style>
+  </dgm:styleLbl>
+  <dgm:styleLbl name="bgShp">
+    <dgm:scene3d>
+      <a:camera prst="orthographicFront"/>
+      <a:lightRig rig="threePt" dir="t"/>
+    </dgm:scene3d>
+    <dgm:sp3d/>
+    <dgm:txPr/>
+    <dgm:style>
+      <a:lnRef idx="0">
+        <a:scrgbClr r="0" g="0" b="0"/>
+      </a:lnRef>
+      <a:fillRef idx="1">
+        <a:scrgbClr r="0" g="0" b="0"/>
+      </a:fillRef>
+      <a:effectRef idx="0">
+        <a:scrgbClr r="0" g="0" b="0"/>
+      </a:effectRef>
+      <a:fontRef idx="minor"/>
+    </dgm:style>
+  </dgm:styleLbl>
+  <dgm:styleLbl name="dkBgShp">
+    <dgm:scene3d>
+      <a:camera prst="orthographicFront"/>
+      <a:lightRig rig="threePt" dir="t"/>
+    </dgm:scene3d>
+    <dgm:sp3d/>
+    <dgm:txPr/>
+    <dgm:style>
+      <a:lnRef idx="0">
+        <a:scrgbClr r="0" g="0" b="0"/>
+      </a:lnRef>
+      <a:fillRef idx="1">
+        <a:scrgbClr r="0" g="0" b="0"/>
+      </a:fillRef>
+      <a:effectRef idx="0">
+        <a:scrgbClr r="0" g="0" b="0"/>
+      </a:effectRef>
+      <a:fontRef idx="minor"/>
+    </dgm:style>
+  </dgm:styleLbl>
+  <dgm:styleLbl name="trBgShp">
+    <dgm:scene3d>
+      <a:camera prst="orthographicFront"/>
+      <a:lightRig rig="threePt" dir="t"/>
+    </dgm:scene3d>
+    <dgm:sp3d/>
+    <dgm:txPr/>
+    <dgm:style>
+      <a:lnRef idx="0">
+        <a:scrgbClr r="0" g="0" b="0"/>
+      </a:lnRef>
+      <a:fillRef idx="1">
+        <a:scrgbClr r="0" g="0" b="0"/>
+      </a:fillRef>
+      <a:effectRef idx="0">
+        <a:scrgbClr r="0" g="0" b="0"/>
+      </a:effectRef>
+      <a:fontRef idx="minor"/>
+    </dgm:style>
+  </dgm:styleLbl>
+  <dgm:styleLbl name="fgShp">
+    <dgm:scene3d>
+      <a:camera prst="orthographicFront"/>
+      <a:lightRig rig="threePt" dir="t"/>
+    </dgm:scene3d>
+    <dgm:sp3d/>
+    <dgm:txPr/>
+    <dgm:style>
+      <a:lnRef idx="3">
+        <a:scrgbClr r="0" g="0" b="0"/>
+      </a:lnRef>
+      <a:fillRef idx="1">
+        <a:scrgbClr r="0" g="0" b="0"/>
+      </a:fillRef>
+      <a:effectRef idx="1">
+        <a:scrgbClr r="0" g="0" b="0"/>
+      </a:effectRef>
+      <a:fontRef idx="minor"/>
+    </dgm:style>
+  </dgm:styleLbl>
+  <dgm:styleLbl name="revTx">
+    <dgm:scene3d>
+      <a:camera prst="orthographicFront"/>
+      <a:lightRig rig="threePt" dir="t"/>
+    </dgm:scene3d>
+    <dgm:sp3d/>
+    <dgm:txPr/>
+    <dgm:style>
+      <a:lnRef idx="0">
+        <a:scrgbClr r="0" g="0" b="0"/>
+      </a:lnRef>
+      <a:fillRef idx="0">
+        <a:scrgbClr r="0" g="0" b="0"/>
+      </a:fillRef>
+      <a:effectRef idx="0">
+        <a:scrgbClr r="0" g="0" b="0"/>
+      </a:effectRef>
+      <a:fontRef idx="minor"/>
+    </dgm:style>
+  </dgm:styleLbl>
+</dgm:styleDef>
 </file>
 
 <file path=ppt/handoutMasters/handoutMaster1.xml><?xml version="1.0" encoding="utf-8"?>
@@ -1122,6 +7328,182 @@
     <p:extLst>
       <p:ext uri="{BB962C8B-B14F-4D97-AF65-F5344CB8AC3E}">
         <p14:creationId xmlns:p14="http://schemas.microsoft.com/office/powerpoint/2010/main" val="1414029536"/>
+      </p:ext>
+    </p:extLst>
+  </p:cSld>
+  <p:clrMapOvr>
+    <a:masterClrMapping/>
+  </p:clrMapOvr>
+</p:notes>
+</file>
+
+<file path=ppt/notesSlides/notesSlide3.xml><?xml version="1.0" encoding="utf-8"?>
+<p:notes xmlns:a="http://schemas.openxmlformats.org/drawingml/2006/main" xmlns:r="http://schemas.openxmlformats.org/officeDocument/2006/relationships" xmlns:p="http://schemas.openxmlformats.org/presentationml/2006/main">
+  <p:cSld>
+    <p:spTree>
+      <p:nvGrpSpPr>
+        <p:cNvPr id="1" name=""/>
+        <p:cNvGrpSpPr/>
+        <p:nvPr/>
+      </p:nvGrpSpPr>
+      <p:grpSpPr>
+        <a:xfrm>
+          <a:off x="0" y="0"/>
+          <a:ext cx="0" cy="0"/>
+          <a:chOff x="0" y="0"/>
+          <a:chExt cx="0" cy="0"/>
+        </a:xfrm>
+      </p:grpSpPr>
+      <p:sp>
+        <p:nvSpPr>
+          <p:cNvPr id="7" name="Slide Number Placeholder 6">
+            <a:extLst>
+              <a:ext uri="{FF2B5EF4-FFF2-40B4-BE49-F238E27FC236}">
+                <a16:creationId xmlns:a16="http://schemas.microsoft.com/office/drawing/2014/main" id="{7786BD08-EFD5-4629-959B-717370809B00}"/>
+              </a:ext>
+            </a:extLst>
+          </p:cNvPr>
+          <p:cNvSpPr txBox="1">
+            <a:spLocks noGrp="1"/>
+          </p:cNvSpPr>
+          <p:nvPr>
+            <p:ph type="sldNum" sz="quarter" idx="5"/>
+          </p:nvPr>
+        </p:nvSpPr>
+        <p:spPr>
+          <a:ln/>
+        </p:spPr>
+        <p:txBody>
+          <a:bodyPr lIns="0" tIns="0" rIns="0" bIns="0" anchor="b" anchorCtr="0">
+            <a:noAutofit/>
+          </a:bodyPr>
+          <a:lstStyle/>
+          <a:p>
+            <a:pPr marL="0" marR="0" lvl="0" indent="0" algn="r" defTabSz="914400" rtl="0" eaLnBrk="1" fontAlgn="auto" latinLnBrk="0" hangingPunct="0">
+              <a:lnSpc>
+                <a:spcPct val="100000"/>
+              </a:lnSpc>
+              <a:spcBef>
+                <a:spcPts val="0"/>
+              </a:spcBef>
+              <a:spcAft>
+                <a:spcPts val="0"/>
+              </a:spcAft>
+              <a:buClrTx/>
+              <a:buSzTx/>
+              <a:buFontTx/>
+              <a:buNone/>
+              <a:tabLst/>
+              <a:defRPr/>
+            </a:pPr>
+            <a:fld id="{F6B11A2A-87B7-4429-93E3-3BFBFF136C9D}" type="slidenum">
+              <a:rPr kumimoji="0" lang="en-CA" sz="1400" b="0" i="0" u="none" strike="noStrike" kern="1200" cap="none" spc="0" normalizeH="0" baseline="0" noProof="0">
+                <a:ln>
+                  <a:noFill/>
+                </a:ln>
+                <a:solidFill>
+                  <a:prstClr val="black"/>
+                </a:solidFill>
+                <a:effectLst/>
+                <a:uLnTx/>
+                <a:uFillTx/>
+                <a:latin typeface="Noto Sans Regular" pitchFamily="34"/>
+              </a:rPr>
+              <a:pPr marL="0" marR="0" lvl="0" indent="0" algn="r" defTabSz="914400" rtl="0" eaLnBrk="1" fontAlgn="auto" latinLnBrk="0" hangingPunct="0">
+                <a:lnSpc>
+                  <a:spcPct val="100000"/>
+                </a:lnSpc>
+                <a:spcBef>
+                  <a:spcPts val="0"/>
+                </a:spcBef>
+                <a:spcAft>
+                  <a:spcPts val="0"/>
+                </a:spcAft>
+                <a:buClrTx/>
+                <a:buSzTx/>
+                <a:buFontTx/>
+                <a:buNone/>
+                <a:tabLst/>
+                <a:defRPr/>
+              </a:pPr>
+              <a:t>4</a:t>
+            </a:fld>
+            <a:endParaRPr kumimoji="0" lang="en-CA" sz="1400" b="0" i="0" u="none" strike="noStrike" kern="1200" cap="none" spc="0" normalizeH="0" baseline="0" noProof="0">
+              <a:ln>
+                <a:noFill/>
+              </a:ln>
+              <a:solidFill>
+                <a:prstClr val="black"/>
+              </a:solidFill>
+              <a:effectLst/>
+              <a:uLnTx/>
+              <a:uFillTx/>
+              <a:latin typeface="Noto Sans Regular" pitchFamily="34"/>
+            </a:endParaRPr>
+          </a:p>
+        </p:txBody>
+      </p:sp>
+      <p:sp>
+        <p:nvSpPr>
+          <p:cNvPr id="2" name="Slide Image Placeholder 1">
+            <a:extLst>
+              <a:ext uri="{FF2B5EF4-FFF2-40B4-BE49-F238E27FC236}">
+                <a16:creationId xmlns:a16="http://schemas.microsoft.com/office/drawing/2014/main" id="{E0414952-0D5F-41DB-AD35-661CC0123EC0}"/>
+              </a:ext>
+            </a:extLst>
+          </p:cNvPr>
+          <p:cNvSpPr>
+            <a:spLocks noGrp="1" noRot="1" noChangeAspect="1" noResize="1"/>
+          </p:cNvSpPr>
+          <p:nvPr>
+            <p:ph type="sldImg"/>
+          </p:nvPr>
+        </p:nvSpPr>
+        <p:spPr>
+          <a:xfrm>
+            <a:off x="1106488" y="812800"/>
+            <a:ext cx="5345112" cy="4008438"/>
+          </a:xfrm>
+          <a:solidFill>
+            <a:srgbClr val="729FCF"/>
+          </a:solidFill>
+          <a:ln w="25400">
+            <a:solidFill>
+              <a:srgbClr val="3465AF"/>
+            </a:solidFill>
+            <a:prstDash val="solid"/>
+          </a:ln>
+        </p:spPr>
+      </p:sp>
+      <p:sp>
+        <p:nvSpPr>
+          <p:cNvPr id="3" name="Notes Placeholder 2">
+            <a:extLst>
+              <a:ext uri="{FF2B5EF4-FFF2-40B4-BE49-F238E27FC236}">
+                <a16:creationId xmlns:a16="http://schemas.microsoft.com/office/drawing/2014/main" id="{936C5E6D-517B-4460-8E46-704AB5057A59}"/>
+              </a:ext>
+            </a:extLst>
+          </p:cNvPr>
+          <p:cNvSpPr txBox="1">
+            <a:spLocks noGrp="1"/>
+          </p:cNvSpPr>
+          <p:nvPr>
+            <p:ph type="body" sz="quarter" idx="1"/>
+          </p:nvPr>
+        </p:nvSpPr>
+        <p:spPr/>
+        <p:txBody>
+          <a:bodyPr/>
+          <a:lstStyle/>
+          <a:p>
+            <a:endParaRPr lang="en-CA" sz="2000"/>
+          </a:p>
+        </p:txBody>
+      </p:sp>
+    </p:spTree>
+    <p:extLst>
+      <p:ext uri="{BB962C8B-B14F-4D97-AF65-F5344CB8AC3E}">
+        <p14:creationId xmlns:p14="http://schemas.microsoft.com/office/powerpoint/2010/main" val="2348254555"/>
       </p:ext>
     </p:extLst>
   </p:cSld>
@@ -9294,13 +15676,13 @@
         </p:nvCxnSpPr>
         <p:spPr>
           <a:xfrm rot="5400000" flipH="1" flipV="1">
-            <a:off x="1178709" y="3185252"/>
-            <a:ext cx="849861" cy="1002337"/>
+            <a:off x="742659" y="3587110"/>
+            <a:ext cx="1687770" cy="1036530"/>
           </a:xfrm>
           <a:prstGeom prst="bentConnector4">
             <a:avLst>
-              <a:gd name="adj1" fmla="val -26899"/>
-              <a:gd name="adj2" fmla="val 60902"/>
+              <a:gd name="adj1" fmla="val -13544"/>
+              <a:gd name="adj2" fmla="val 75442"/>
             </a:avLst>
           </a:prstGeom>
           <a:ln w="38100">
@@ -10140,17 +16522,14 @@
         </p:nvSpPr>
         <p:spPr>
           <a:xfrm>
-            <a:off x="632453" y="3543573"/>
-            <a:ext cx="940038" cy="567778"/>
+            <a:off x="540840" y="4232350"/>
+            <a:ext cx="1054877" cy="716910"/>
           </a:xfrm>
           <a:prstGeom prst="can">
             <a:avLst/>
           </a:prstGeom>
           <a:solidFill>
-            <a:schemeClr val="accent2">
-              <a:lumMod val="40000"/>
-              <a:lumOff val="60000"/>
-            </a:schemeClr>
+            <a:srgbClr val="FF61B4"/>
           </a:solidFill>
         </p:spPr>
         <p:style>
@@ -10175,12 +16554,12 @@
           <a:p>
             <a:pPr algn="ctr"/>
             <a:r>
-              <a:rPr lang="en-US" sz="2400" dirty="0">
+              <a:rPr lang="en-US" sz="2000" dirty="0">
                 <a:solidFill>
                   <a:schemeClr val="tx1"/>
                 </a:solidFill>
               </a:rPr>
-              <a:t>EPOI</a:t>
+              <a:t>Number of jobs</a:t>
             </a:r>
           </a:p>
         </p:txBody>
@@ -10366,7 +16745,7 @@
         </p:nvSpPr>
         <p:spPr>
           <a:xfrm>
-            <a:off x="1851889" y="3542747"/>
+            <a:off x="2005216" y="3500480"/>
             <a:ext cx="543739" cy="369332"/>
           </a:xfrm>
           <a:prstGeom prst="rect">
@@ -10407,7 +16786,7 @@
         </p:nvSpPr>
         <p:spPr>
           <a:xfrm>
-            <a:off x="1855108" y="3905285"/>
+            <a:off x="2008435" y="3863018"/>
             <a:ext cx="1055097" cy="369332"/>
           </a:xfrm>
           <a:prstGeom prst="rect">
@@ -10760,10 +17139,569 @@
           </a:fontRef>
         </p:style>
       </p:cxnSp>
+      <p:sp>
+        <p:nvSpPr>
+          <p:cNvPr id="236" name="Cylinder 235">
+            <a:extLst>
+              <a:ext uri="{FF2B5EF4-FFF2-40B4-BE49-F238E27FC236}">
+                <a16:creationId xmlns:a16="http://schemas.microsoft.com/office/drawing/2014/main" id="{D8010D55-A33E-40FB-BEE8-9D5006E0035A}"/>
+              </a:ext>
+            </a:extLst>
+          </p:cNvPr>
+          <p:cNvSpPr/>
+          <p:nvPr/>
+        </p:nvSpPr>
+        <p:spPr>
+          <a:xfrm>
+            <a:off x="413112" y="3176258"/>
+            <a:ext cx="1232024" cy="888744"/>
+          </a:xfrm>
+          <a:prstGeom prst="can">
+            <a:avLst/>
+          </a:prstGeom>
+          <a:solidFill>
+            <a:srgbClr val="FF61B4"/>
+          </a:solidFill>
+        </p:spPr>
+        <p:style>
+          <a:lnRef idx="2">
+            <a:schemeClr val="accent1">
+              <a:shade val="50000"/>
+            </a:schemeClr>
+          </a:lnRef>
+          <a:fillRef idx="1">
+            <a:schemeClr val="accent1"/>
+          </a:fillRef>
+          <a:effectRef idx="0">
+            <a:schemeClr val="accent1"/>
+          </a:effectRef>
+          <a:fontRef idx="minor">
+            <a:schemeClr val="lt1"/>
+          </a:fontRef>
+        </p:style>
+        <p:txBody>
+          <a:bodyPr rtlCol="0" anchor="ctr"/>
+          <a:lstStyle/>
+          <a:p>
+            <a:pPr algn="ctr"/>
+            <a:r>
+              <a:rPr lang="en-US" sz="2000" dirty="0">
+                <a:solidFill>
+                  <a:schemeClr val="tx1"/>
+                </a:solidFill>
+              </a:rPr>
+              <a:t>TTS</a:t>
+            </a:r>
+          </a:p>
+          <a:p>
+            <a:pPr algn="ctr"/>
+            <a:r>
+              <a:rPr lang="en-US" sz="2000" dirty="0">
+                <a:solidFill>
+                  <a:schemeClr val="tx1"/>
+                </a:solidFill>
+              </a:rPr>
+              <a:t>variables</a:t>
+            </a:r>
+          </a:p>
+        </p:txBody>
+      </p:sp>
+      <p:cxnSp>
+        <p:nvCxnSpPr>
+          <p:cNvPr id="240" name="Connector: Elbow 239">
+            <a:extLst>
+              <a:ext uri="{FF2B5EF4-FFF2-40B4-BE49-F238E27FC236}">
+                <a16:creationId xmlns:a16="http://schemas.microsoft.com/office/drawing/2014/main" id="{E3E799E2-B969-4EAC-A229-EDA6D8C945CE}"/>
+              </a:ext>
+            </a:extLst>
+          </p:cNvPr>
+          <p:cNvCxnSpPr>
+            <a:cxnSpLocks/>
+            <a:stCxn id="236" idx="3"/>
+          </p:cNvCxnSpPr>
+          <p:nvPr/>
+        </p:nvCxnSpPr>
+        <p:spPr>
+          <a:xfrm rot="5400000" flipH="1" flipV="1">
+            <a:off x="1029851" y="3260762"/>
+            <a:ext cx="803513" cy="804968"/>
+          </a:xfrm>
+          <a:prstGeom prst="bentConnector4">
+            <a:avLst>
+              <a:gd name="adj1" fmla="val -11380"/>
+              <a:gd name="adj2" fmla="val 88263"/>
+            </a:avLst>
+          </a:prstGeom>
+          <a:ln w="38100">
+            <a:solidFill>
+              <a:srgbClr val="4472C4"/>
+            </a:solidFill>
+            <a:prstDash val="dash"/>
+          </a:ln>
+        </p:spPr>
+        <p:style>
+          <a:lnRef idx="1">
+            <a:schemeClr val="accent1"/>
+          </a:lnRef>
+          <a:fillRef idx="0">
+            <a:schemeClr val="accent1"/>
+          </a:fillRef>
+          <a:effectRef idx="0">
+            <a:schemeClr val="accent1"/>
+          </a:effectRef>
+          <a:fontRef idx="minor">
+            <a:schemeClr val="tx1"/>
+          </a:fontRef>
+        </p:style>
+      </p:cxnSp>
     </p:spTree>
     <p:extLst>
       <p:ext uri="{BB962C8B-B14F-4D97-AF65-F5344CB8AC3E}">
         <p14:creationId xmlns:p14="http://schemas.microsoft.com/office/powerpoint/2010/main" val="3919664037"/>
+      </p:ext>
+    </p:extLst>
+  </p:cSld>
+  <p:clrMapOvr>
+    <a:masterClrMapping/>
+  </p:clrMapOvr>
+</p:sld>
+</file>
+
+<file path=ppt/slides/slide4.xml><?xml version="1.0" encoding="utf-8"?>
+<p:sld xmlns:a="http://schemas.openxmlformats.org/drawingml/2006/main" xmlns:r="http://schemas.openxmlformats.org/officeDocument/2006/relationships" xmlns:p="http://schemas.openxmlformats.org/presentationml/2006/main">
+  <p:cSld>
+    <p:spTree>
+      <p:nvGrpSpPr>
+        <p:cNvPr id="1" name=""/>
+        <p:cNvGrpSpPr/>
+        <p:nvPr/>
+      </p:nvGrpSpPr>
+      <p:grpSpPr>
+        <a:xfrm>
+          <a:off x="0" y="0"/>
+          <a:ext cx="0" cy="0"/>
+          <a:chOff x="0" y="0"/>
+          <a:chExt cx="0" cy="0"/>
+        </a:xfrm>
+      </p:grpSpPr>
+      <p:sp>
+        <p:nvSpPr>
+          <p:cNvPr id="5" name="Slide Number Placeholder 3">
+            <a:extLst>
+              <a:ext uri="{FF2B5EF4-FFF2-40B4-BE49-F238E27FC236}">
+                <a16:creationId xmlns:a16="http://schemas.microsoft.com/office/drawing/2014/main" id="{49C06C99-DDFD-4DCA-9BAD-4E1374216BEB}"/>
+              </a:ext>
+            </a:extLst>
+          </p:cNvPr>
+          <p:cNvSpPr>
+            <a:spLocks noGrp="1"/>
+          </p:cNvSpPr>
+          <p:nvPr>
+            <p:ph type="sldNum" sz="quarter" idx="12"/>
+          </p:nvPr>
+        </p:nvSpPr>
+        <p:spPr>
+          <a:xfrm>
+            <a:off x="7119441" y="7006699"/>
+            <a:ext cx="2268141" cy="402483"/>
+          </a:xfrm>
+        </p:spPr>
+        <p:txBody>
+          <a:bodyPr/>
+          <a:lstStyle/>
+          <a:p>
+            <a:pPr marL="0" marR="0" lvl="0" indent="0" algn="r" defTabSz="914400" rtl="0" eaLnBrk="1" fontAlgn="auto" latinLnBrk="0" hangingPunct="1">
+              <a:lnSpc>
+                <a:spcPct val="100000"/>
+              </a:lnSpc>
+              <a:spcBef>
+                <a:spcPts val="0"/>
+              </a:spcBef>
+              <a:spcAft>
+                <a:spcPts val="0"/>
+              </a:spcAft>
+              <a:buClrTx/>
+              <a:buSzTx/>
+              <a:buFontTx/>
+              <a:buNone/>
+              <a:tabLst/>
+              <a:defRPr/>
+            </a:pPr>
+            <a:fld id="{526FA593-4977-4434-90DC-DBD2AA090280}" type="slidenum">
+              <a:rPr kumimoji="0" lang="en-CA" sz="992" b="0" i="0" u="none" strike="noStrike" kern="1200" cap="none" spc="0" normalizeH="0" baseline="0" noProof="0" smtClean="0">
+                <a:ln>
+                  <a:noFill/>
+                </a:ln>
+                <a:solidFill>
+                  <a:prstClr val="black">
+                    <a:tint val="75000"/>
+                  </a:prstClr>
+                </a:solidFill>
+                <a:effectLst/>
+                <a:uLnTx/>
+                <a:uFillTx/>
+                <a:latin typeface="Calibri" panose="020F0502020204030204"/>
+                <a:ea typeface="+mn-ea"/>
+                <a:cs typeface="+mn-cs"/>
+              </a:rPr>
+              <a:pPr marL="0" marR="0" lvl="0" indent="0" algn="r" defTabSz="914400" rtl="0" eaLnBrk="1" fontAlgn="auto" latinLnBrk="0" hangingPunct="1">
+                <a:lnSpc>
+                  <a:spcPct val="100000"/>
+                </a:lnSpc>
+                <a:spcBef>
+                  <a:spcPts val="0"/>
+                </a:spcBef>
+                <a:spcAft>
+                  <a:spcPts val="0"/>
+                </a:spcAft>
+                <a:buClrTx/>
+                <a:buSzTx/>
+                <a:buFontTx/>
+                <a:buNone/>
+                <a:tabLst/>
+                <a:defRPr/>
+              </a:pPr>
+              <a:t>4</a:t>
+            </a:fld>
+            <a:r>
+              <a:rPr kumimoji="0" lang="en-CA" sz="992" b="0" i="0" u="none" strike="noStrike" kern="1200" cap="none" spc="0" normalizeH="0" baseline="0" noProof="0">
+                <a:ln>
+                  <a:noFill/>
+                </a:ln>
+                <a:solidFill>
+                  <a:prstClr val="black">
+                    <a:tint val="75000"/>
+                  </a:prstClr>
+                </a:solidFill>
+                <a:effectLst/>
+                <a:uLnTx/>
+                <a:uFillTx/>
+                <a:latin typeface="Calibri" panose="020F0502020204030204"/>
+                <a:ea typeface="+mn-ea"/>
+                <a:cs typeface="+mn-cs"/>
+              </a:rPr>
+              <a:t> /</a:t>
+            </a:r>
+          </a:p>
+        </p:txBody>
+      </p:sp>
+      <p:sp>
+        <p:nvSpPr>
+          <p:cNvPr id="2" name="Subtitle 1">
+            <a:extLst>
+              <a:ext uri="{FF2B5EF4-FFF2-40B4-BE49-F238E27FC236}">
+                <a16:creationId xmlns:a16="http://schemas.microsoft.com/office/drawing/2014/main" id="{BD4BF09A-490F-48B9-A320-54FACCF2BD24}"/>
+              </a:ext>
+            </a:extLst>
+          </p:cNvPr>
+          <p:cNvSpPr txBox="1">
+            <a:spLocks noGrp="1"/>
+          </p:cNvSpPr>
+          <p:nvPr>
+            <p:ph type="subTitle" idx="4294967295"/>
+          </p:nvPr>
+        </p:nvSpPr>
+        <p:spPr>
+          <a:xfrm>
+            <a:off x="0" y="0"/>
+            <a:ext cx="10080625" cy="7559675"/>
+          </a:xfrm>
+        </p:spPr>
+        <p:txBody>
+          <a:bodyPr anchor="ctr"/>
+          <a:lstStyle/>
+          <a:p>
+            <a:pPr marL="0" lvl="0" indent="0" algn="ctr">
+              <a:buNone/>
+            </a:pPr>
+            <a:r>
+              <a:rPr lang="en-CA" sz="3200" dirty="0">
+                <a:latin typeface="Liberation Sans" pitchFamily="18"/>
+              </a:rPr>
+              <a:t>Section 2:</a:t>
+            </a:r>
+          </a:p>
+          <a:p>
+            <a:pPr marL="0" lvl="0" indent="0" algn="ctr">
+              <a:buNone/>
+            </a:pPr>
+            <a:r>
+              <a:rPr lang="en-CA" sz="3200" dirty="0">
+                <a:latin typeface="Liberation Sans" pitchFamily="18"/>
+              </a:rPr>
+              <a:t>Data sources</a:t>
+            </a:r>
+          </a:p>
+        </p:txBody>
+      </p:sp>
+    </p:spTree>
+    <p:extLst>
+      <p:ext uri="{BB962C8B-B14F-4D97-AF65-F5344CB8AC3E}">
+        <p14:creationId xmlns:p14="http://schemas.microsoft.com/office/powerpoint/2010/main" val="4072796148"/>
+      </p:ext>
+    </p:extLst>
+  </p:cSld>
+  <p:clrMapOvr>
+    <a:masterClrMapping/>
+  </p:clrMapOvr>
+</p:sld>
+</file>
+
+<file path=ppt/slides/slide5.xml><?xml version="1.0" encoding="utf-8"?>
+<p:sld xmlns:a="http://schemas.openxmlformats.org/drawingml/2006/main" xmlns:r="http://schemas.openxmlformats.org/officeDocument/2006/relationships" xmlns:p="http://schemas.openxmlformats.org/presentationml/2006/main">
+  <p:cSld>
+    <p:bg>
+      <p:bgPr>
+        <a:solidFill>
+          <a:schemeClr val="bg1"/>
+        </a:solidFill>
+        <a:effectLst/>
+      </p:bgPr>
+    </p:bg>
+    <p:spTree>
+      <p:nvGrpSpPr>
+        <p:cNvPr id="1" name=""/>
+        <p:cNvGrpSpPr/>
+        <p:nvPr/>
+      </p:nvGrpSpPr>
+      <p:grpSpPr>
+        <a:xfrm>
+          <a:off x="0" y="0"/>
+          <a:ext cx="0" cy="0"/>
+          <a:chOff x="0" y="0"/>
+          <a:chExt cx="0" cy="0"/>
+        </a:xfrm>
+      </p:grpSpPr>
+      <p:sp>
+        <p:nvSpPr>
+          <p:cNvPr id="2" name="Title 1">
+            <a:extLst>
+              <a:ext uri="{FF2B5EF4-FFF2-40B4-BE49-F238E27FC236}">
+                <a16:creationId xmlns:a16="http://schemas.microsoft.com/office/drawing/2014/main" id="{698074B7-5D7D-407F-9648-1A2BB33F0D37}"/>
+              </a:ext>
+            </a:extLst>
+          </p:cNvPr>
+          <p:cNvSpPr txBox="1">
+            <a:spLocks/>
+          </p:cNvSpPr>
+          <p:nvPr/>
+        </p:nvSpPr>
+        <p:spPr>
+          <a:xfrm>
+            <a:off x="1582099" y="0"/>
+            <a:ext cx="7805483" cy="1461188"/>
+          </a:xfrm>
+          <a:prstGeom prst="rect">
+            <a:avLst/>
+          </a:prstGeom>
+        </p:spPr>
+        <p:txBody>
+          <a:bodyPr vert="horz" lIns="91440" tIns="45720" rIns="91440" bIns="45720" rtlCol="0" anchor="ctr">
+            <a:normAutofit/>
+          </a:bodyPr>
+          <a:lstStyle>
+            <a:lvl1pPr algn="l" defTabSz="756026" rtl="0" eaLnBrk="1" latinLnBrk="0" hangingPunct="1">
+              <a:lnSpc>
+                <a:spcPct val="90000"/>
+              </a:lnSpc>
+              <a:spcBef>
+                <a:spcPct val="0"/>
+              </a:spcBef>
+              <a:buNone/>
+              <a:defRPr sz="3638" kern="1200">
+                <a:solidFill>
+                  <a:schemeClr val="tx1"/>
+                </a:solidFill>
+                <a:latin typeface="+mj-lt"/>
+                <a:ea typeface="+mj-ea"/>
+                <a:cs typeface="+mj-cs"/>
+              </a:defRPr>
+            </a:lvl1pPr>
+          </a:lstStyle>
+          <a:p>
+            <a:pPr defTabSz="914400">
+              <a:spcAft>
+                <a:spcPts val="600"/>
+              </a:spcAft>
+            </a:pPr>
+            <a:r>
+              <a:rPr lang="en-US" sz="4400" kern="1200" dirty="0">
+                <a:solidFill>
+                  <a:schemeClr val="tx1"/>
+                </a:solidFill>
+                <a:latin typeface="+mj-lt"/>
+                <a:ea typeface="+mj-ea"/>
+                <a:cs typeface="+mj-cs"/>
+              </a:rPr>
+              <a:t>2.1 Data sources</a:t>
+            </a:r>
+          </a:p>
+        </p:txBody>
+      </p:sp>
+      <p:graphicFrame>
+        <p:nvGraphicFramePr>
+          <p:cNvPr id="5" name="TextBox 2">
+            <a:extLst>
+              <a:ext uri="{FF2B5EF4-FFF2-40B4-BE49-F238E27FC236}">
+                <a16:creationId xmlns:a16="http://schemas.microsoft.com/office/drawing/2014/main" id="{7F72AAC0-07F0-4970-9B65-95B77AF026EF}"/>
+              </a:ext>
+            </a:extLst>
+          </p:cNvPr>
+          <p:cNvGraphicFramePr/>
+          <p:nvPr>
+            <p:extLst>
+              <p:ext uri="{D42A27DB-BD31-4B8C-83A1-F6EECF244321}">
+                <p14:modId xmlns:p14="http://schemas.microsoft.com/office/powerpoint/2010/main" val="2163331334"/>
+              </p:ext>
+            </p:extLst>
+          </p:nvPr>
+        </p:nvGraphicFramePr>
+        <p:xfrm>
+          <a:off x="693042" y="1040130"/>
+          <a:ext cx="8694540" cy="6117063"/>
+        </p:xfrm>
+        <a:graphic>
+          <a:graphicData uri="http://schemas.openxmlformats.org/drawingml/2006/diagram">
+            <dgm:relIds xmlns:dgm="http://schemas.openxmlformats.org/drawingml/2006/diagram" xmlns:r="http://schemas.openxmlformats.org/officeDocument/2006/relationships" r:dm="rId2" r:lo="rId3" r:qs="rId4" r:cs="rId5"/>
+          </a:graphicData>
+        </a:graphic>
+      </p:graphicFrame>
+    </p:spTree>
+    <p:extLst>
+      <p:ext uri="{BB962C8B-B14F-4D97-AF65-F5344CB8AC3E}">
+        <p14:creationId xmlns:p14="http://schemas.microsoft.com/office/powerpoint/2010/main" val="3959769265"/>
+      </p:ext>
+    </p:extLst>
+  </p:cSld>
+  <p:clrMapOvr>
+    <a:masterClrMapping/>
+  </p:clrMapOvr>
+</p:sld>
+</file>
+
+<file path=ppt/slides/slide6.xml><?xml version="1.0" encoding="utf-8"?>
+<p:sld xmlns:a="http://schemas.openxmlformats.org/drawingml/2006/main" xmlns:r="http://schemas.openxmlformats.org/officeDocument/2006/relationships" xmlns:p="http://schemas.openxmlformats.org/presentationml/2006/main">
+  <p:cSld>
+    <p:bg>
+      <p:bgPr>
+        <a:solidFill>
+          <a:schemeClr val="bg1"/>
+        </a:solidFill>
+        <a:effectLst/>
+      </p:bgPr>
+    </p:bg>
+    <p:spTree>
+      <p:nvGrpSpPr>
+        <p:cNvPr id="1" name=""/>
+        <p:cNvGrpSpPr/>
+        <p:nvPr/>
+      </p:nvGrpSpPr>
+      <p:grpSpPr>
+        <a:xfrm>
+          <a:off x="0" y="0"/>
+          <a:ext cx="0" cy="0"/>
+          <a:chOff x="0" y="0"/>
+          <a:chExt cx="0" cy="0"/>
+        </a:xfrm>
+      </p:grpSpPr>
+      <p:sp>
+        <p:nvSpPr>
+          <p:cNvPr id="2" name="Title 1">
+            <a:extLst>
+              <a:ext uri="{FF2B5EF4-FFF2-40B4-BE49-F238E27FC236}">
+                <a16:creationId xmlns:a16="http://schemas.microsoft.com/office/drawing/2014/main" id="{698074B7-5D7D-407F-9648-1A2BB33F0D37}"/>
+              </a:ext>
+            </a:extLst>
+          </p:cNvPr>
+          <p:cNvSpPr txBox="1">
+            <a:spLocks/>
+          </p:cNvSpPr>
+          <p:nvPr/>
+        </p:nvSpPr>
+        <p:spPr>
+          <a:xfrm>
+            <a:off x="1582099" y="0"/>
+            <a:ext cx="7805483" cy="1461188"/>
+          </a:xfrm>
+          <a:prstGeom prst="rect">
+            <a:avLst/>
+          </a:prstGeom>
+        </p:spPr>
+        <p:txBody>
+          <a:bodyPr vert="horz" lIns="91440" tIns="45720" rIns="91440" bIns="45720" rtlCol="0" anchor="ctr">
+            <a:normAutofit/>
+          </a:bodyPr>
+          <a:lstStyle>
+            <a:lvl1pPr algn="l" defTabSz="756026" rtl="0" eaLnBrk="1" latinLnBrk="0" hangingPunct="1">
+              <a:lnSpc>
+                <a:spcPct val="90000"/>
+              </a:lnSpc>
+              <a:spcBef>
+                <a:spcPct val="0"/>
+              </a:spcBef>
+              <a:buNone/>
+              <a:defRPr sz="3638" kern="1200">
+                <a:solidFill>
+                  <a:schemeClr val="tx1"/>
+                </a:solidFill>
+                <a:latin typeface="+mj-lt"/>
+                <a:ea typeface="+mj-ea"/>
+                <a:cs typeface="+mj-cs"/>
+              </a:defRPr>
+            </a:lvl1pPr>
+          </a:lstStyle>
+          <a:p>
+            <a:pPr defTabSz="914400">
+              <a:spcAft>
+                <a:spcPts val="600"/>
+              </a:spcAft>
+            </a:pPr>
+            <a:r>
+              <a:rPr lang="en-US" sz="4400" kern="1200" dirty="0">
+                <a:solidFill>
+                  <a:schemeClr val="tx1"/>
+                </a:solidFill>
+                <a:latin typeface="+mj-lt"/>
+                <a:ea typeface="+mj-ea"/>
+                <a:cs typeface="+mj-cs"/>
+              </a:rPr>
+              <a:t>2.1 Data sources</a:t>
+            </a:r>
+          </a:p>
+        </p:txBody>
+      </p:sp>
+      <p:graphicFrame>
+        <p:nvGraphicFramePr>
+          <p:cNvPr id="5" name="TextBox 2">
+            <a:extLst>
+              <a:ext uri="{FF2B5EF4-FFF2-40B4-BE49-F238E27FC236}">
+                <a16:creationId xmlns:a16="http://schemas.microsoft.com/office/drawing/2014/main" id="{7F72AAC0-07F0-4970-9B65-95B77AF026EF}"/>
+              </a:ext>
+            </a:extLst>
+          </p:cNvPr>
+          <p:cNvGraphicFramePr/>
+          <p:nvPr>
+            <p:extLst>
+              <p:ext uri="{D42A27DB-BD31-4B8C-83A1-F6EECF244321}">
+                <p14:modId xmlns:p14="http://schemas.microsoft.com/office/powerpoint/2010/main" val="1192900624"/>
+              </p:ext>
+            </p:extLst>
+          </p:nvPr>
+        </p:nvGraphicFramePr>
+        <p:xfrm>
+          <a:off x="693042" y="1040130"/>
+          <a:ext cx="8694540" cy="6117063"/>
+        </p:xfrm>
+        <a:graphic>
+          <a:graphicData uri="http://schemas.openxmlformats.org/drawingml/2006/diagram">
+            <dgm:relIds xmlns:dgm="http://schemas.openxmlformats.org/drawingml/2006/diagram" xmlns:r="http://schemas.openxmlformats.org/officeDocument/2006/relationships" r:dm="rId2" r:lo="rId3" r:qs="rId4" r:cs="rId5"/>
+          </a:graphicData>
+        </a:graphic>
+      </p:graphicFrame>
+    </p:spTree>
+    <p:extLst>
+      <p:ext uri="{BB962C8B-B14F-4D97-AF65-F5344CB8AC3E}">
+        <p14:creationId xmlns:p14="http://schemas.microsoft.com/office/powerpoint/2010/main" val="2809610392"/>
       </p:ext>
     </p:extLst>
   </p:cSld>

--- a/presentations/rdbms_design.pptx
+++ b/presentations/rdbms_design.pptx
@@ -7356,6 +7356,96 @@
       </p:grpSpPr>
       <p:sp>
         <p:nvSpPr>
+          <p:cNvPr id="2" name="Slide Image Placeholder 1"/>
+          <p:cNvSpPr>
+            <a:spLocks noGrp="1" noRot="1" noChangeAspect="1"/>
+          </p:cNvSpPr>
+          <p:nvPr>
+            <p:ph type="sldImg"/>
+          </p:nvPr>
+        </p:nvSpPr>
+        <p:spPr>
+          <a:xfrm>
+            <a:off x="1106488" y="812800"/>
+            <a:ext cx="5345112" cy="4008438"/>
+          </a:xfrm>
+        </p:spPr>
+      </p:sp>
+      <p:sp>
+        <p:nvSpPr>
+          <p:cNvPr id="3" name="Notes Placeholder 2"/>
+          <p:cNvSpPr>
+            <a:spLocks noGrp="1"/>
+          </p:cNvSpPr>
+          <p:nvPr>
+            <p:ph type="body" idx="1"/>
+          </p:nvPr>
+        </p:nvSpPr>
+        <p:spPr/>
+        <p:txBody>
+          <a:bodyPr/>
+          <a:lstStyle/>
+          <a:p>
+            <a:endParaRPr lang="en-CA" dirty="0"/>
+          </a:p>
+        </p:txBody>
+      </p:sp>
+      <p:sp>
+        <p:nvSpPr>
+          <p:cNvPr id="4" name="Slide Number Placeholder 3"/>
+          <p:cNvSpPr>
+            <a:spLocks noGrp="1"/>
+          </p:cNvSpPr>
+          <p:nvPr>
+            <p:ph type="sldNum" sz="quarter" idx="5"/>
+          </p:nvPr>
+        </p:nvSpPr>
+        <p:spPr/>
+        <p:txBody>
+          <a:bodyPr/>
+          <a:lstStyle/>
+          <a:p>
+            <a:pPr lvl="0"/>
+            <a:fld id="{A78868C7-AC6C-4869-BF1D-10EE3907CE11}" type="slidenum">
+              <a:rPr lang="en-CA" smtClean="0"/>
+              <a:t>3</a:t>
+            </a:fld>
+            <a:endParaRPr lang="en-CA"/>
+          </a:p>
+        </p:txBody>
+      </p:sp>
+    </p:spTree>
+    <p:extLst>
+      <p:ext uri="{BB962C8B-B14F-4D97-AF65-F5344CB8AC3E}">
+        <p14:creationId xmlns:p14="http://schemas.microsoft.com/office/powerpoint/2010/main" val="4050855380"/>
+      </p:ext>
+    </p:extLst>
+  </p:cSld>
+  <p:clrMapOvr>
+    <a:masterClrMapping/>
+  </p:clrMapOvr>
+</p:notes>
+</file>
+
+<file path=ppt/notesSlides/notesSlide4.xml><?xml version="1.0" encoding="utf-8"?>
+<p:notes xmlns:a="http://schemas.openxmlformats.org/drawingml/2006/main" xmlns:r="http://schemas.openxmlformats.org/officeDocument/2006/relationships" xmlns:p="http://schemas.openxmlformats.org/presentationml/2006/main">
+  <p:cSld>
+    <p:spTree>
+      <p:nvGrpSpPr>
+        <p:cNvPr id="1" name=""/>
+        <p:cNvGrpSpPr/>
+        <p:nvPr/>
+      </p:nvGrpSpPr>
+      <p:grpSpPr>
+        <a:xfrm>
+          <a:off x="0" y="0"/>
+          <a:ext cx="0" cy="0"/>
+          <a:chOff x="0" y="0"/>
+          <a:chExt cx="0" cy="0"/>
+        </a:xfrm>
+      </p:grpSpPr>
+      <p:sp>
+        <p:nvSpPr>
           <p:cNvPr id="7" name="Slide Number Placeholder 6">
             <a:extLst>
               <a:ext uri="{FF2B5EF4-FFF2-40B4-BE49-F238E27FC236}">
@@ -16052,7 +16142,7 @@
         <p:spPr>
           <a:xfrm>
             <a:off x="6469860" y="2872020"/>
-            <a:ext cx="2986138" cy="461665"/>
+            <a:ext cx="1987595" cy="461665"/>
           </a:xfrm>
           <a:prstGeom prst="rect">
             <a:avLst/>
@@ -16067,7 +16157,7 @@
           <a:p>
             <a:r>
               <a:rPr lang="en-US" sz="2400" b="1" dirty="0"/>
-              <a:t>postal-code-level data</a:t>
+              <a:t>FSA-level data</a:t>
             </a:r>
             <a:endParaRPr lang="en-CA" sz="2400" b="1" dirty="0"/>
           </a:p>
@@ -16129,7 +16219,7 @@
         <p:spPr>
           <a:xfrm>
             <a:off x="7109662" y="2550325"/>
-            <a:ext cx="1613647" cy="369332"/>
+            <a:ext cx="753924" cy="369332"/>
           </a:xfrm>
           <a:prstGeom prst="rect">
             <a:avLst/>
@@ -16153,7 +16243,7 @@
             </a:r>
             <a:r>
               <a:rPr lang="en-US" dirty="0"/>
-              <a:t> postal_code</a:t>
+              <a:t> fsa</a:t>
             </a:r>
             <a:endParaRPr lang="en-CA" dirty="0"/>
           </a:p>
@@ -16215,9 +16305,9 @@
           <p:nvPr/>
         </p:nvCxnSpPr>
         <p:spPr>
-          <a:xfrm flipH="1">
-            <a:off x="9399958" y="3132726"/>
-            <a:ext cx="392004" cy="130"/>
+          <a:xfrm flipH="1" flipV="1">
+            <a:off x="8441641" y="3121030"/>
+            <a:ext cx="1419757" cy="6096"/>
           </a:xfrm>
           <a:prstGeom prst="line">
             <a:avLst/>
@@ -16529,7 +16619,7 @@
             <a:avLst/>
           </a:prstGeom>
           <a:solidFill>
-            <a:srgbClr val="FF61B4"/>
+            <a:srgbClr val="FFA7D5"/>
           </a:solidFill>
         </p:spPr>
         <p:style>
@@ -16994,18 +17084,18 @@
           <p:cNvCxnSpPr>
             <a:cxnSpLocks/>
             <a:stCxn id="197" idx="3"/>
+            <a:endCxn id="91" idx="2"/>
           </p:cNvCxnSpPr>
           <p:nvPr/>
         </p:nvCxnSpPr>
         <p:spPr>
           <a:xfrm rot="5400000" flipH="1" flipV="1">
-            <a:off x="2144563" y="4451990"/>
-            <a:ext cx="359228" cy="2412268"/>
+            <a:off x="1781203" y="4822013"/>
+            <a:ext cx="1079173" cy="2410350"/>
           </a:xfrm>
-          <a:prstGeom prst="bentConnector4">
+          <a:prstGeom prst="bentConnector3">
             <a:avLst>
-              <a:gd name="adj1" fmla="val -63636"/>
-              <a:gd name="adj2" fmla="val 99544"/>
+              <a:gd name="adj1" fmla="val -21183"/>
             </a:avLst>
           </a:prstGeom>
           <a:ln w="38100">
@@ -17044,17 +17134,14 @@
         </p:nvSpPr>
         <p:spPr>
           <a:xfrm>
-            <a:off x="648024" y="5269960"/>
-            <a:ext cx="940038" cy="567778"/>
+            <a:off x="645596" y="5717230"/>
+            <a:ext cx="940038" cy="849544"/>
           </a:xfrm>
           <a:prstGeom prst="can">
             <a:avLst/>
           </a:prstGeom>
           <a:solidFill>
-            <a:schemeClr val="accent2">
-              <a:lumMod val="40000"/>
-              <a:lumOff val="60000"/>
-            </a:schemeClr>
+            <a:srgbClr val="9EF8E7"/>
           </a:solidFill>
         </p:spPr>
         <p:style>
@@ -17079,12 +17166,12 @@
           <a:p>
             <a:pPr algn="ctr"/>
             <a:r>
-              <a:rPr lang="en-US" sz="2400" dirty="0">
+              <a:rPr lang="en-US" sz="2000" dirty="0">
                 <a:solidFill>
                   <a:schemeClr val="tx1"/>
                 </a:solidFill>
               </a:rPr>
-              <a:t>EPOI</a:t>
+              <a:t>Fuel prices</a:t>
             </a:r>
           </a:p>
         </p:txBody>
@@ -17254,6 +17341,201 @@
           </a:fontRef>
         </p:style>
       </p:cxnSp>
+      <p:sp>
+        <p:nvSpPr>
+          <p:cNvPr id="64" name="Cylinder 63">
+            <a:extLst>
+              <a:ext uri="{FF2B5EF4-FFF2-40B4-BE49-F238E27FC236}">
+                <a16:creationId xmlns:a16="http://schemas.microsoft.com/office/drawing/2014/main" id="{DE99BF34-EF5D-4612-A20F-1931AA3785CB}"/>
+              </a:ext>
+            </a:extLst>
+          </p:cNvPr>
+          <p:cNvSpPr/>
+          <p:nvPr/>
+        </p:nvSpPr>
+        <p:spPr>
+          <a:xfrm>
+            <a:off x="1665602" y="5717829"/>
+            <a:ext cx="1068038" cy="849544"/>
+          </a:xfrm>
+          <a:prstGeom prst="can">
+            <a:avLst/>
+          </a:prstGeom>
+          <a:solidFill>
+            <a:srgbClr val="AFEBF7"/>
+          </a:solidFill>
+        </p:spPr>
+        <p:style>
+          <a:lnRef idx="2">
+            <a:schemeClr val="accent1">
+              <a:shade val="50000"/>
+            </a:schemeClr>
+          </a:lnRef>
+          <a:fillRef idx="1">
+            <a:schemeClr val="accent1"/>
+          </a:fillRef>
+          <a:effectRef idx="0">
+            <a:schemeClr val="accent1"/>
+          </a:effectRef>
+          <a:fontRef idx="minor">
+            <a:schemeClr val="lt1"/>
+          </a:fontRef>
+        </p:style>
+        <p:txBody>
+          <a:bodyPr rtlCol="0" anchor="ctr"/>
+          <a:lstStyle/>
+          <a:p>
+            <a:pPr algn="ctr"/>
+            <a:r>
+              <a:rPr lang="en-US" sz="2000" dirty="0">
+                <a:solidFill>
+                  <a:schemeClr val="tx1"/>
+                </a:solidFill>
+              </a:rPr>
+              <a:t>Inflation</a:t>
+            </a:r>
+          </a:p>
+          <a:p>
+            <a:pPr algn="ctr"/>
+            <a:r>
+              <a:rPr lang="en-US" sz="2000" dirty="0">
+                <a:solidFill>
+                  <a:schemeClr val="tx1"/>
+                </a:solidFill>
+              </a:rPr>
+              <a:t>coefs.</a:t>
+            </a:r>
+          </a:p>
+        </p:txBody>
+      </p:sp>
+      <p:cxnSp>
+        <p:nvCxnSpPr>
+          <p:cNvPr id="66" name="Straight Connector 65">
+            <a:extLst>
+              <a:ext uri="{FF2B5EF4-FFF2-40B4-BE49-F238E27FC236}">
+                <a16:creationId xmlns:a16="http://schemas.microsoft.com/office/drawing/2014/main" id="{10E6E392-F601-4E34-949C-5291A06FA967}"/>
+              </a:ext>
+            </a:extLst>
+          </p:cNvPr>
+          <p:cNvCxnSpPr>
+            <a:cxnSpLocks/>
+            <a:endCxn id="64" idx="3"/>
+          </p:cNvCxnSpPr>
+          <p:nvPr/>
+        </p:nvCxnSpPr>
+        <p:spPr>
+          <a:xfrm flipV="1">
+            <a:off x="2196388" y="6567373"/>
+            <a:ext cx="3233" cy="204390"/>
+          </a:xfrm>
+          <a:prstGeom prst="line">
+            <a:avLst/>
+          </a:prstGeom>
+          <a:ln w="38100">
+            <a:prstDash val="dash"/>
+          </a:ln>
+        </p:spPr>
+        <p:style>
+          <a:lnRef idx="1">
+            <a:schemeClr val="accent1"/>
+          </a:lnRef>
+          <a:fillRef idx="0">
+            <a:schemeClr val="accent1"/>
+          </a:fillRef>
+          <a:effectRef idx="0">
+            <a:schemeClr val="accent1"/>
+          </a:effectRef>
+          <a:fontRef idx="minor">
+            <a:schemeClr val="tx1"/>
+          </a:fontRef>
+        </p:style>
+      </p:cxnSp>
+      <p:sp>
+        <p:nvSpPr>
+          <p:cNvPr id="73" name="TextBox 72">
+            <a:extLst>
+              <a:ext uri="{FF2B5EF4-FFF2-40B4-BE49-F238E27FC236}">
+                <a16:creationId xmlns:a16="http://schemas.microsoft.com/office/drawing/2014/main" id="{C19EF442-5797-421F-8E35-BC339BA30554}"/>
+              </a:ext>
+            </a:extLst>
+          </p:cNvPr>
+          <p:cNvSpPr txBox="1"/>
+          <p:nvPr/>
+        </p:nvSpPr>
+        <p:spPr>
+          <a:xfrm>
+            <a:off x="1373266" y="6919851"/>
+            <a:ext cx="543739" cy="369332"/>
+          </a:xfrm>
+          <a:prstGeom prst="rect">
+            <a:avLst/>
+          </a:prstGeom>
+          <a:solidFill>
+            <a:schemeClr val="accent3">
+              <a:lumMod val="20000"/>
+              <a:lumOff val="80000"/>
+            </a:schemeClr>
+          </a:solidFill>
+        </p:spPr>
+        <p:txBody>
+          <a:bodyPr wrap="none" rtlCol="0">
+            <a:spAutoFit/>
+          </a:bodyPr>
+          <a:lstStyle/>
+          <a:p>
+            <a:r>
+              <a:rPr lang="en-US" dirty="0"/>
+              <a:t>one</a:t>
+            </a:r>
+            <a:endParaRPr lang="en-CA" dirty="0"/>
+          </a:p>
+        </p:txBody>
+      </p:sp>
+      <p:sp>
+        <p:nvSpPr>
+          <p:cNvPr id="74" name="TextBox 73">
+            <a:extLst>
+              <a:ext uri="{FF2B5EF4-FFF2-40B4-BE49-F238E27FC236}">
+                <a16:creationId xmlns:a16="http://schemas.microsoft.com/office/drawing/2014/main" id="{972462BF-E606-4EED-8CB9-FA205E3E6912}"/>
+              </a:ext>
+            </a:extLst>
+          </p:cNvPr>
+          <p:cNvSpPr txBox="1"/>
+          <p:nvPr/>
+        </p:nvSpPr>
+        <p:spPr>
+          <a:xfrm>
+            <a:off x="1892340" y="6920450"/>
+            <a:ext cx="941668" cy="369332"/>
+          </a:xfrm>
+          <a:prstGeom prst="rect">
+            <a:avLst/>
+          </a:prstGeom>
+          <a:solidFill>
+            <a:schemeClr val="accent2">
+              <a:lumMod val="60000"/>
+              <a:lumOff val="40000"/>
+            </a:schemeClr>
+          </a:solidFill>
+        </p:spPr>
+        <p:txBody>
+          <a:bodyPr wrap="none" rtlCol="0">
+            <a:spAutoFit/>
+          </a:bodyPr>
+          <a:lstStyle/>
+          <a:p>
+            <a:r>
+              <a:rPr lang="en-US" b="1" i="1" dirty="0"/>
+              <a:t>pk: </a:t>
+            </a:r>
+            <a:r>
+              <a:rPr lang="en-US" dirty="0"/>
+              <a:t>year</a:t>
+            </a:r>
+            <a:endParaRPr lang="en-CA" dirty="0"/>
+          </a:p>
+        </p:txBody>
+      </p:sp>
     </p:spTree>
     <p:extLst>
       <p:ext uri="{BB962C8B-B14F-4D97-AF65-F5344CB8AC3E}">

--- a/presentations/rdbms_design.pptx
+++ b/presentations/rdbms_design.pptx
@@ -13942,7 +13942,15 @@
           <a:p>
             <a:r>
               <a:rPr lang="en-US" sz="3600" b="1" dirty="0"/>
-              <a:t>4.4 SQL Example 4: display all foreign keys</a:t>
+              <a:t>4.4 SQL </a:t>
+            </a:r>
+            <a:r>
+              <a:rPr lang="en-US" sz="3600" b="1"/>
+              <a:t>Example 5: </a:t>
+            </a:r>
+            <a:r>
+              <a:rPr lang="en-US" sz="3600" b="1" dirty="0"/>
+              <a:t>display all foreign keys</a:t>
             </a:r>
             <a:endParaRPr lang="en-CA" sz="3600" b="1" dirty="0"/>
           </a:p>
